--- a/presos/LincolnHighVisit-2023.pptx
+++ b/presos/LincolnHighVisit-2023.pptx
@@ -235,7 +235,7 @@
           <a:p>
             <a:fld id="{6876BBC0-2D69-4443-A62A-A79B2D6915DC}" type="datetimeFigureOut">
               <a:rPr lang="en-US" smtClean="0"/>
-              <a:t>4/11/23</a:t>
+              <a:t>4/13/23</a:t>
             </a:fld>
             <a:endParaRPr lang="en-US"/>
           </a:p>
@@ -7028,7 +7028,7 @@
           <a:p>
             <a:fld id="{4509A250-FF31-4206-8172-F9D3106AACB1}" type="datetimeFigureOut">
               <a:rPr lang="en-US" smtClean="0"/>
-              <a:t>4/11/23</a:t>
+              <a:t>4/13/23</a:t>
             </a:fld>
             <a:endParaRPr lang="en-US" dirty="0"/>
           </a:p>
@@ -11092,7 +11092,7 @@
                   <a:srgbClr val="0071C5"/>
                 </a:solidFill>
               </a:rPr>
-              <a:t>Because the public key is “public,” the public exponent is a known value.  It usually is 3 or 65,537.</a:t>
+              <a:t>Because the public key is “public,” the public exponent is a known value.  It usually is 3, 17, or 65,537.</a:t>
             </a:r>
           </a:p>
           <a:p>
@@ -11428,7 +11428,7 @@
             </a:pPr>
             <a:r>
               <a:rPr lang="en-US" dirty="0"/>
-              <a:t>i.e. Quadratic sieve, general number field sieve, Shor’s algorithm (quantum computers)</a:t>
+              <a:t>i.e., Quadratic sieve, general number field sieve, Shor’s algorithm (quantum computers)</a:t>
             </a:r>
           </a:p>
         </p:txBody>
@@ -12661,8 +12661,8 @@
         </p:nvSpPr>
         <p:spPr>
           <a:xfrm>
-            <a:off x="607484" y="1576298"/>
-            <a:ext cx="10970683" cy="4567767"/>
+            <a:off x="609601" y="1337414"/>
+            <a:ext cx="10970683" cy="1828800"/>
           </a:xfrm>
         </p:spPr>
         <p:txBody>
@@ -12681,20 +12681,479 @@
             <a:pPr algn="ctr"/>
             <a:r>
               <a:rPr lang="en-US" dirty="0"/>
-              <a:t>3 x 10^2 + 4 x 10^1 + 2 x 10^0</a:t>
-            </a:r>
+              <a:t>(3 x 10</a:t>
+            </a:r>
+            <a:r>
+              <a:rPr lang="en-US" baseline="30000" dirty="0"/>
+              <a:t>2</a:t>
+            </a:r>
+            <a:r>
+              <a:rPr lang="en-US" dirty="0"/>
+              <a:t>) + (4 x 10</a:t>
+            </a:r>
+            <a:r>
+              <a:rPr lang="en-US" baseline="30000" dirty="0"/>
+              <a:t>1</a:t>
+            </a:r>
+            <a:r>
+              <a:rPr lang="en-US" dirty="0"/>
+              <a:t>) + (2 x 10</a:t>
+            </a:r>
+            <a:r>
+              <a:rPr lang="en-US" baseline="30000" dirty="0"/>
+              <a:t>0</a:t>
+            </a:r>
+            <a:r>
+              <a:rPr lang="en-US" dirty="0"/>
+              <a:t>)</a:t>
+            </a:r>
+            <a:endParaRPr lang="en-US" baseline="30000" dirty="0"/>
           </a:p>
           <a:p>
             <a:pPr algn="l"/>
             <a:r>
               <a:rPr lang="en-US" dirty="0"/>
-              <a:t>In this expression, the digit 3 represents 3 groups of 100 (or 3 x 10^2), the digit 4 represents 4 groups of 10 (or 4 x 10^1), and the digit 2 represents 2 units (or 2 x 10^0).</a:t>
-            </a:r>
-          </a:p>
+              <a:t>In this expression:</a:t>
+            </a:r>
+          </a:p>
+        </p:txBody>
+      </p:sp>
+      <p:graphicFrame>
+        <p:nvGraphicFramePr>
+          <p:cNvPr id="4" name="Table 4">
+            <a:extLst>
+              <a:ext uri="{FF2B5EF4-FFF2-40B4-BE49-F238E27FC236}">
+                <a16:creationId xmlns:a16="http://schemas.microsoft.com/office/drawing/2014/main" id="{1A9217CE-F39C-8717-5C5E-1B4D018B692D}"/>
+              </a:ext>
+            </a:extLst>
+          </p:cNvPr>
+          <p:cNvGraphicFramePr>
+            <a:graphicFrameLocks noGrp="1"/>
+          </p:cNvGraphicFramePr>
+          <p:nvPr>
+            <p:extLst>
+              <p:ext uri="{D42A27DB-BD31-4B8C-83A1-F6EECF244321}">
+                <p14:modId xmlns:p14="http://schemas.microsoft.com/office/powerpoint/2010/main" val="1005819707"/>
+              </p:ext>
+            </p:extLst>
+          </p:nvPr>
+        </p:nvGraphicFramePr>
+        <p:xfrm>
+          <a:off x="607484" y="3203358"/>
+          <a:ext cx="11177104" cy="1828800"/>
+        </p:xfrm>
+        <a:graphic>
+          <a:graphicData uri="http://schemas.openxmlformats.org/drawingml/2006/table">
+            <a:tbl>
+              <a:tblPr firstRow="1" bandRow="1">
+                <a:tableStyleId>{2D5ABB26-0587-4C30-8999-92F81FD0307C}</a:tableStyleId>
+              </a:tblPr>
+              <a:tblGrid>
+                <a:gridCol w="9574842">
+                  <a:extLst>
+                    <a:ext uri="{9D8B030D-6E8A-4147-A177-3AD203B41FA5}">
+                      <a16:colId xmlns:a16="http://schemas.microsoft.com/office/drawing/2014/main" val="3556386190"/>
+                    </a:ext>
+                  </a:extLst>
+                </a:gridCol>
+                <a:gridCol w="380276">
+                  <a:extLst>
+                    <a:ext uri="{9D8B030D-6E8A-4147-A177-3AD203B41FA5}">
+                      <a16:colId xmlns:a16="http://schemas.microsoft.com/office/drawing/2014/main" val="1967796704"/>
+                    </a:ext>
+                  </a:extLst>
+                </a:gridCol>
+                <a:gridCol w="1221986">
+                  <a:extLst>
+                    <a:ext uri="{9D8B030D-6E8A-4147-A177-3AD203B41FA5}">
+                      <a16:colId xmlns:a16="http://schemas.microsoft.com/office/drawing/2014/main" val="1835788875"/>
+                    </a:ext>
+                  </a:extLst>
+                </a:gridCol>
+              </a:tblGrid>
+              <a:tr h="0">
+                <a:tc>
+                  <a:txBody>
+                    <a:bodyPr/>
+                    <a:lstStyle/>
+                    <a:p>
+                      <a:pPr marL="0" indent="0" algn="l">
+                        <a:buFont typeface="Arial" panose="020B0604020202020204" pitchFamily="34" charset="0"/>
+                        <a:buNone/>
+                      </a:pPr>
+                      <a:r>
+                        <a:rPr lang="en-US" dirty="0">
+                          <a:solidFill>
+                            <a:schemeClr val="accent1"/>
+                          </a:solidFill>
+                        </a:rPr>
+                        <a:t>The digit 3 represents 3 groups of 10</a:t>
+                      </a:r>
+                      <a:r>
+                        <a:rPr lang="en-US" baseline="30000" dirty="0">
+                          <a:solidFill>
+                            <a:schemeClr val="accent1"/>
+                          </a:solidFill>
+                        </a:rPr>
+                        <a:t>2 </a:t>
+                      </a:r>
+                      <a:r>
+                        <a:rPr lang="en-US" baseline="0" dirty="0">
+                          <a:solidFill>
+                            <a:schemeClr val="accent1"/>
+                          </a:solidFill>
+                        </a:rPr>
+                        <a:t>( = 100)</a:t>
+                      </a:r>
+                      <a:endParaRPr lang="en-US" dirty="0">
+                        <a:solidFill>
+                          <a:schemeClr val="accent1"/>
+                        </a:solidFill>
+                      </a:endParaRPr>
+                    </a:p>
+                  </a:txBody>
+                  <a:tcPr/>
+                </a:tc>
+                <a:tc>
+                  <a:txBody>
+                    <a:bodyPr/>
+                    <a:lstStyle/>
+                    <a:p>
+                      <a:pPr marL="0" indent="0" algn="l">
+                        <a:buFont typeface="Arial" panose="020B0604020202020204" pitchFamily="34" charset="0"/>
+                        <a:buNone/>
+                      </a:pPr>
+                      <a:endParaRPr lang="en-US" dirty="0">
+                        <a:solidFill>
+                          <a:schemeClr val="accent1"/>
+                        </a:solidFill>
+                      </a:endParaRPr>
+                    </a:p>
+                  </a:txBody>
+                  <a:tcPr/>
+                </a:tc>
+                <a:tc>
+                  <a:txBody>
+                    <a:bodyPr/>
+                    <a:lstStyle/>
+                    <a:p>
+                      <a:pPr algn="r"/>
+                      <a:r>
+                        <a:rPr lang="en-US" dirty="0">
+                          <a:solidFill>
+                            <a:schemeClr val="accent1"/>
+                          </a:solidFill>
+                        </a:rPr>
+                        <a:t>300</a:t>
+                      </a:r>
+                    </a:p>
+                  </a:txBody>
+                  <a:tcPr/>
+                </a:tc>
+                <a:extLst>
+                  <a:ext uri="{0D108BD9-81ED-4DB2-BD59-A6C34878D82A}">
+                    <a16:rowId xmlns:a16="http://schemas.microsoft.com/office/drawing/2014/main" val="1309954590"/>
+                  </a:ext>
+                </a:extLst>
+              </a:tr>
+              <a:tr h="370840">
+                <a:tc>
+                  <a:txBody>
+                    <a:bodyPr/>
+                    <a:lstStyle/>
+                    <a:p>
+                      <a:pPr marL="0" indent="0" algn="l">
+                        <a:buFont typeface="Arial" panose="020B0604020202020204" pitchFamily="34" charset="0"/>
+                        <a:buNone/>
+                      </a:pPr>
+                      <a:r>
+                        <a:rPr lang="en-US" dirty="0">
+                          <a:solidFill>
+                            <a:schemeClr val="accent1"/>
+                          </a:solidFill>
+                        </a:rPr>
+                        <a:t>The digit 4 represents 4 groups of 10</a:t>
+                      </a:r>
+                      <a:r>
+                        <a:rPr lang="en-US" baseline="30000" dirty="0">
+                          <a:solidFill>
+                            <a:schemeClr val="accent1"/>
+                          </a:solidFill>
+                        </a:rPr>
+                        <a:t>1 </a:t>
+                      </a:r>
+                      <a:r>
+                        <a:rPr lang="en-US" baseline="0" dirty="0">
+                          <a:solidFill>
+                            <a:schemeClr val="accent1"/>
+                          </a:solidFill>
+                        </a:rPr>
+                        <a:t>( = 10)</a:t>
+                      </a:r>
+                      <a:endParaRPr lang="en-US" dirty="0">
+                        <a:solidFill>
+                          <a:schemeClr val="accent1"/>
+                        </a:solidFill>
+                      </a:endParaRPr>
+                    </a:p>
+                  </a:txBody>
+                  <a:tcPr/>
+                </a:tc>
+                <a:tc>
+                  <a:txBody>
+                    <a:bodyPr/>
+                    <a:lstStyle/>
+                    <a:p>
+                      <a:pPr marL="0" indent="0" algn="l">
+                        <a:buFont typeface="Arial" panose="020B0604020202020204" pitchFamily="34" charset="0"/>
+                        <a:buNone/>
+                      </a:pPr>
+                      <a:r>
+                        <a:rPr lang="en-US" dirty="0">
+                          <a:solidFill>
+                            <a:schemeClr val="accent1"/>
+                          </a:solidFill>
+                        </a:rPr>
+                        <a:t>+</a:t>
+                      </a:r>
+                    </a:p>
+                  </a:txBody>
+                  <a:tcPr/>
+                </a:tc>
+                <a:tc>
+                  <a:txBody>
+                    <a:bodyPr/>
+                    <a:lstStyle/>
+                    <a:p>
+                      <a:pPr algn="r"/>
+                      <a:r>
+                        <a:rPr lang="en-US" dirty="0">
+                          <a:solidFill>
+                            <a:schemeClr val="accent1"/>
+                          </a:solidFill>
+                        </a:rPr>
+                        <a:t>40</a:t>
+                      </a:r>
+                    </a:p>
+                  </a:txBody>
+                  <a:tcPr/>
+                </a:tc>
+                <a:extLst>
+                  <a:ext uri="{0D108BD9-81ED-4DB2-BD59-A6C34878D82A}">
+                    <a16:rowId xmlns:a16="http://schemas.microsoft.com/office/drawing/2014/main" val="1193100459"/>
+                  </a:ext>
+                </a:extLst>
+              </a:tr>
+              <a:tr h="370840">
+                <a:tc>
+                  <a:txBody>
+                    <a:bodyPr/>
+                    <a:lstStyle/>
+                    <a:p>
+                      <a:pPr marL="0" marR="0" lvl="0" indent="0" algn="l" defTabSz="609585" rtl="0" eaLnBrk="1" fontAlgn="auto" latinLnBrk="0" hangingPunct="1">
+                        <a:lnSpc>
+                          <a:spcPct val="100000"/>
+                        </a:lnSpc>
+                        <a:spcBef>
+                          <a:spcPts val="0"/>
+                        </a:spcBef>
+                        <a:spcAft>
+                          <a:spcPts val="0"/>
+                        </a:spcAft>
+                        <a:buClrTx/>
+                        <a:buSzTx/>
+                        <a:buFontTx/>
+                        <a:buNone/>
+                        <a:tabLst/>
+                        <a:defRPr/>
+                      </a:pPr>
+                      <a:r>
+                        <a:rPr lang="en-US" dirty="0">
+                          <a:solidFill>
+                            <a:schemeClr val="accent1"/>
+                          </a:solidFill>
+                        </a:rPr>
+                        <a:t>The digit 2 represents 2 groups of 10</a:t>
+                      </a:r>
+                      <a:r>
+                        <a:rPr lang="en-US" baseline="30000" dirty="0">
+                          <a:solidFill>
+                            <a:schemeClr val="accent1"/>
+                          </a:solidFill>
+                        </a:rPr>
+                        <a:t>0 </a:t>
+                      </a:r>
+                      <a:r>
+                        <a:rPr lang="en-US" baseline="0" dirty="0">
+                          <a:solidFill>
+                            <a:schemeClr val="accent1"/>
+                          </a:solidFill>
+                        </a:rPr>
+                        <a:t>( = 1)</a:t>
+                      </a:r>
+                      <a:endParaRPr lang="en-US" dirty="0">
+                        <a:solidFill>
+                          <a:schemeClr val="accent1"/>
+                        </a:solidFill>
+                      </a:endParaRPr>
+                    </a:p>
+                  </a:txBody>
+                  <a:tcPr/>
+                </a:tc>
+                <a:tc>
+                  <a:txBody>
+                    <a:bodyPr/>
+                    <a:lstStyle/>
+                    <a:p>
+                      <a:pPr marL="0" marR="0" lvl="0" indent="0" algn="l" defTabSz="609585" rtl="0" eaLnBrk="1" fontAlgn="auto" latinLnBrk="0" hangingPunct="1">
+                        <a:lnSpc>
+                          <a:spcPct val="100000"/>
+                        </a:lnSpc>
+                        <a:spcBef>
+                          <a:spcPts val="0"/>
+                        </a:spcBef>
+                        <a:spcAft>
+                          <a:spcPts val="0"/>
+                        </a:spcAft>
+                        <a:buClrTx/>
+                        <a:buSzTx/>
+                        <a:buFontTx/>
+                        <a:buNone/>
+                        <a:tabLst/>
+                        <a:defRPr/>
+                      </a:pPr>
+                      <a:r>
+                        <a:rPr lang="en-US" dirty="0">
+                          <a:solidFill>
+                            <a:schemeClr val="accent1"/>
+                          </a:solidFill>
+                        </a:rPr>
+                        <a:t>+</a:t>
+                      </a:r>
+                    </a:p>
+                  </a:txBody>
+                  <a:tcPr/>
+                </a:tc>
+                <a:tc>
+                  <a:txBody>
+                    <a:bodyPr/>
+                    <a:lstStyle/>
+                    <a:p>
+                      <a:pPr algn="r"/>
+                      <a:r>
+                        <a:rPr lang="en-US" dirty="0">
+                          <a:solidFill>
+                            <a:schemeClr val="accent1"/>
+                          </a:solidFill>
+                        </a:rPr>
+                        <a:t>2</a:t>
+                      </a:r>
+                    </a:p>
+                  </a:txBody>
+                  <a:tcPr/>
+                </a:tc>
+                <a:extLst>
+                  <a:ext uri="{0D108BD9-81ED-4DB2-BD59-A6C34878D82A}">
+                    <a16:rowId xmlns:a16="http://schemas.microsoft.com/office/drawing/2014/main" val="589228455"/>
+                  </a:ext>
+                </a:extLst>
+              </a:tr>
+              <a:tr h="370840">
+                <a:tc>
+                  <a:txBody>
+                    <a:bodyPr/>
+                    <a:lstStyle/>
+                    <a:p>
+                      <a:pPr algn="r"/>
+                      <a:r>
+                        <a:rPr lang="en-US" dirty="0">
+                          <a:solidFill>
+                            <a:schemeClr val="accent1"/>
+                          </a:solidFill>
+                        </a:rPr>
+                        <a:t>Total:</a:t>
+                      </a:r>
+                    </a:p>
+                  </a:txBody>
+                  <a:tcPr/>
+                </a:tc>
+                <a:tc>
+                  <a:txBody>
+                    <a:bodyPr/>
+                    <a:lstStyle/>
+                    <a:p>
+                      <a:pPr marL="0" algn="l" defTabSz="609585" rtl="0" eaLnBrk="1" latinLnBrk="0" hangingPunct="1"/>
+                      <a:r>
+                        <a:rPr lang="en-US" dirty="0">
+                          <a:solidFill>
+                            <a:schemeClr val="accent1"/>
+                          </a:solidFill>
+                        </a:rPr>
+                        <a:t>=</a:t>
+                      </a:r>
+                    </a:p>
+                  </a:txBody>
+                  <a:tcPr/>
+                </a:tc>
+                <a:tc>
+                  <a:txBody>
+                    <a:bodyPr/>
+                    <a:lstStyle/>
+                    <a:p>
+                      <a:pPr algn="r"/>
+                      <a:r>
+                        <a:rPr lang="en-US" dirty="0">
+                          <a:solidFill>
+                            <a:schemeClr val="accent1"/>
+                          </a:solidFill>
+                        </a:rPr>
+                        <a:t>342</a:t>
+                      </a:r>
+                    </a:p>
+                  </a:txBody>
+                  <a:tcPr/>
+                </a:tc>
+                <a:extLst>
+                  <a:ext uri="{0D108BD9-81ED-4DB2-BD59-A6C34878D82A}">
+                    <a16:rowId xmlns:a16="http://schemas.microsoft.com/office/drawing/2014/main" val="2970985595"/>
+                  </a:ext>
+                </a:extLst>
+              </a:tr>
+            </a:tbl>
+          </a:graphicData>
+        </a:graphic>
+      </p:graphicFrame>
+      <p:sp>
+        <p:nvSpPr>
+          <p:cNvPr id="6" name="TextBox 5">
+            <a:extLst>
+              <a:ext uri="{FF2B5EF4-FFF2-40B4-BE49-F238E27FC236}">
+                <a16:creationId xmlns:a16="http://schemas.microsoft.com/office/drawing/2014/main" id="{6345D9AE-7878-E4A8-665D-3B973956BFB0}"/>
+              </a:ext>
+            </a:extLst>
+          </p:cNvPr>
+          <p:cNvSpPr txBox="1"/>
+          <p:nvPr/>
+        </p:nvSpPr>
+        <p:spPr>
+          <a:xfrm>
+            <a:off x="0" y="5335920"/>
+            <a:ext cx="12191999" cy="461665"/>
+          </a:xfrm>
+          <a:prstGeom prst="rect">
+            <a:avLst/>
+          </a:prstGeom>
+          <a:noFill/>
+        </p:spPr>
+        <p:txBody>
+          <a:bodyPr wrap="square">
+            <a:spAutoFit/>
+          </a:bodyPr>
+          <a:lstStyle/>
           <a:p>
             <a:pPr algn="ctr"/>
             <a:r>
-              <a:rPr lang="en-US" dirty="0"/>
+              <a:rPr lang="en-US" sz="2400" dirty="0"/>
               <a:t>For our examples, we will use base 27 numbers.</a:t>
             </a:r>
           </a:p>
@@ -12776,8 +13235,8 @@
         </p:nvSpPr>
         <p:spPr>
           <a:xfrm>
-            <a:off x="607484" y="1576298"/>
-            <a:ext cx="10970683" cy="4567767"/>
+            <a:off x="607484" y="2982487"/>
+            <a:ext cx="11202803" cy="3341044"/>
           </a:xfrm>
         </p:spPr>
         <p:txBody>
@@ -12792,41 +13251,31 @@
                   <a:schemeClr val="accent1"/>
                 </a:solidFill>
               </a:rPr>
-              <a:t>Because RSA is a mathematical algorithm, we must first convert the text to a number…</a:t>
-            </a:r>
-          </a:p>
-          <a:p>
+              <a:t>1. Convert each character to a number between 1 and 26.</a:t>
+            </a:r>
+          </a:p>
+          <a:p>
+            <a:pPr algn="ctr"/>
             <a:r>
               <a:rPr lang="en-US" dirty="0">
                 <a:solidFill>
                   <a:schemeClr val="accent1"/>
                 </a:solidFill>
               </a:rPr>
-              <a:t>1. Convert each character to a number between 1 and 26.</a:t>
-            </a:r>
-          </a:p>
-          <a:p>
-            <a:pPr algn="ctr"/>
+              <a:t>D = 4, A = 1, V = 22, E = 5</a:t>
+            </a:r>
+          </a:p>
+          <a:p>
+            <a:pPr marL="0" lvl="1" indent="0">
+              <a:buNone/>
+            </a:pPr>
             <a:r>
               <a:rPr lang="en-US" dirty="0">
                 <a:solidFill>
                   <a:schemeClr val="accent1"/>
                 </a:solidFill>
               </a:rPr>
-              <a:t>DAVE == 4, 1, 22, 5</a:t>
-            </a:r>
-          </a:p>
-          <a:p>
-            <a:pPr marL="0" lvl="1" indent="0">
-              <a:buNone/>
-            </a:pPr>
-            <a:r>
-              <a:rPr lang="en-US" dirty="0">
-                <a:solidFill>
-                  <a:schemeClr val="accent1"/>
-                </a:solidFill>
-              </a:rPr>
-              <a:t>2. Take each of these numbers and convert them to base 27 digits. </a:t>
+              <a:t>2. Take each of these digits and treat them as base 27 positional digits. </a:t>
             </a:r>
           </a:p>
           <a:p>
@@ -12930,6 +13379,623 @@
                 </a:solidFill>
               </a:rPr>
               <a:t>78732 + 729 + 594 + 5 = 80060</a:t>
+            </a:r>
+          </a:p>
+        </p:txBody>
+      </p:sp>
+      <p:graphicFrame>
+        <p:nvGraphicFramePr>
+          <p:cNvPr id="7" name="Table 7">
+            <a:extLst>
+              <a:ext uri="{FF2B5EF4-FFF2-40B4-BE49-F238E27FC236}">
+                <a16:creationId xmlns:a16="http://schemas.microsoft.com/office/drawing/2014/main" id="{67FED7EB-86A6-D2ED-0350-6E163BC58777}"/>
+              </a:ext>
+            </a:extLst>
+          </p:cNvPr>
+          <p:cNvGraphicFramePr>
+            <a:graphicFrameLocks noGrp="1"/>
+          </p:cNvGraphicFramePr>
+          <p:nvPr>
+            <p:extLst>
+              <p:ext uri="{D42A27DB-BD31-4B8C-83A1-F6EECF244321}">
+                <p14:modId xmlns:p14="http://schemas.microsoft.com/office/powerpoint/2010/main" val="2266488981"/>
+              </p:ext>
+            </p:extLst>
+          </p:nvPr>
+        </p:nvGraphicFramePr>
+        <p:xfrm>
+          <a:off x="607484" y="2019504"/>
+          <a:ext cx="10972800" cy="633694"/>
+        </p:xfrm>
+        <a:graphic>
+          <a:graphicData uri="http://schemas.openxmlformats.org/drawingml/2006/table">
+            <a:tbl>
+              <a:tblPr firstRow="1" bandRow="1">
+                <a:tableStyleId>{5C22544A-7EE6-4342-B048-85BDC9FD1C3A}</a:tableStyleId>
+              </a:tblPr>
+              <a:tblGrid>
+                <a:gridCol w="685800">
+                  <a:extLst>
+                    <a:ext uri="{9D8B030D-6E8A-4147-A177-3AD203B41FA5}">
+                      <a16:colId xmlns:a16="http://schemas.microsoft.com/office/drawing/2014/main" val="3661507132"/>
+                    </a:ext>
+                  </a:extLst>
+                </a:gridCol>
+                <a:gridCol w="685800">
+                  <a:extLst>
+                    <a:ext uri="{9D8B030D-6E8A-4147-A177-3AD203B41FA5}">
+                      <a16:colId xmlns:a16="http://schemas.microsoft.com/office/drawing/2014/main" val="2258977791"/>
+                    </a:ext>
+                  </a:extLst>
+                </a:gridCol>
+                <a:gridCol w="685800">
+                  <a:extLst>
+                    <a:ext uri="{9D8B030D-6E8A-4147-A177-3AD203B41FA5}">
+                      <a16:colId xmlns:a16="http://schemas.microsoft.com/office/drawing/2014/main" val="2734847252"/>
+                    </a:ext>
+                  </a:extLst>
+                </a:gridCol>
+                <a:gridCol w="685800">
+                  <a:extLst>
+                    <a:ext uri="{9D8B030D-6E8A-4147-A177-3AD203B41FA5}">
+                      <a16:colId xmlns:a16="http://schemas.microsoft.com/office/drawing/2014/main" val="220842555"/>
+                    </a:ext>
+                  </a:extLst>
+                </a:gridCol>
+                <a:gridCol w="685800">
+                  <a:extLst>
+                    <a:ext uri="{9D8B030D-6E8A-4147-A177-3AD203B41FA5}">
+                      <a16:colId xmlns:a16="http://schemas.microsoft.com/office/drawing/2014/main" val="2883168314"/>
+                    </a:ext>
+                  </a:extLst>
+                </a:gridCol>
+                <a:gridCol w="685800">
+                  <a:extLst>
+                    <a:ext uri="{9D8B030D-6E8A-4147-A177-3AD203B41FA5}">
+                      <a16:colId xmlns:a16="http://schemas.microsoft.com/office/drawing/2014/main" val="3305880703"/>
+                    </a:ext>
+                  </a:extLst>
+                </a:gridCol>
+                <a:gridCol w="685800">
+                  <a:extLst>
+                    <a:ext uri="{9D8B030D-6E8A-4147-A177-3AD203B41FA5}">
+                      <a16:colId xmlns:a16="http://schemas.microsoft.com/office/drawing/2014/main" val="1708057372"/>
+                    </a:ext>
+                  </a:extLst>
+                </a:gridCol>
+                <a:gridCol w="685800">
+                  <a:extLst>
+                    <a:ext uri="{9D8B030D-6E8A-4147-A177-3AD203B41FA5}">
+                      <a16:colId xmlns:a16="http://schemas.microsoft.com/office/drawing/2014/main" val="2180236203"/>
+                    </a:ext>
+                  </a:extLst>
+                </a:gridCol>
+                <a:gridCol w="685800">
+                  <a:extLst>
+                    <a:ext uri="{9D8B030D-6E8A-4147-A177-3AD203B41FA5}">
+                      <a16:colId xmlns:a16="http://schemas.microsoft.com/office/drawing/2014/main" val="3405675218"/>
+                    </a:ext>
+                  </a:extLst>
+                </a:gridCol>
+                <a:gridCol w="685800">
+                  <a:extLst>
+                    <a:ext uri="{9D8B030D-6E8A-4147-A177-3AD203B41FA5}">
+                      <a16:colId xmlns:a16="http://schemas.microsoft.com/office/drawing/2014/main" val="2827398762"/>
+                    </a:ext>
+                  </a:extLst>
+                </a:gridCol>
+                <a:gridCol w="685800">
+                  <a:extLst>
+                    <a:ext uri="{9D8B030D-6E8A-4147-A177-3AD203B41FA5}">
+                      <a16:colId xmlns:a16="http://schemas.microsoft.com/office/drawing/2014/main" val="587142459"/>
+                    </a:ext>
+                  </a:extLst>
+                </a:gridCol>
+                <a:gridCol w="685800">
+                  <a:extLst>
+                    <a:ext uri="{9D8B030D-6E8A-4147-A177-3AD203B41FA5}">
+                      <a16:colId xmlns:a16="http://schemas.microsoft.com/office/drawing/2014/main" val="1202868021"/>
+                    </a:ext>
+                  </a:extLst>
+                </a:gridCol>
+                <a:gridCol w="685800">
+                  <a:extLst>
+                    <a:ext uri="{9D8B030D-6E8A-4147-A177-3AD203B41FA5}">
+                      <a16:colId xmlns:a16="http://schemas.microsoft.com/office/drawing/2014/main" val="4223889899"/>
+                    </a:ext>
+                  </a:extLst>
+                </a:gridCol>
+                <a:gridCol w="685800">
+                  <a:extLst>
+                    <a:ext uri="{9D8B030D-6E8A-4147-A177-3AD203B41FA5}">
+                      <a16:colId xmlns:a16="http://schemas.microsoft.com/office/drawing/2014/main" val="1766071823"/>
+                    </a:ext>
+                  </a:extLst>
+                </a:gridCol>
+                <a:gridCol w="685800">
+                  <a:extLst>
+                    <a:ext uri="{9D8B030D-6E8A-4147-A177-3AD203B41FA5}">
+                      <a16:colId xmlns:a16="http://schemas.microsoft.com/office/drawing/2014/main" val="549825611"/>
+                    </a:ext>
+                  </a:extLst>
+                </a:gridCol>
+                <a:gridCol w="685800">
+                  <a:extLst>
+                    <a:ext uri="{9D8B030D-6E8A-4147-A177-3AD203B41FA5}">
+                      <a16:colId xmlns:a16="http://schemas.microsoft.com/office/drawing/2014/main" val="2619129629"/>
+                    </a:ext>
+                  </a:extLst>
+                </a:gridCol>
+              </a:tblGrid>
+              <a:tr h="278253">
+                <a:tc>
+                  <a:txBody>
+                    <a:bodyPr/>
+                    <a:lstStyle/>
+                    <a:p>
+                      <a:r>
+                        <a:rPr lang="en-US" sz="1400" dirty="0"/>
+                        <a:t>A</a:t>
+                      </a:r>
+                    </a:p>
+                  </a:txBody>
+                  <a:tcPr/>
+                </a:tc>
+                <a:tc>
+                  <a:txBody>
+                    <a:bodyPr/>
+                    <a:lstStyle/>
+                    <a:p>
+                      <a:r>
+                        <a:rPr lang="en-US" sz="1400" dirty="0"/>
+                        <a:t>B</a:t>
+                      </a:r>
+                    </a:p>
+                  </a:txBody>
+                  <a:tcPr/>
+                </a:tc>
+                <a:tc>
+                  <a:txBody>
+                    <a:bodyPr/>
+                    <a:lstStyle/>
+                    <a:p>
+                      <a:r>
+                        <a:rPr lang="en-US" sz="1400" dirty="0"/>
+                        <a:t>C</a:t>
+                      </a:r>
+                    </a:p>
+                  </a:txBody>
+                  <a:tcPr/>
+                </a:tc>
+                <a:tc>
+                  <a:txBody>
+                    <a:bodyPr/>
+                    <a:lstStyle/>
+                    <a:p>
+                      <a:r>
+                        <a:rPr lang="en-US" sz="1400" dirty="0"/>
+                        <a:t>D</a:t>
+                      </a:r>
+                    </a:p>
+                  </a:txBody>
+                  <a:tcPr/>
+                </a:tc>
+                <a:tc>
+                  <a:txBody>
+                    <a:bodyPr/>
+                    <a:lstStyle/>
+                    <a:p>
+                      <a:r>
+                        <a:rPr lang="en-US" sz="1400" dirty="0"/>
+                        <a:t>E</a:t>
+                      </a:r>
+                    </a:p>
+                  </a:txBody>
+                  <a:tcPr/>
+                </a:tc>
+                <a:tc>
+                  <a:txBody>
+                    <a:bodyPr/>
+                    <a:lstStyle/>
+                    <a:p>
+                      <a:r>
+                        <a:rPr lang="en-US" sz="1400" dirty="0"/>
+                        <a:t>F</a:t>
+                      </a:r>
+                    </a:p>
+                  </a:txBody>
+                  <a:tcPr/>
+                </a:tc>
+                <a:tc>
+                  <a:txBody>
+                    <a:bodyPr/>
+                    <a:lstStyle/>
+                    <a:p>
+                      <a:r>
+                        <a:rPr lang="en-US" sz="1400" dirty="0"/>
+                        <a:t>G</a:t>
+                      </a:r>
+                    </a:p>
+                  </a:txBody>
+                  <a:tcPr/>
+                </a:tc>
+                <a:tc>
+                  <a:txBody>
+                    <a:bodyPr/>
+                    <a:lstStyle/>
+                    <a:p>
+                      <a:r>
+                        <a:rPr lang="en-US" sz="1400" dirty="0"/>
+                        <a:t>H</a:t>
+                      </a:r>
+                    </a:p>
+                  </a:txBody>
+                  <a:tcPr/>
+                </a:tc>
+                <a:tc>
+                  <a:txBody>
+                    <a:bodyPr/>
+                    <a:lstStyle/>
+                    <a:p>
+                      <a:r>
+                        <a:rPr lang="en-US" sz="1400" dirty="0"/>
+                        <a:t>I</a:t>
+                      </a:r>
+                    </a:p>
+                  </a:txBody>
+                  <a:tcPr/>
+                </a:tc>
+                <a:tc>
+                  <a:txBody>
+                    <a:bodyPr/>
+                    <a:lstStyle/>
+                    <a:p>
+                      <a:r>
+                        <a:rPr lang="en-US" sz="1400" dirty="0"/>
+                        <a:t>J</a:t>
+                      </a:r>
+                    </a:p>
+                  </a:txBody>
+                  <a:tcPr/>
+                </a:tc>
+                <a:tc>
+                  <a:txBody>
+                    <a:bodyPr/>
+                    <a:lstStyle/>
+                    <a:p>
+                      <a:r>
+                        <a:rPr lang="en-US" sz="1400" dirty="0"/>
+                        <a:t>K</a:t>
+                      </a:r>
+                    </a:p>
+                  </a:txBody>
+                  <a:tcPr/>
+                </a:tc>
+                <a:tc>
+                  <a:txBody>
+                    <a:bodyPr/>
+                    <a:lstStyle/>
+                    <a:p>
+                      <a:r>
+                        <a:rPr lang="en-US" sz="1400" dirty="0"/>
+                        <a:t>L</a:t>
+                      </a:r>
+                    </a:p>
+                  </a:txBody>
+                  <a:tcPr/>
+                </a:tc>
+                <a:tc>
+                  <a:txBody>
+                    <a:bodyPr/>
+                    <a:lstStyle/>
+                    <a:p>
+                      <a:r>
+                        <a:rPr lang="en-US" sz="1400" dirty="0"/>
+                        <a:t>M</a:t>
+                      </a:r>
+                    </a:p>
+                  </a:txBody>
+                  <a:tcPr/>
+                </a:tc>
+                <a:tc>
+                  <a:txBody>
+                    <a:bodyPr/>
+                    <a:lstStyle/>
+                    <a:p>
+                      <a:r>
+                        <a:rPr lang="en-US" sz="1400" dirty="0"/>
+                        <a:t>N</a:t>
+                      </a:r>
+                    </a:p>
+                  </a:txBody>
+                  <a:tcPr/>
+                </a:tc>
+                <a:tc>
+                  <a:txBody>
+                    <a:bodyPr/>
+                    <a:lstStyle/>
+                    <a:p>
+                      <a:r>
+                        <a:rPr lang="en-US" sz="1400" dirty="0"/>
+                        <a:t>O</a:t>
+                      </a:r>
+                    </a:p>
+                  </a:txBody>
+                  <a:tcPr/>
+                </a:tc>
+                <a:tc>
+                  <a:txBody>
+                    <a:bodyPr/>
+                    <a:lstStyle/>
+                    <a:p>
+                      <a:r>
+                        <a:rPr lang="en-US" sz="1400" dirty="0"/>
+                        <a:t>…</a:t>
+                      </a:r>
+                    </a:p>
+                  </a:txBody>
+                  <a:tcPr/>
+                </a:tc>
+                <a:extLst>
+                  <a:ext uri="{0D108BD9-81ED-4DB2-BD59-A6C34878D82A}">
+                    <a16:rowId xmlns:a16="http://schemas.microsoft.com/office/drawing/2014/main" val="1572714276"/>
+                  </a:ext>
+                </a:extLst>
+              </a:tr>
+              <a:tr h="328894">
+                <a:tc>
+                  <a:txBody>
+                    <a:bodyPr/>
+                    <a:lstStyle/>
+                    <a:p>
+                      <a:r>
+                        <a:rPr lang="en-US" sz="1400" dirty="0"/>
+                        <a:t>1</a:t>
+                      </a:r>
+                    </a:p>
+                  </a:txBody>
+                  <a:tcPr/>
+                </a:tc>
+                <a:tc>
+                  <a:txBody>
+                    <a:bodyPr/>
+                    <a:lstStyle/>
+                    <a:p>
+                      <a:r>
+                        <a:rPr lang="en-US" sz="1400" dirty="0"/>
+                        <a:t>2</a:t>
+                      </a:r>
+                    </a:p>
+                  </a:txBody>
+                  <a:tcPr/>
+                </a:tc>
+                <a:tc>
+                  <a:txBody>
+                    <a:bodyPr/>
+                    <a:lstStyle/>
+                    <a:p>
+                      <a:r>
+                        <a:rPr lang="en-US" sz="1400" dirty="0"/>
+                        <a:t>3</a:t>
+                      </a:r>
+                    </a:p>
+                  </a:txBody>
+                  <a:tcPr/>
+                </a:tc>
+                <a:tc>
+                  <a:txBody>
+                    <a:bodyPr/>
+                    <a:lstStyle/>
+                    <a:p>
+                      <a:r>
+                        <a:rPr lang="en-US" sz="1400" dirty="0"/>
+                        <a:t>4</a:t>
+                      </a:r>
+                    </a:p>
+                  </a:txBody>
+                  <a:tcPr/>
+                </a:tc>
+                <a:tc>
+                  <a:txBody>
+                    <a:bodyPr/>
+                    <a:lstStyle/>
+                    <a:p>
+                      <a:r>
+                        <a:rPr lang="en-US" sz="1400" dirty="0"/>
+                        <a:t>5</a:t>
+                      </a:r>
+                    </a:p>
+                  </a:txBody>
+                  <a:tcPr/>
+                </a:tc>
+                <a:tc>
+                  <a:txBody>
+                    <a:bodyPr/>
+                    <a:lstStyle/>
+                    <a:p>
+                      <a:r>
+                        <a:rPr lang="en-US" sz="1400" dirty="0"/>
+                        <a:t>6</a:t>
+                      </a:r>
+                    </a:p>
+                  </a:txBody>
+                  <a:tcPr/>
+                </a:tc>
+                <a:tc>
+                  <a:txBody>
+                    <a:bodyPr/>
+                    <a:lstStyle/>
+                    <a:p>
+                      <a:r>
+                        <a:rPr lang="en-US" sz="1400" dirty="0"/>
+                        <a:t>7</a:t>
+                      </a:r>
+                    </a:p>
+                  </a:txBody>
+                  <a:tcPr/>
+                </a:tc>
+                <a:tc>
+                  <a:txBody>
+                    <a:bodyPr/>
+                    <a:lstStyle/>
+                    <a:p>
+                      <a:r>
+                        <a:rPr lang="en-US" sz="1400" dirty="0"/>
+                        <a:t>8</a:t>
+                      </a:r>
+                    </a:p>
+                  </a:txBody>
+                  <a:tcPr/>
+                </a:tc>
+                <a:tc>
+                  <a:txBody>
+                    <a:bodyPr/>
+                    <a:lstStyle/>
+                    <a:p>
+                      <a:r>
+                        <a:rPr lang="en-US" sz="1400" dirty="0"/>
+                        <a:t>9</a:t>
+                      </a:r>
+                    </a:p>
+                  </a:txBody>
+                  <a:tcPr/>
+                </a:tc>
+                <a:tc>
+                  <a:txBody>
+                    <a:bodyPr/>
+                    <a:lstStyle/>
+                    <a:p>
+                      <a:r>
+                        <a:rPr lang="en-US" sz="1400" dirty="0"/>
+                        <a:t>10</a:t>
+                      </a:r>
+                    </a:p>
+                  </a:txBody>
+                  <a:tcPr/>
+                </a:tc>
+                <a:tc>
+                  <a:txBody>
+                    <a:bodyPr/>
+                    <a:lstStyle/>
+                    <a:p>
+                      <a:r>
+                        <a:rPr lang="en-US" sz="1400" dirty="0"/>
+                        <a:t>11</a:t>
+                      </a:r>
+                    </a:p>
+                  </a:txBody>
+                  <a:tcPr/>
+                </a:tc>
+                <a:tc>
+                  <a:txBody>
+                    <a:bodyPr/>
+                    <a:lstStyle/>
+                    <a:p>
+                      <a:r>
+                        <a:rPr lang="en-US" sz="1400" dirty="0"/>
+                        <a:t>12</a:t>
+                      </a:r>
+                    </a:p>
+                  </a:txBody>
+                  <a:tcPr/>
+                </a:tc>
+                <a:tc>
+                  <a:txBody>
+                    <a:bodyPr/>
+                    <a:lstStyle/>
+                    <a:p>
+                      <a:r>
+                        <a:rPr lang="en-US" sz="1400" dirty="0"/>
+                        <a:t>13</a:t>
+                      </a:r>
+                    </a:p>
+                  </a:txBody>
+                  <a:tcPr/>
+                </a:tc>
+                <a:tc>
+                  <a:txBody>
+                    <a:bodyPr/>
+                    <a:lstStyle/>
+                    <a:p>
+                      <a:r>
+                        <a:rPr lang="en-US" sz="1400" dirty="0"/>
+                        <a:t>14</a:t>
+                      </a:r>
+                    </a:p>
+                  </a:txBody>
+                  <a:tcPr/>
+                </a:tc>
+                <a:tc>
+                  <a:txBody>
+                    <a:bodyPr/>
+                    <a:lstStyle/>
+                    <a:p>
+                      <a:r>
+                        <a:rPr lang="en-US" sz="1400" dirty="0"/>
+                        <a:t>15</a:t>
+                      </a:r>
+                    </a:p>
+                  </a:txBody>
+                  <a:tcPr/>
+                </a:tc>
+                <a:tc>
+                  <a:txBody>
+                    <a:bodyPr/>
+                    <a:lstStyle/>
+                    <a:p>
+                      <a:r>
+                        <a:rPr lang="en-US" sz="1400" dirty="0"/>
+                        <a:t>…</a:t>
+                      </a:r>
+                    </a:p>
+                  </a:txBody>
+                  <a:tcPr/>
+                </a:tc>
+                <a:extLst>
+                  <a:ext uri="{0D108BD9-81ED-4DB2-BD59-A6C34878D82A}">
+                    <a16:rowId xmlns:a16="http://schemas.microsoft.com/office/drawing/2014/main" val="1691462546"/>
+                  </a:ext>
+                </a:extLst>
+              </a:tr>
+            </a:tbl>
+          </a:graphicData>
+        </a:graphic>
+      </p:graphicFrame>
+      <p:sp>
+        <p:nvSpPr>
+          <p:cNvPr id="9" name="TextBox 8">
+            <a:extLst>
+              <a:ext uri="{FF2B5EF4-FFF2-40B4-BE49-F238E27FC236}">
+                <a16:creationId xmlns:a16="http://schemas.microsoft.com/office/drawing/2014/main" id="{BC2C7497-5632-1BCF-D89C-0B81C73A9421}"/>
+              </a:ext>
+            </a:extLst>
+          </p:cNvPr>
+          <p:cNvSpPr txBox="1"/>
+          <p:nvPr/>
+        </p:nvSpPr>
+        <p:spPr>
+          <a:xfrm>
+            <a:off x="504934" y="1038685"/>
+            <a:ext cx="11305353" cy="830997"/>
+          </a:xfrm>
+          <a:prstGeom prst="rect">
+            <a:avLst/>
+          </a:prstGeom>
+          <a:noFill/>
+        </p:spPr>
+        <p:txBody>
+          <a:bodyPr wrap="square">
+            <a:spAutoFit/>
+          </a:bodyPr>
+          <a:lstStyle/>
+          <a:p>
+            <a:r>
+              <a:rPr lang="en-US" sz="2400" dirty="0">
+                <a:solidFill>
+                  <a:schemeClr val="accent1"/>
+                </a:solidFill>
+              </a:rPr>
+              <a:t>Because RSA is a mathematical algorithm, we must first convert the plaintext or ciphertext to an integer…</a:t>
             </a:r>
           </a:p>
         </p:txBody>
@@ -13039,7 +14105,7 @@
             </a:r>
             <a:r>
               <a:rPr lang="en-US" dirty="0"/>
-              <a:t>}. So, when we encrypt a message (m) with modular exponentiation…</a:t>
+              <a:t>}. So, when we encrypt a message (m) using RSA modular exponentiation…</a:t>
             </a:r>
           </a:p>
           <a:p>
@@ -13159,14 +14225,14 @@
                   <a:srgbClr val="0071C5"/>
                 </a:solidFill>
               </a:rPr>
-              <a:t>This is our cipher text.</a:t>
+              <a:t>This is the numerical ciphertext.</a:t>
             </a:r>
           </a:p>
           <a:p>
             <a:pPr algn="ctr"/>
             <a:r>
               <a:rPr lang="en-US" dirty="0"/>
-              <a:t>If we covert this to text, we get “</a:t>
+              <a:t>If we encode this as text, we get “</a:t>
             </a:r>
             <a:r>
               <a:rPr lang="en-US" dirty="0">
@@ -13270,7 +14336,13 @@
           <a:p>
             <a:r>
               <a:rPr lang="en-US" dirty="0"/>
-              <a:t>The associated private key is {d, n} = {1239467, 1861963}. When we decrypt cipher-text (c) with modular exponentiation…</a:t>
+              <a:t>Remember: the numerical ciphertext is 559749.</a:t>
+            </a:r>
+          </a:p>
+          <a:p>
+            <a:r>
+              <a:rPr lang="en-US" dirty="0"/>
+              <a:t>The associated private key is {d, n} = {1239467, 1861963}. When we decrypt the ciphertext (c) using modular exponentiation…</a:t>
             </a:r>
           </a:p>
           <a:p>
@@ -13575,7 +14647,7 @@
                   <a:schemeClr val="tx2"/>
                 </a:solidFill>
               </a:rPr>
-              <a:t>If you successfully decrypt the word, you’ll earn a ticket for a prize raffle we will be having at the end.</a:t>
+              <a:t>If you successfully decrypt the word, you’ll earn a ticket for a prize raffle we will conduct at the end of the activity.</a:t>
             </a:r>
           </a:p>
         </p:txBody>
@@ -13669,7 +14741,7 @@
           <a:p>
             <a:r>
               <a:rPr lang="en-US" dirty="0"/>
-              <a:t>We will be using 11 bit primes. This results in 22 bit moduli.</a:t>
+              <a:t>We will be using 11-bit primes (p=1153, q=1601). This results in a 22-bit modulus.</a:t>
             </a:r>
           </a:p>
           <a:p>
@@ -14484,7 +15556,7 @@
                   <a:schemeClr val="accent1"/>
                 </a:solidFill>
               </a:rPr>
-              <a:t>Knowledge of the cryptographic algorithm and its design does not diminish other security properties. In fact, it is expected that the attacker knows the cryptographic algorithm quite well. Security of the cryptographic algorithm rests only in the underlying hardness assumptions (e.g. the hardness of integer factorization), protection of algorithm secrets (e.g. keys) and implementation correctness.</a:t>
+              <a:t>Knowledge of the cryptographic algorithm and its design does not diminish other security properties. In fact, it is expected that the attacker knows the cryptographic algorithm quite well. Security of the cryptographic algorithm rests only in the underlying “hardness assumptions” (e.g., the difficulty of large integer factorization), protection of algorithm secrets (e.g., keys) and implementation correctness.</a:t>
             </a:r>
           </a:p>
           <a:p>
@@ -14676,14 +15748,19 @@
             <p:ph sz="quarter" idx="13"/>
           </p:nvPr>
         </p:nvSpPr>
-        <p:spPr/>
+        <p:spPr>
+          <a:xfrm>
+            <a:off x="609601" y="1238674"/>
+            <a:ext cx="10970683" cy="4567767"/>
+          </a:xfrm>
+        </p:spPr>
         <p:txBody>
           <a:bodyPr/>
           <a:lstStyle/>
           <a:p>
             <a:r>
               <a:rPr lang="en-US" dirty="0"/>
-              <a:t>Symmetric-key algorithms are algorithms for cryptography that use the same cryptographic keys for both the encryption of plaintext and the decryption of ciphertext. </a:t>
+              <a:t>Symmetric key cryptographic algorithms use the same cryptographic key for both the encryption of plaintext as well as the decryption of ciphertext. </a:t>
             </a:r>
           </a:p>
           <a:p>
@@ -14693,7 +15770,7 @@
             </a:pPr>
             <a:r>
               <a:rPr lang="en-US" dirty="0"/>
-              <a:t>The keys may be identical, or there may be a simple transformation to go between the two keys.</a:t>
+              <a:t>The encryption and decryption keys are identical and must be kept secret.</a:t>
             </a:r>
           </a:p>
           <a:p>
@@ -14703,7 +15780,78 @@
             </a:pPr>
             <a:r>
               <a:rPr lang="en-US" dirty="0"/>
-              <a:t> The keys, in practice, represent a shared secret between two or more parties that can be used to maintain a private information link</a:t>
+              <a:t>Based on the key, the algorithm performs various transformations (confusion and diffusion) on the plaintext to render the ciphertext as indistinguishable from random data.</a:t>
+            </a:r>
+          </a:p>
+          <a:p>
+            <a:pPr marL="342900" indent="-342900">
+              <a:buFont typeface="Arial" panose="020B0604020202020204" pitchFamily="34" charset="0"/>
+              <a:buChar char="•"/>
+            </a:pPr>
+            <a:r>
+              <a:rPr lang="en-US" dirty="0"/>
+              <a:t>Used to encrypt larger quantities of data.</a:t>
+            </a:r>
+          </a:p>
+          <a:p>
+            <a:pPr marL="342900" indent="-342900">
+              <a:buFont typeface="Arial" panose="020B0604020202020204" pitchFamily="34" charset="0"/>
+              <a:buChar char="•"/>
+            </a:pPr>
+            <a:r>
+              <a:rPr lang="en-US" dirty="0"/>
+              <a:t>Often used to protect stored data or to exchange data between two parties over an insecure link.</a:t>
+            </a:r>
+          </a:p>
+        </p:txBody>
+      </p:sp>
+      <p:sp>
+        <p:nvSpPr>
+          <p:cNvPr id="3" name="TextBox 2">
+            <a:extLst>
+              <a:ext uri="{FF2B5EF4-FFF2-40B4-BE49-F238E27FC236}">
+                <a16:creationId xmlns:a16="http://schemas.microsoft.com/office/drawing/2014/main" id="{F7F85D1E-704A-EA6E-02BD-FFDAE5E35A53}"/>
+              </a:ext>
+            </a:extLst>
+          </p:cNvPr>
+          <p:cNvSpPr txBox="1"/>
+          <p:nvPr/>
+        </p:nvSpPr>
+        <p:spPr>
+          <a:xfrm>
+            <a:off x="0" y="5619326"/>
+            <a:ext cx="12192000" cy="615553"/>
+          </a:xfrm>
+          <a:prstGeom prst="rect">
+            <a:avLst/>
+          </a:prstGeom>
+          <a:noFill/>
+        </p:spPr>
+        <p:txBody>
+          <a:bodyPr vert="horz" wrap="square" lIns="0" tIns="0" rIns="0" bIns="0" rtlCol="0">
+            <a:spAutoFit/>
+          </a:bodyPr>
+          <a:lstStyle/>
+          <a:p>
+            <a:pPr algn="ctr"/>
+            <a:r>
+              <a:rPr lang="en-US" sz="2000" i="1" dirty="0">
+                <a:solidFill>
+                  <a:srgbClr val="003C71"/>
+                </a:solidFill>
+              </a:rPr>
+              <a:t>Challenge: How do I manage keys for all the people </a:t>
+            </a:r>
+          </a:p>
+          <a:p>
+            <a:pPr algn="ctr"/>
+            <a:r>
+              <a:rPr lang="en-US" sz="2000" i="1" dirty="0">
+                <a:solidFill>
+                  <a:srgbClr val="003C71"/>
+                </a:solidFill>
+              </a:rPr>
+              <a:t>I want to securely share confidential data with?</a:t>
             </a:r>
           </a:p>
         </p:txBody>
@@ -15383,7 +16531,15 @@
             </a:r>
             <a:r>
               <a:rPr lang="en-US" dirty="0"/>
-              <a:t> (which may not be known by anyone except the owner).</a:t>
+              <a:t> (which </a:t>
+            </a:r>
+            <a:r>
+              <a:rPr lang="en-US" b="1" u="sng" dirty="0"/>
+              <a:t>must not</a:t>
+            </a:r>
+            <a:r>
+              <a:rPr lang="en-US" dirty="0"/>
+              <a:t> be known by anyone except the owner).</a:t>
             </a:r>
             <a:endParaRPr lang="en-US" baseline="30000" dirty="0"/>
           </a:p>
@@ -15394,7 +16550,7 @@
             </a:pPr>
             <a:r>
               <a:rPr lang="en-US" dirty="0"/>
-              <a:t>The generation of such key pairs depends on cryptographic algorithms which are based on mathematical problems termed one-way functions. </a:t>
+              <a:t>The generation of such key pairs depends on cryptographic algorithms which are based on mathematical problems termed trapdoor one-way functions. </a:t>
             </a:r>
           </a:p>
           <a:p>

--- a/presos/LincolnHighVisit-2023.pptx
+++ b/presos/LincolnHighVisit-2023.pptx
@@ -5,20 +5,23 @@
     <p:sldMasterId id="2147483660" r:id="rId1"/>
   </p:sldMasterIdLst>
   <p:notesMasterIdLst>
-    <p:notesMasterId r:id="rId30"/>
+    <p:notesMasterId r:id="rId33"/>
   </p:notesMasterIdLst>
+  <p:handoutMasterIdLst>
+    <p:handoutMasterId r:id="rId34"/>
+  </p:handoutMasterIdLst>
   <p:sldIdLst>
     <p:sldId id="260" r:id="rId2"/>
     <p:sldId id="291" r:id="rId3"/>
     <p:sldId id="293" r:id="rId4"/>
     <p:sldId id="294" r:id="rId5"/>
-    <p:sldId id="282" r:id="rId6"/>
-    <p:sldId id="301" r:id="rId7"/>
+    <p:sldId id="301" r:id="rId6"/>
+    <p:sldId id="282" r:id="rId7"/>
     <p:sldId id="304" r:id="rId8"/>
-    <p:sldId id="295" r:id="rId9"/>
-    <p:sldId id="299" r:id="rId10"/>
-    <p:sldId id="303" r:id="rId11"/>
-    <p:sldId id="259" r:id="rId12"/>
+    <p:sldId id="299" r:id="rId9"/>
+    <p:sldId id="307" r:id="rId10"/>
+    <p:sldId id="259" r:id="rId11"/>
+    <p:sldId id="309" r:id="rId12"/>
     <p:sldId id="283" r:id="rId13"/>
     <p:sldId id="298" r:id="rId14"/>
     <p:sldId id="277" r:id="rId15"/>
@@ -36,6 +39,9 @@
     <p:sldId id="265" r:id="rId27"/>
     <p:sldId id="286" r:id="rId28"/>
     <p:sldId id="262" r:id="rId29"/>
+    <p:sldId id="308" r:id="rId30"/>
+    <p:sldId id="295" r:id="rId31"/>
+    <p:sldId id="303" r:id="rId32"/>
   </p:sldIdLst>
   <p:sldSz cx="12192000" cy="6858000"/>
   <p:notesSz cx="7010400" cy="9296400"/>
@@ -149,8 +155,200 @@
         </p15:guide>
       </p15:sldGuideLst>
     </p:ext>
+    <p:ext uri="{2D200454-40CA-4A62-9FC3-DE9A4176ACB9}">
+      <p15:notesGuideLst xmlns:p15="http://schemas.microsoft.com/office/powerpoint/2012/main"/>
+    </p:ext>
   </p:extLst>
 </p:presentation>
+</file>
+
+<file path=ppt/handoutMasters/handoutMaster1.xml><?xml version="1.0" encoding="utf-8"?>
+<p:handoutMaster xmlns:a="http://schemas.openxmlformats.org/drawingml/2006/main" xmlns:r="http://schemas.openxmlformats.org/officeDocument/2006/relationships" xmlns:p="http://schemas.openxmlformats.org/presentationml/2006/main">
+  <p:cSld>
+    <p:bg>
+      <p:bgRef idx="1001">
+        <a:schemeClr val="bg1"/>
+      </p:bgRef>
+    </p:bg>
+    <p:spTree>
+      <p:nvGrpSpPr>
+        <p:cNvPr id="1" name=""/>
+        <p:cNvGrpSpPr/>
+        <p:nvPr/>
+      </p:nvGrpSpPr>
+      <p:grpSpPr>
+        <a:xfrm>
+          <a:off x="0" y="0"/>
+          <a:ext cx="0" cy="0"/>
+          <a:chOff x="0" y="0"/>
+          <a:chExt cx="0" cy="0"/>
+        </a:xfrm>
+      </p:grpSpPr>
+      <p:sp>
+        <p:nvSpPr>
+          <p:cNvPr id="2" name="Header Placeholder 1">
+            <a:extLst>
+              <a:ext uri="{FF2B5EF4-FFF2-40B4-BE49-F238E27FC236}">
+                <a16:creationId xmlns:a16="http://schemas.microsoft.com/office/drawing/2014/main" id="{C36F669A-6F6F-2269-9E2E-2E125E56B3A9}"/>
+              </a:ext>
+            </a:extLst>
+          </p:cNvPr>
+          <p:cNvSpPr>
+            <a:spLocks noGrp="1"/>
+          </p:cNvSpPr>
+          <p:nvPr>
+            <p:ph type="hdr" sz="quarter"/>
+          </p:nvPr>
+        </p:nvSpPr>
+        <p:spPr>
+          <a:xfrm>
+            <a:off x="0" y="0"/>
+            <a:ext cx="3038475" cy="466725"/>
+          </a:xfrm>
+          <a:prstGeom prst="rect">
+            <a:avLst/>
+          </a:prstGeom>
+        </p:spPr>
+        <p:txBody>
+          <a:bodyPr vert="horz" lIns="91440" tIns="45720" rIns="91440" bIns="45720" rtlCol="0"/>
+          <a:lstStyle>
+            <a:lvl1pPr algn="l">
+              <a:defRPr sz="1200"/>
+            </a:lvl1pPr>
+          </a:lstStyle>
+          <a:p>
+            <a:endParaRPr lang="en-US"/>
+          </a:p>
+        </p:txBody>
+      </p:sp>
+      <p:sp>
+        <p:nvSpPr>
+          <p:cNvPr id="3" name="Date Placeholder 2">
+            <a:extLst>
+              <a:ext uri="{FF2B5EF4-FFF2-40B4-BE49-F238E27FC236}">
+                <a16:creationId xmlns:a16="http://schemas.microsoft.com/office/drawing/2014/main" id="{4EE4A930-968A-E079-019F-8F188BA542AD}"/>
+              </a:ext>
+            </a:extLst>
+          </p:cNvPr>
+          <p:cNvSpPr>
+            <a:spLocks noGrp="1"/>
+          </p:cNvSpPr>
+          <p:nvPr>
+            <p:ph type="dt" sz="quarter" idx="1"/>
+          </p:nvPr>
+        </p:nvSpPr>
+        <p:spPr>
+          <a:xfrm>
+            <a:off x="3970338" y="0"/>
+            <a:ext cx="3038475" cy="466725"/>
+          </a:xfrm>
+          <a:prstGeom prst="rect">
+            <a:avLst/>
+          </a:prstGeom>
+        </p:spPr>
+        <p:txBody>
+          <a:bodyPr vert="horz" lIns="91440" tIns="45720" rIns="91440" bIns="45720" rtlCol="0"/>
+          <a:lstStyle>
+            <a:lvl1pPr algn="r">
+              <a:defRPr sz="1200"/>
+            </a:lvl1pPr>
+          </a:lstStyle>
+          <a:p>
+            <a:fld id="{7E0DBFF9-52DD-A146-8D38-4E8F37EC168B}" type="datetimeFigureOut">
+              <a:rPr lang="en-US" smtClean="0"/>
+              <a:t>4/14/23</a:t>
+            </a:fld>
+            <a:endParaRPr lang="en-US"/>
+          </a:p>
+        </p:txBody>
+      </p:sp>
+      <p:sp>
+        <p:nvSpPr>
+          <p:cNvPr id="4" name="Footer Placeholder 3">
+            <a:extLst>
+              <a:ext uri="{FF2B5EF4-FFF2-40B4-BE49-F238E27FC236}">
+                <a16:creationId xmlns:a16="http://schemas.microsoft.com/office/drawing/2014/main" id="{008188C0-8A69-FEC8-F52D-8B5331DFECDB}"/>
+              </a:ext>
+            </a:extLst>
+          </p:cNvPr>
+          <p:cNvSpPr>
+            <a:spLocks noGrp="1"/>
+          </p:cNvSpPr>
+          <p:nvPr>
+            <p:ph type="ftr" sz="quarter" idx="2"/>
+          </p:nvPr>
+        </p:nvSpPr>
+        <p:spPr>
+          <a:xfrm>
+            <a:off x="0" y="8829675"/>
+            <a:ext cx="3038475" cy="466725"/>
+          </a:xfrm>
+          <a:prstGeom prst="rect">
+            <a:avLst/>
+          </a:prstGeom>
+        </p:spPr>
+        <p:txBody>
+          <a:bodyPr vert="horz" lIns="91440" tIns="45720" rIns="91440" bIns="45720" rtlCol="0" anchor="b"/>
+          <a:lstStyle>
+            <a:lvl1pPr algn="l">
+              <a:defRPr sz="1200"/>
+            </a:lvl1pPr>
+          </a:lstStyle>
+          <a:p>
+            <a:endParaRPr lang="en-US"/>
+          </a:p>
+        </p:txBody>
+      </p:sp>
+      <p:sp>
+        <p:nvSpPr>
+          <p:cNvPr id="5" name="Slide Number Placeholder 4">
+            <a:extLst>
+              <a:ext uri="{FF2B5EF4-FFF2-40B4-BE49-F238E27FC236}">
+                <a16:creationId xmlns:a16="http://schemas.microsoft.com/office/drawing/2014/main" id="{D2C47BCE-8353-BBEF-BF9C-84FD37529F4A}"/>
+              </a:ext>
+            </a:extLst>
+          </p:cNvPr>
+          <p:cNvSpPr>
+            <a:spLocks noGrp="1"/>
+          </p:cNvSpPr>
+          <p:nvPr>
+            <p:ph type="sldNum" sz="quarter" idx="3"/>
+          </p:nvPr>
+        </p:nvSpPr>
+        <p:spPr>
+          <a:xfrm>
+            <a:off x="3970338" y="8829675"/>
+            <a:ext cx="3038475" cy="466725"/>
+          </a:xfrm>
+          <a:prstGeom prst="rect">
+            <a:avLst/>
+          </a:prstGeom>
+        </p:spPr>
+        <p:txBody>
+          <a:bodyPr vert="horz" lIns="91440" tIns="45720" rIns="91440" bIns="45720" rtlCol="0" anchor="b"/>
+          <a:lstStyle>
+            <a:lvl1pPr algn="r">
+              <a:defRPr sz="1200"/>
+            </a:lvl1pPr>
+          </a:lstStyle>
+          <a:p>
+            <a:fld id="{3A5D4876-6E6C-994D-B86E-5789586B5C4D}" type="slidenum">
+              <a:rPr lang="en-US" smtClean="0"/>
+              <a:t>‹#›</a:t>
+            </a:fld>
+            <a:endParaRPr lang="en-US"/>
+          </a:p>
+        </p:txBody>
+      </p:sp>
+    </p:spTree>
+    <p:extLst>
+      <p:ext uri="{BB962C8B-B14F-4D97-AF65-F5344CB8AC3E}">
+        <p14:creationId xmlns:p14="http://schemas.microsoft.com/office/powerpoint/2010/main" val="2863116712"/>
+      </p:ext>
+    </p:extLst>
+  </p:cSld>
+  <p:clrMap bg1="lt1" tx1="dk1" bg2="lt2" tx2="dk2" accent1="accent1" accent2="accent2" accent3="accent3" accent4="accent4" accent5="accent5" accent6="accent6" hlink="hlink" folHlink="folHlink"/>
+</p:handoutMaster>
 </file>
 
 <file path=ppt/notesMasters/notesMaster1.xml><?xml version="1.0" encoding="utf-8"?>
@@ -235,7 +433,7 @@
           <a:p>
             <a:fld id="{6876BBC0-2D69-4443-A62A-A79B2D6915DC}" type="datetimeFigureOut">
               <a:rPr lang="en-US" smtClean="0"/>
-              <a:t>4/13/23</a:t>
+              <a:t>4/14/23</a:t>
             </a:fld>
             <a:endParaRPr lang="en-US"/>
           </a:p>
@@ -654,6 +852,93 @@
           <a:p>
             <a:fld id="{ED876B44-D89A-4FED-90B7-84BD30320FFD}" type="slidenum">
               <a:rPr lang="en-US" smtClean="0"/>
+              <a:t>17</a:t>
+            </a:fld>
+            <a:endParaRPr lang="en-US"/>
+          </a:p>
+        </p:txBody>
+      </p:sp>
+    </p:spTree>
+    <p:extLst>
+      <p:ext uri="{BB962C8B-B14F-4D97-AF65-F5344CB8AC3E}">
+        <p14:creationId xmlns:p14="http://schemas.microsoft.com/office/powerpoint/2010/main" val="166837150"/>
+      </p:ext>
+    </p:extLst>
+  </p:cSld>
+  <p:clrMapOvr>
+    <a:masterClrMapping/>
+  </p:clrMapOvr>
+</p:notes>
+</file>
+
+<file path=ppt/notesSlides/notesSlide11.xml><?xml version="1.0" encoding="utf-8"?>
+<p:notes xmlns:a="http://schemas.openxmlformats.org/drawingml/2006/main" xmlns:r="http://schemas.openxmlformats.org/officeDocument/2006/relationships" xmlns:p="http://schemas.openxmlformats.org/presentationml/2006/main">
+  <p:cSld>
+    <p:spTree>
+      <p:nvGrpSpPr>
+        <p:cNvPr id="1" name=""/>
+        <p:cNvGrpSpPr/>
+        <p:nvPr/>
+      </p:nvGrpSpPr>
+      <p:grpSpPr>
+        <a:xfrm>
+          <a:off x="0" y="0"/>
+          <a:ext cx="0" cy="0"/>
+          <a:chOff x="0" y="0"/>
+          <a:chExt cx="0" cy="0"/>
+        </a:xfrm>
+      </p:grpSpPr>
+      <p:sp>
+        <p:nvSpPr>
+          <p:cNvPr id="2" name="Slide Image Placeholder 1"/>
+          <p:cNvSpPr>
+            <a:spLocks noGrp="1" noRot="1" noChangeAspect="1"/>
+          </p:cNvSpPr>
+          <p:nvPr>
+            <p:ph type="sldImg"/>
+          </p:nvPr>
+        </p:nvSpPr>
+        <p:spPr/>
+      </p:sp>
+      <p:sp>
+        <p:nvSpPr>
+          <p:cNvPr id="3" name="Notes Placeholder 2"/>
+          <p:cNvSpPr>
+            <a:spLocks noGrp="1"/>
+          </p:cNvSpPr>
+          <p:nvPr>
+            <p:ph type="body" idx="1"/>
+          </p:nvPr>
+        </p:nvSpPr>
+        <p:spPr/>
+        <p:txBody>
+          <a:bodyPr/>
+          <a:lstStyle/>
+          <a:p>
+            <a:r>
+              <a:rPr lang="en-US" dirty="0"/>
+              <a:t>Current NSA/NIST short term PQ guidance requires 3072 bit moduli. Therefore each prime must be 1536 bits or ~463 digits each. This results in a ~925 digit modulus.</a:t>
+            </a:r>
+          </a:p>
+        </p:txBody>
+      </p:sp>
+      <p:sp>
+        <p:nvSpPr>
+          <p:cNvPr id="4" name="Slide Number Placeholder 3"/>
+          <p:cNvSpPr>
+            <a:spLocks noGrp="1"/>
+          </p:cNvSpPr>
+          <p:nvPr>
+            <p:ph type="sldNum" sz="quarter" idx="10"/>
+          </p:nvPr>
+        </p:nvSpPr>
+        <p:spPr/>
+        <p:txBody>
+          <a:bodyPr/>
+          <a:lstStyle/>
+          <a:p>
+            <a:fld id="{ED876B44-D89A-4FED-90B7-84BD30320FFD}" type="slidenum">
+              <a:rPr lang="en-US" smtClean="0"/>
               <a:t>18</a:t>
             </a:fld>
             <a:endParaRPr lang="en-US"/>
@@ -664,6 +949,90 @@
     <p:extLst>
       <p:ext uri="{BB962C8B-B14F-4D97-AF65-F5344CB8AC3E}">
         <p14:creationId xmlns:p14="http://schemas.microsoft.com/office/powerpoint/2010/main" val="3064481713"/>
+      </p:ext>
+    </p:extLst>
+  </p:cSld>
+  <p:clrMapOvr>
+    <a:masterClrMapping/>
+  </p:clrMapOvr>
+</p:notes>
+</file>
+
+<file path=ppt/notesSlides/notesSlide12.xml><?xml version="1.0" encoding="utf-8"?>
+<p:notes xmlns:a="http://schemas.openxmlformats.org/drawingml/2006/main" xmlns:r="http://schemas.openxmlformats.org/officeDocument/2006/relationships" xmlns:p="http://schemas.openxmlformats.org/presentationml/2006/main">
+  <p:cSld>
+    <p:spTree>
+      <p:nvGrpSpPr>
+        <p:cNvPr id="1" name=""/>
+        <p:cNvGrpSpPr/>
+        <p:nvPr/>
+      </p:nvGrpSpPr>
+      <p:grpSpPr>
+        <a:xfrm>
+          <a:off x="0" y="0"/>
+          <a:ext cx="0" cy="0"/>
+          <a:chOff x="0" y="0"/>
+          <a:chExt cx="0" cy="0"/>
+        </a:xfrm>
+      </p:grpSpPr>
+      <p:sp>
+        <p:nvSpPr>
+          <p:cNvPr id="2" name="Slide Image Placeholder 1"/>
+          <p:cNvSpPr>
+            <a:spLocks noGrp="1" noRot="1" noChangeAspect="1"/>
+          </p:cNvSpPr>
+          <p:nvPr>
+            <p:ph type="sldImg"/>
+          </p:nvPr>
+        </p:nvSpPr>
+        <p:spPr/>
+      </p:sp>
+      <p:sp>
+        <p:nvSpPr>
+          <p:cNvPr id="3" name="Notes Placeholder 2"/>
+          <p:cNvSpPr>
+            <a:spLocks noGrp="1"/>
+          </p:cNvSpPr>
+          <p:nvPr>
+            <p:ph type="body" idx="1"/>
+          </p:nvPr>
+        </p:nvSpPr>
+        <p:spPr/>
+        <p:txBody>
+          <a:bodyPr/>
+          <a:lstStyle/>
+          <a:p>
+            <a:endParaRPr lang="en-US"/>
+          </a:p>
+        </p:txBody>
+      </p:sp>
+      <p:sp>
+        <p:nvSpPr>
+          <p:cNvPr id="4" name="Slide Number Placeholder 3"/>
+          <p:cNvSpPr>
+            <a:spLocks noGrp="1"/>
+          </p:cNvSpPr>
+          <p:nvPr>
+            <p:ph type="sldNum" sz="quarter" idx="5"/>
+          </p:nvPr>
+        </p:nvSpPr>
+        <p:spPr/>
+        <p:txBody>
+          <a:bodyPr/>
+          <a:lstStyle/>
+          <a:p>
+            <a:fld id="{ED876B44-D89A-4FED-90B7-84BD30320FFD}" type="slidenum">
+              <a:rPr lang="en-US" smtClean="0"/>
+              <a:t>29</a:t>
+            </a:fld>
+            <a:endParaRPr lang="en-US"/>
+          </a:p>
+        </p:txBody>
+      </p:sp>
+    </p:spTree>
+    <p:extLst>
+      <p:ext uri="{BB962C8B-B14F-4D97-AF65-F5344CB8AC3E}">
+        <p14:creationId xmlns:p14="http://schemas.microsoft.com/office/powerpoint/2010/main" val="2207226206"/>
       </p:ext>
     </p:extLst>
   </p:cSld>
@@ -805,7 +1174,7 @@
           <a:p>
             <a:fld id="{A2226071-1B1D-4A6E-8708-FF184D4EAD61}" type="slidenum">
               <a:rPr lang="en-US" smtClean="0"/>
-              <a:t>5</a:t>
+              <a:t>6</a:t>
             </a:fld>
             <a:endParaRPr lang="en-US"/>
           </a:p>
@@ -892,7 +1261,7 @@
           <a:p>
             <a:fld id="{ED876B44-D89A-4FED-90B7-84BD30320FFD}" type="slidenum">
               <a:rPr lang="en-US" smtClean="0"/>
-              <a:t>11</a:t>
+              <a:t>10</a:t>
             </a:fld>
             <a:endParaRPr lang="en-US"/>
           </a:p>
@@ -979,7 +1348,7 @@
           <a:p>
             <a:fld id="{ED876B44-D89A-4FED-90B7-84BD30320FFD}" type="slidenum">
               <a:rPr lang="en-US" smtClean="0"/>
-              <a:t>12</a:t>
+              <a:t>11</a:t>
             </a:fld>
             <a:endParaRPr lang="en-US"/>
           </a:p>
@@ -988,7 +1357,7 @@
     </p:spTree>
     <p:extLst>
       <p:ext uri="{BB962C8B-B14F-4D97-AF65-F5344CB8AC3E}">
-        <p14:creationId xmlns:p14="http://schemas.microsoft.com/office/powerpoint/2010/main" val="2471888325"/>
+        <p14:creationId xmlns:p14="http://schemas.microsoft.com/office/powerpoint/2010/main" val="1947594662"/>
       </p:ext>
     </p:extLst>
   </p:cSld>
@@ -1066,7 +1435,7 @@
           <a:p>
             <a:fld id="{ED876B44-D89A-4FED-90B7-84BD30320FFD}" type="slidenum">
               <a:rPr lang="en-US" smtClean="0"/>
-              <a:t>13</a:t>
+              <a:t>12</a:t>
             </a:fld>
             <a:endParaRPr lang="en-US"/>
           </a:p>
@@ -1075,7 +1444,7 @@
     </p:spTree>
     <p:extLst>
       <p:ext uri="{BB962C8B-B14F-4D97-AF65-F5344CB8AC3E}">
-        <p14:creationId xmlns:p14="http://schemas.microsoft.com/office/powerpoint/2010/main" val="2467835665"/>
+        <p14:creationId xmlns:p14="http://schemas.microsoft.com/office/powerpoint/2010/main" val="2471888325"/>
       </p:ext>
     </p:extLst>
   </p:cSld>
@@ -1153,7 +1522,7 @@
           <a:p>
             <a:fld id="{ED876B44-D89A-4FED-90B7-84BD30320FFD}" type="slidenum">
               <a:rPr lang="en-US" smtClean="0"/>
-              <a:t>14</a:t>
+              <a:t>13</a:t>
             </a:fld>
             <a:endParaRPr lang="en-US"/>
           </a:p>
@@ -1162,7 +1531,7 @@
     </p:spTree>
     <p:extLst>
       <p:ext uri="{BB962C8B-B14F-4D97-AF65-F5344CB8AC3E}">
-        <p14:creationId xmlns:p14="http://schemas.microsoft.com/office/powerpoint/2010/main" val="4052215020"/>
+        <p14:creationId xmlns:p14="http://schemas.microsoft.com/office/powerpoint/2010/main" val="2467835665"/>
       </p:ext>
     </p:extLst>
   </p:cSld>
@@ -1240,7 +1609,7 @@
           <a:p>
             <a:fld id="{ED876B44-D89A-4FED-90B7-84BD30320FFD}" type="slidenum">
               <a:rPr lang="en-US" smtClean="0"/>
-              <a:t>15</a:t>
+              <a:t>14</a:t>
             </a:fld>
             <a:endParaRPr lang="en-US"/>
           </a:p>
@@ -1249,7 +1618,7 @@
     </p:spTree>
     <p:extLst>
       <p:ext uri="{BB962C8B-B14F-4D97-AF65-F5344CB8AC3E}">
-        <p14:creationId xmlns:p14="http://schemas.microsoft.com/office/powerpoint/2010/main" val="115655642"/>
+        <p14:creationId xmlns:p14="http://schemas.microsoft.com/office/powerpoint/2010/main" val="4052215020"/>
       </p:ext>
     </p:extLst>
   </p:cSld>
@@ -1327,7 +1696,7 @@
           <a:p>
             <a:fld id="{ED876B44-D89A-4FED-90B7-84BD30320FFD}" type="slidenum">
               <a:rPr lang="en-US" smtClean="0"/>
-              <a:t>16</a:t>
+              <a:t>15</a:t>
             </a:fld>
             <a:endParaRPr lang="en-US"/>
           </a:p>
@@ -1336,7 +1705,7 @@
     </p:spTree>
     <p:extLst>
       <p:ext uri="{BB962C8B-B14F-4D97-AF65-F5344CB8AC3E}">
-        <p14:creationId xmlns:p14="http://schemas.microsoft.com/office/powerpoint/2010/main" val="2435323525"/>
+        <p14:creationId xmlns:p14="http://schemas.microsoft.com/office/powerpoint/2010/main" val="115655642"/>
       </p:ext>
     </p:extLst>
   </p:cSld>
@@ -1414,7 +1783,7 @@
           <a:p>
             <a:fld id="{ED876B44-D89A-4FED-90B7-84BD30320FFD}" type="slidenum">
               <a:rPr lang="en-US" smtClean="0"/>
-              <a:t>17</a:t>
+              <a:t>16</a:t>
             </a:fld>
             <a:endParaRPr lang="en-US"/>
           </a:p>
@@ -1423,7 +1792,7 @@
     </p:spTree>
     <p:extLst>
       <p:ext uri="{BB962C8B-B14F-4D97-AF65-F5344CB8AC3E}">
-        <p14:creationId xmlns:p14="http://schemas.microsoft.com/office/powerpoint/2010/main" val="166837150"/>
+        <p14:creationId xmlns:p14="http://schemas.microsoft.com/office/powerpoint/2010/main" val="2435323525"/>
       </p:ext>
     </p:extLst>
   </p:cSld>
@@ -1525,13 +1894,13 @@
               <a:lnSpc>
                 <a:spcPts val="7333"/>
               </a:lnSpc>
-              <a:defRPr sz="8666" b="0" spc="0" baseline="0">
+              <a:defRPr sz="6600" b="0" spc="0" baseline="0">
                 <a:solidFill>
                   <a:schemeClr val="bg1">
                     <a:alpha val="95000"/>
                   </a:schemeClr>
                 </a:solidFill>
-                <a:latin typeface="Intel Clear Pro" panose="020B0804020202060201" pitchFamily="34" charset="0"/>
+                <a:latin typeface="+mj-lt"/>
                 <a:cs typeface="Intel Clear Pro" panose="020B0804020202060201" pitchFamily="34" charset="0"/>
               </a:defRPr>
             </a:lvl1pPr>
@@ -4500,13 +4869,13 @@
               <a:lnSpc>
                 <a:spcPts val="7333"/>
               </a:lnSpc>
-              <a:defRPr sz="8666" b="0" spc="0" baseline="0">
+              <a:defRPr sz="6500" b="0" spc="0" baseline="0">
                 <a:solidFill>
                   <a:schemeClr val="bg1">
                     <a:alpha val="95000"/>
                   </a:schemeClr>
                 </a:solidFill>
-                <a:latin typeface="Intel Clear Pro" panose="020B0804020202060201" pitchFamily="34" charset="0"/>
+                <a:latin typeface="+mj-lt"/>
                 <a:cs typeface="Intel Clear Pro" panose="020B0804020202060201" pitchFamily="34" charset="0"/>
               </a:defRPr>
             </a:lvl1pPr>
@@ -6489,14 +6858,10 @@
               <a:lnSpc>
                 <a:spcPts val="7333"/>
               </a:lnSpc>
-              <a:defRPr sz="8666" b="0" spc="0" baseline="0">
-                <a:solidFill>
-                  <a:schemeClr val="bg1">
-                    <a:alpha val="95000"/>
-                  </a:schemeClr>
-                </a:solidFill>
-                <a:latin typeface="Intel Clear Pro" panose="020B0804020202060201" pitchFamily="34" charset="0"/>
-                <a:cs typeface="Intel Clear Pro" panose="020B0804020202060201" pitchFamily="34" charset="0"/>
+              <a:defRPr lang="en-US" dirty="0">
+                <a:solidFill>
+                  <a:schemeClr val="bg1"/>
+                </a:solidFill>
               </a:defRPr>
             </a:lvl1pPr>
           </a:lstStyle>
@@ -7028,7 +7393,7 @@
           <a:p>
             <a:fld id="{4509A250-FF31-4206-8172-F9D3106AACB1}" type="datetimeFigureOut">
               <a:rPr lang="en-US" smtClean="0"/>
-              <a:t>4/13/23</a:t>
+              <a:t>4/14/23</a:t>
             </a:fld>
             <a:endParaRPr lang="en-US" dirty="0"/>
           </a:p>
@@ -7271,14 +7636,10 @@
               <a:lnSpc>
                 <a:spcPts val="7333"/>
               </a:lnSpc>
-              <a:defRPr sz="8666" b="0" spc="0" baseline="0">
-                <a:solidFill>
-                  <a:schemeClr val="bg1">
-                    <a:alpha val="95000"/>
-                  </a:schemeClr>
-                </a:solidFill>
-                <a:latin typeface="Intel Clear Pro" panose="020B0804020202060201" pitchFamily="34" charset="0"/>
-                <a:cs typeface="Intel Clear Pro" panose="020B0804020202060201" pitchFamily="34" charset="0"/>
+              <a:defRPr lang="en-US" dirty="0">
+                <a:solidFill>
+                  <a:schemeClr val="bg1"/>
+                </a:solidFill>
               </a:defRPr>
             </a:lvl1pPr>
           </a:lstStyle>
@@ -7565,14 +7926,10 @@
               <a:lnSpc>
                 <a:spcPts val="7333"/>
               </a:lnSpc>
-              <a:defRPr sz="8666" b="0" spc="0" baseline="0">
-                <a:solidFill>
-                  <a:schemeClr val="bg1">
-                    <a:alpha val="95000"/>
-                  </a:schemeClr>
-                </a:solidFill>
-                <a:latin typeface="Intel Clear Pro" panose="020B0804020202060201" pitchFamily="34" charset="0"/>
-                <a:cs typeface="Intel Clear Pro" panose="020B0804020202060201" pitchFamily="34" charset="0"/>
+              <a:defRPr lang="en-US" dirty="0">
+                <a:solidFill>
+                  <a:schemeClr val="bg1"/>
+                </a:solidFill>
               </a:defRPr>
             </a:lvl1pPr>
           </a:lstStyle>
@@ -8221,14 +8578,10 @@
               <a:lnSpc>
                 <a:spcPts val="7333"/>
               </a:lnSpc>
-              <a:defRPr sz="8666" b="0" spc="0" baseline="0">
-                <a:solidFill>
-                  <a:schemeClr val="bg1">
-                    <a:alpha val="90000"/>
-                  </a:schemeClr>
-                </a:solidFill>
-                <a:latin typeface="Intel Clear Pro" panose="020B0804020202060201" pitchFamily="34" charset="0"/>
-                <a:cs typeface="Intel Clear Pro" panose="020B0804020202060201" pitchFamily="34" charset="0"/>
+              <a:defRPr lang="en-US" dirty="0">
+                <a:solidFill>
+                  <a:schemeClr val="bg1"/>
+                </a:solidFill>
               </a:defRPr>
             </a:lvl1pPr>
           </a:lstStyle>
@@ -8427,10 +8780,15 @@
         </p:spPr>
         <p:txBody>
           <a:bodyPr/>
-          <a:lstStyle/>
+          <a:lstStyle>
+            <a:lvl1pPr>
+              <a:defRPr lang="en-US" smtClean="0"/>
+            </a:lvl1pPr>
+          </a:lstStyle>
           <a:p>
             <a:fld id="{CA5DBCEA-C404-4380-8350-56EFBA963B4A}" type="slidenum">
               <a:rPr lang="en-US" smtClean="0"/>
+              <a:pPr/>
               <a:t>‹#›</a:t>
             </a:fld>
             <a:endParaRPr lang="en-US"/>
@@ -8457,14 +8815,7 @@
           <a:bodyPr/>
           <a:lstStyle>
             <a:lvl1pPr>
-              <a:defRPr b="0" i="0" baseline="0">
-                <a:solidFill>
-                  <a:schemeClr val="tx2"/>
-                </a:solidFill>
-                <a:latin typeface="Intel Clear Pro" panose="020B0804020202060201" pitchFamily="34" charset="77"/>
-                <a:ea typeface="Intel Clear Pro" panose="020B0804020202060201" pitchFamily="34" charset="77"/>
-                <a:cs typeface="Intel Clear Pro" panose="020B0804020202060201" pitchFamily="34" charset="77"/>
-              </a:defRPr>
+              <a:defRPr lang="en-US" dirty="0"/>
             </a:lvl1pPr>
           </a:lstStyle>
           <a:p>
@@ -8495,39 +8846,19 @@
           <a:bodyPr/>
           <a:lstStyle>
             <a:lvl1pPr>
-              <a:defRPr>
-                <a:solidFill>
-                  <a:srgbClr val="0071C5"/>
-                </a:solidFill>
-              </a:defRPr>
+              <a:defRPr lang="en-US" dirty="0"/>
             </a:lvl1pPr>
             <a:lvl2pPr>
-              <a:defRPr sz="2400">
-                <a:solidFill>
-                  <a:schemeClr val="tx2"/>
-                </a:solidFill>
-              </a:defRPr>
+              <a:defRPr lang="en-US" dirty="0"/>
             </a:lvl2pPr>
             <a:lvl3pPr>
-              <a:defRPr sz="2400">
-                <a:solidFill>
-                  <a:schemeClr val="tx2"/>
-                </a:solidFill>
-              </a:defRPr>
+              <a:defRPr lang="en-US" dirty="0"/>
             </a:lvl3pPr>
             <a:lvl4pPr>
-              <a:defRPr sz="2133">
-                <a:solidFill>
-                  <a:schemeClr val="tx2"/>
-                </a:solidFill>
-              </a:defRPr>
+              <a:defRPr lang="en-US" dirty="0"/>
             </a:lvl4pPr>
             <a:lvl5pPr>
-              <a:defRPr>
-                <a:solidFill>
-                  <a:schemeClr val="tx2"/>
-                </a:solidFill>
-              </a:defRPr>
+              <a:defRPr lang="en-US" dirty="0"/>
             </a:lvl5pPr>
           </a:lstStyle>
           <a:p>
@@ -8626,10 +8957,15 @@
         <p:spPr/>
         <p:txBody>
           <a:bodyPr/>
-          <a:lstStyle/>
+          <a:lstStyle>
+            <a:lvl1pPr>
+              <a:defRPr lang="en-US" smtClean="0"/>
+            </a:lvl1pPr>
+          </a:lstStyle>
           <a:p>
             <a:fld id="{CA5DBCEA-C404-4380-8350-56EFBA963B4A}" type="slidenum">
               <a:rPr lang="en-US" smtClean="0"/>
+              <a:pPr/>
               <a:t>‹#›</a:t>
             </a:fld>
             <a:endParaRPr lang="en-US"/>
@@ -8658,35 +8994,19 @@
           </a:bodyPr>
           <a:lstStyle>
             <a:lvl1pPr>
-              <a:defRPr lang="en-US" dirty="0" smtClean="0"/>
+              <a:defRPr lang="en-US" dirty="0"/>
             </a:lvl1pPr>
             <a:lvl2pPr>
-              <a:defRPr lang="en-US" dirty="0" smtClean="0">
-                <a:solidFill>
-                  <a:schemeClr val="tx2"/>
-                </a:solidFill>
-              </a:defRPr>
+              <a:defRPr lang="en-US" dirty="0"/>
             </a:lvl2pPr>
             <a:lvl3pPr>
-              <a:defRPr lang="en-US" sz="1867" dirty="0" smtClean="0">
-                <a:solidFill>
-                  <a:schemeClr val="tx2"/>
-                </a:solidFill>
-              </a:defRPr>
+              <a:defRPr lang="en-US" dirty="0"/>
             </a:lvl3pPr>
             <a:lvl4pPr>
-              <a:defRPr lang="en-US" sz="1600" dirty="0" smtClean="0">
-                <a:solidFill>
-                  <a:schemeClr val="tx2"/>
-                </a:solidFill>
-              </a:defRPr>
+              <a:defRPr lang="en-US" dirty="0"/>
             </a:lvl4pPr>
             <a:lvl5pPr>
-              <a:defRPr lang="en-US" sz="1600" dirty="0">
-                <a:solidFill>
-                  <a:schemeClr val="tx2"/>
-                </a:solidFill>
-              </a:defRPr>
+              <a:defRPr lang="en-US" dirty="0"/>
             </a:lvl5pPr>
           </a:lstStyle>
           <a:p>
@@ -8775,14 +9095,7 @@
           <a:bodyPr/>
           <a:lstStyle>
             <a:lvl1pPr>
-              <a:defRPr b="0" i="0" baseline="0">
-                <a:solidFill>
-                  <a:schemeClr val="tx2"/>
-                </a:solidFill>
-                <a:latin typeface="Intel Clear Pro" panose="020B0804020202060201" pitchFamily="34" charset="77"/>
-                <a:ea typeface="Intel Clear Pro" panose="020B0804020202060201" pitchFamily="34" charset="77"/>
-                <a:cs typeface="Intel Clear Pro" panose="020B0804020202060201" pitchFamily="34" charset="77"/>
-              </a:defRPr>
+              <a:defRPr lang="en-US" dirty="0"/>
             </a:lvl1pPr>
           </a:lstStyle>
           <a:p>
@@ -8819,9 +9132,7 @@
           <a:bodyPr/>
           <a:lstStyle>
             <a:lvl1pPr>
-              <a:defRPr sz="2400">
-                <a:latin typeface="Intel Clear"/>
-              </a:defRPr>
+              <a:defRPr lang="en-US" dirty="0"/>
             </a:lvl1pPr>
           </a:lstStyle>
           <a:p>
@@ -8863,9 +9174,7 @@
           <a:bodyPr/>
           <a:lstStyle>
             <a:lvl1pPr>
-              <a:defRPr sz="2400">
-                <a:latin typeface="Intel Clear"/>
-              </a:defRPr>
+              <a:defRPr lang="en-US" dirty="0"/>
             </a:lvl1pPr>
           </a:lstStyle>
           <a:p>
@@ -8987,7 +9296,9 @@
           <a:lstStyle/>
           <a:p>
             <a:pPr algn="ctr"/>
-            <a:endParaRPr lang="en-US" sz="2400" dirty="0"/>
+            <a:endParaRPr lang="en-US" sz="2400" dirty="0">
+              <a:latin typeface="+mn-lt"/>
+            </a:endParaRPr>
           </a:p>
         </p:txBody>
       </p:sp>
@@ -9202,6 +9513,7 @@
           <a:p>
             <a:fld id="{CA5DBCEA-C404-4380-8350-56EFBA963B4A}" type="slidenum">
               <a:rPr lang="en-US" smtClean="0"/>
+              <a:pPr/>
               <a:t>‹#›</a:t>
             </a:fld>
             <a:endParaRPr lang="en-US"/>
@@ -9275,7 +9587,7 @@
           <a:solidFill>
             <a:schemeClr val="tx2"/>
           </a:solidFill>
-          <a:latin typeface="Intel Clear Pro" panose="020B0804020202060201" pitchFamily="34" charset="77"/>
+          <a:latin typeface="+mn-lt"/>
           <a:ea typeface="Intel Clear Pro" panose="020B0804020202060201" pitchFamily="34" charset="77"/>
           <a:cs typeface="Intel Clear Pro" panose="020B0804020202060201" pitchFamily="34" charset="77"/>
         </a:defRPr>
@@ -9553,7 +9865,7 @@
           <a:lstStyle/>
           <a:p>
             <a:r>
-              <a:rPr lang="en-US" dirty="0"/>
+              <a:rPr lang="en-US" sz="6600" dirty="0"/>
               <a:t>Cryptography</a:t>
             </a:r>
           </a:p>
@@ -9603,1142 +9915,6 @@
       </p:grpSpPr>
       <p:sp>
         <p:nvSpPr>
-          <p:cNvPr id="2" name="Title 1">
-            <a:extLst>
-              <a:ext uri="{FF2B5EF4-FFF2-40B4-BE49-F238E27FC236}">
-                <a16:creationId xmlns:a16="http://schemas.microsoft.com/office/drawing/2014/main" id="{071ECC35-E986-4A42-A309-4C221BA56C9F}"/>
-              </a:ext>
-            </a:extLst>
-          </p:cNvPr>
-          <p:cNvSpPr>
-            <a:spLocks noGrp="1"/>
-          </p:cNvSpPr>
-          <p:nvPr>
-            <p:ph type="title"/>
-          </p:nvPr>
-        </p:nvSpPr>
-        <p:spPr/>
-        <p:txBody>
-          <a:bodyPr/>
-          <a:lstStyle/>
-          <a:p>
-            <a:r>
-              <a:rPr lang="en-US" dirty="0"/>
-              <a:t>Asymmetric Key Cryptography</a:t>
-            </a:r>
-          </a:p>
-        </p:txBody>
-      </p:sp>
-      <p:sp>
-        <p:nvSpPr>
-          <p:cNvPr id="58" name="Rounded Rectangle 5">
-            <a:extLst>
-              <a:ext uri="{FF2B5EF4-FFF2-40B4-BE49-F238E27FC236}">
-                <a16:creationId xmlns:a16="http://schemas.microsoft.com/office/drawing/2014/main" id="{7DFE6515-D8FF-4FB7-AE79-92A3E876CCF3}"/>
-              </a:ext>
-            </a:extLst>
-          </p:cNvPr>
-          <p:cNvSpPr/>
-          <p:nvPr/>
-        </p:nvSpPr>
-        <p:spPr>
-          <a:xfrm>
-            <a:off x="5080264" y="1733686"/>
-            <a:ext cx="2029347" cy="1082318"/>
-          </a:xfrm>
-          <a:prstGeom prst="roundRect">
-            <a:avLst/>
-          </a:prstGeom>
-          <a:solidFill>
-            <a:schemeClr val="tx2"/>
-          </a:solidFill>
-          <a:ln>
-            <a:noFill/>
-          </a:ln>
-          <a:effectLst/>
-        </p:spPr>
-        <p:style>
-          <a:lnRef idx="1">
-            <a:schemeClr val="accent1"/>
-          </a:lnRef>
-          <a:fillRef idx="3">
-            <a:schemeClr val="accent1"/>
-          </a:fillRef>
-          <a:effectRef idx="2">
-            <a:schemeClr val="accent1"/>
-          </a:effectRef>
-          <a:fontRef idx="minor">
-            <a:schemeClr val="lt1"/>
-          </a:fontRef>
-        </p:style>
-        <p:txBody>
-          <a:bodyPr rtlCol="0" anchor="ctr"/>
-          <a:lstStyle/>
-          <a:p>
-            <a:pPr algn="ctr"/>
-            <a:r>
-              <a:rPr lang="en-US" dirty="0"/>
-              <a:t>Asymmetric Cryptography</a:t>
-            </a:r>
-          </a:p>
-        </p:txBody>
-      </p:sp>
-      <p:pic>
-        <p:nvPicPr>
-          <p:cNvPr id="59" name="Picture 58">
-            <a:extLst>
-              <a:ext uri="{FF2B5EF4-FFF2-40B4-BE49-F238E27FC236}">
-                <a16:creationId xmlns:a16="http://schemas.microsoft.com/office/drawing/2014/main" id="{BA5BC172-DC8D-4C3D-8534-9A39EDFE5793}"/>
-              </a:ext>
-            </a:extLst>
-          </p:cNvPr>
-          <p:cNvPicPr>
-            <a:picLocks noChangeAspect="1"/>
-          </p:cNvPicPr>
-          <p:nvPr/>
-        </p:nvPicPr>
-        <p:blipFill>
-          <a:blip r:embed="rId2"/>
-          <a:stretch>
-            <a:fillRect/>
-          </a:stretch>
-        </p:blipFill>
-        <p:spPr>
-          <a:xfrm>
-            <a:off x="1221488" y="1471561"/>
-            <a:ext cx="1608278" cy="1608278"/>
-          </a:xfrm>
-          <a:prstGeom prst="rect">
-            <a:avLst/>
-          </a:prstGeom>
-        </p:spPr>
-      </p:pic>
-      <p:pic>
-        <p:nvPicPr>
-          <p:cNvPr id="60" name="Picture 59">
-            <a:extLst>
-              <a:ext uri="{FF2B5EF4-FFF2-40B4-BE49-F238E27FC236}">
-                <a16:creationId xmlns:a16="http://schemas.microsoft.com/office/drawing/2014/main" id="{E7668ADC-4C4C-4B79-A2A0-F5F2A862E820}"/>
-              </a:ext>
-            </a:extLst>
-          </p:cNvPr>
-          <p:cNvPicPr>
-            <a:picLocks noChangeAspect="1"/>
-          </p:cNvPicPr>
-          <p:nvPr/>
-        </p:nvPicPr>
-        <p:blipFill>
-          <a:blip r:embed="rId3"/>
-          <a:stretch>
-            <a:fillRect/>
-          </a:stretch>
-        </p:blipFill>
-        <p:spPr>
-          <a:xfrm>
-            <a:off x="5285291" y="4578112"/>
-            <a:ext cx="1617185" cy="1617185"/>
-          </a:xfrm>
-          <a:prstGeom prst="rect">
-            <a:avLst/>
-          </a:prstGeom>
-        </p:spPr>
-      </p:pic>
-      <p:pic>
-        <p:nvPicPr>
-          <p:cNvPr id="61" name="Picture 60">
-            <a:extLst>
-              <a:ext uri="{FF2B5EF4-FFF2-40B4-BE49-F238E27FC236}">
-                <a16:creationId xmlns:a16="http://schemas.microsoft.com/office/drawing/2014/main" id="{11A88200-2BB0-4695-837B-C4B3464C320E}"/>
-              </a:ext>
-            </a:extLst>
-          </p:cNvPr>
-          <p:cNvPicPr>
-            <a:picLocks noChangeAspect="1"/>
-          </p:cNvPicPr>
-          <p:nvPr/>
-        </p:nvPicPr>
-        <p:blipFill>
-          <a:blip r:embed="rId4"/>
-          <a:stretch>
-            <a:fillRect/>
-          </a:stretch>
-        </p:blipFill>
-        <p:spPr>
-          <a:xfrm>
-            <a:off x="9351751" y="1471561"/>
-            <a:ext cx="1617185" cy="1617185"/>
-          </a:xfrm>
-          <a:prstGeom prst="rect">
-            <a:avLst/>
-          </a:prstGeom>
-        </p:spPr>
-      </p:pic>
-      <p:sp>
-        <p:nvSpPr>
-          <p:cNvPr id="63" name="Right Arrow 11">
-            <a:extLst>
-              <a:ext uri="{FF2B5EF4-FFF2-40B4-BE49-F238E27FC236}">
-                <a16:creationId xmlns:a16="http://schemas.microsoft.com/office/drawing/2014/main" id="{5F98C94F-3414-4152-9F61-8DF00D344539}"/>
-              </a:ext>
-            </a:extLst>
-          </p:cNvPr>
-          <p:cNvSpPr/>
-          <p:nvPr/>
-        </p:nvSpPr>
-        <p:spPr>
-          <a:xfrm>
-            <a:off x="2983272" y="2046537"/>
-            <a:ext cx="2029345" cy="397414"/>
-          </a:xfrm>
-          <a:prstGeom prst="rightArrow">
-            <a:avLst/>
-          </a:prstGeom>
-          <a:solidFill>
-            <a:schemeClr val="tx2"/>
-          </a:solidFill>
-          <a:ln>
-            <a:noFill/>
-          </a:ln>
-          <a:effectLst/>
-        </p:spPr>
-        <p:style>
-          <a:lnRef idx="1">
-            <a:schemeClr val="accent1"/>
-          </a:lnRef>
-          <a:fillRef idx="3">
-            <a:schemeClr val="accent1"/>
-          </a:fillRef>
-          <a:effectRef idx="2">
-            <a:schemeClr val="accent1"/>
-          </a:effectRef>
-          <a:fontRef idx="minor">
-            <a:schemeClr val="lt1"/>
-          </a:fontRef>
-        </p:style>
-        <p:txBody>
-          <a:bodyPr rtlCol="0" anchor="ctr"/>
-          <a:lstStyle/>
-          <a:p>
-            <a:pPr algn="ctr"/>
-            <a:r>
-              <a:rPr lang="en-US" sz="1400" dirty="0"/>
-              <a:t>Chuck Norris counted</a:t>
-            </a:r>
-          </a:p>
-        </p:txBody>
-      </p:sp>
-      <p:sp>
-        <p:nvSpPr>
-          <p:cNvPr id="64" name="Right Arrow 12">
-            <a:extLst>
-              <a:ext uri="{FF2B5EF4-FFF2-40B4-BE49-F238E27FC236}">
-                <a16:creationId xmlns:a16="http://schemas.microsoft.com/office/drawing/2014/main" id="{95F1E12A-3E6D-43CF-9F53-380ED0B04CB8}"/>
-              </a:ext>
-            </a:extLst>
-          </p:cNvPr>
-          <p:cNvSpPr/>
-          <p:nvPr/>
-        </p:nvSpPr>
-        <p:spPr>
-          <a:xfrm>
-            <a:off x="7177017" y="2039514"/>
-            <a:ext cx="2096993" cy="397414"/>
-          </a:xfrm>
-          <a:prstGeom prst="rightArrow">
-            <a:avLst/>
-          </a:prstGeom>
-          <a:solidFill>
-            <a:schemeClr val="tx2"/>
-          </a:solidFill>
-          <a:ln>
-            <a:noFill/>
-          </a:ln>
-          <a:effectLst/>
-        </p:spPr>
-        <p:style>
-          <a:lnRef idx="1">
-            <a:schemeClr val="accent1"/>
-          </a:lnRef>
-          <a:fillRef idx="3">
-            <a:schemeClr val="accent1"/>
-          </a:fillRef>
-          <a:effectRef idx="2">
-            <a:schemeClr val="accent1"/>
-          </a:effectRef>
-          <a:fontRef idx="minor">
-            <a:schemeClr val="lt1"/>
-          </a:fontRef>
-        </p:style>
-        <p:txBody>
-          <a:bodyPr rtlCol="0" anchor="ctr"/>
-          <a:lstStyle/>
-          <a:p>
-            <a:pPr algn="ctr"/>
-            <a:r>
-              <a:rPr lang="en-US" sz="1400" dirty="0"/>
-              <a:t>to infinity.  Twice…</a:t>
-            </a:r>
-          </a:p>
-        </p:txBody>
-      </p:sp>
-      <p:sp>
-        <p:nvSpPr>
-          <p:cNvPr id="65" name="Right Arrow 13">
-            <a:extLst>
-              <a:ext uri="{FF2B5EF4-FFF2-40B4-BE49-F238E27FC236}">
-                <a16:creationId xmlns:a16="http://schemas.microsoft.com/office/drawing/2014/main" id="{21B447EC-61B0-4CCC-84B8-8C7DB7C1FE54}"/>
-              </a:ext>
-            </a:extLst>
-          </p:cNvPr>
-          <p:cNvSpPr/>
-          <p:nvPr/>
-        </p:nvSpPr>
-        <p:spPr>
-          <a:xfrm rot="5400000">
-            <a:off x="5289743" y="3291422"/>
-            <a:ext cx="1608280" cy="817134"/>
-          </a:xfrm>
-          <a:prstGeom prst="rightArrow">
-            <a:avLst/>
-          </a:prstGeom>
-          <a:solidFill>
-            <a:schemeClr val="tx2"/>
-          </a:solidFill>
-          <a:ln>
-            <a:noFill/>
-          </a:ln>
-          <a:effectLst/>
-        </p:spPr>
-        <p:style>
-          <a:lnRef idx="1">
-            <a:schemeClr val="accent1"/>
-          </a:lnRef>
-          <a:fillRef idx="3">
-            <a:schemeClr val="accent1"/>
-          </a:fillRef>
-          <a:effectRef idx="2">
-            <a:schemeClr val="accent1"/>
-          </a:effectRef>
-          <a:fontRef idx="minor">
-            <a:schemeClr val="lt1"/>
-          </a:fontRef>
-        </p:style>
-        <p:txBody>
-          <a:bodyPr rtlCol="0" anchor="ctr"/>
-          <a:lstStyle/>
-          <a:p>
-            <a:pPr algn="ctr"/>
-            <a:r>
-              <a:rPr lang="en-US" dirty="0"/>
-              <a:t>Fe34f..</a:t>
-            </a:r>
-          </a:p>
-        </p:txBody>
-      </p:sp>
-      <p:sp>
-        <p:nvSpPr>
-          <p:cNvPr id="66" name="Right Arrow 17">
-            <a:extLst>
-              <a:ext uri="{FF2B5EF4-FFF2-40B4-BE49-F238E27FC236}">
-                <a16:creationId xmlns:a16="http://schemas.microsoft.com/office/drawing/2014/main" id="{5DAF98DB-8A74-4602-9385-9B57C692F9B5}"/>
-              </a:ext>
-            </a:extLst>
-          </p:cNvPr>
-          <p:cNvSpPr/>
-          <p:nvPr/>
-        </p:nvSpPr>
-        <p:spPr>
-          <a:xfrm flipH="1">
-            <a:off x="2983271" y="2478470"/>
-            <a:ext cx="2029346" cy="397414"/>
-          </a:xfrm>
-          <a:prstGeom prst="rightArrow">
-            <a:avLst/>
-          </a:prstGeom>
-          <a:solidFill>
-            <a:schemeClr val="tx2"/>
-          </a:solidFill>
-          <a:ln>
-            <a:noFill/>
-          </a:ln>
-          <a:effectLst/>
-        </p:spPr>
-        <p:style>
-          <a:lnRef idx="1">
-            <a:schemeClr val="accent1"/>
-          </a:lnRef>
-          <a:fillRef idx="3">
-            <a:schemeClr val="accent1"/>
-          </a:fillRef>
-          <a:effectRef idx="2">
-            <a:schemeClr val="accent1"/>
-          </a:effectRef>
-          <a:fontRef idx="minor">
-            <a:schemeClr val="lt1"/>
-          </a:fontRef>
-        </p:style>
-        <p:txBody>
-          <a:bodyPr rtlCol="0" anchor="ctr"/>
-          <a:lstStyle/>
-          <a:p>
-            <a:pPr algn="ctr"/>
-            <a:r>
-              <a:rPr lang="en-US" sz="1400" dirty="0"/>
-              <a:t>had too once.</a:t>
-            </a:r>
-          </a:p>
-        </p:txBody>
-      </p:sp>
-      <p:sp>
-        <p:nvSpPr>
-          <p:cNvPr id="67" name="Right Arrow 18">
-            <a:extLst>
-              <a:ext uri="{FF2B5EF4-FFF2-40B4-BE49-F238E27FC236}">
-                <a16:creationId xmlns:a16="http://schemas.microsoft.com/office/drawing/2014/main" id="{DA3079FE-8FFA-41DB-8C55-6BB3A30A3B93}"/>
-              </a:ext>
-            </a:extLst>
-          </p:cNvPr>
-          <p:cNvSpPr/>
-          <p:nvPr/>
-        </p:nvSpPr>
-        <p:spPr>
-          <a:xfrm flipH="1">
-            <a:off x="7174755" y="2491410"/>
-            <a:ext cx="2096993" cy="397414"/>
-          </a:xfrm>
-          <a:prstGeom prst="rightArrow">
-            <a:avLst/>
-          </a:prstGeom>
-          <a:solidFill>
-            <a:schemeClr val="tx2"/>
-          </a:solidFill>
-          <a:ln>
-            <a:noFill/>
-          </a:ln>
-          <a:effectLst/>
-        </p:spPr>
-        <p:style>
-          <a:lnRef idx="1">
-            <a:schemeClr val="accent1"/>
-          </a:lnRef>
-          <a:fillRef idx="3">
-            <a:schemeClr val="accent1"/>
-          </a:fillRef>
-          <a:effectRef idx="2">
-            <a:schemeClr val="accent1"/>
-          </a:effectRef>
-          <a:fontRef idx="minor">
-            <a:schemeClr val="lt1"/>
-          </a:fontRef>
-        </p:style>
-        <p:txBody>
-          <a:bodyPr rtlCol="0" anchor="ctr"/>
-          <a:lstStyle/>
-          <a:p>
-            <a:pPr algn="ctr"/>
-            <a:r>
-              <a:rPr lang="en-US" sz="1400" dirty="0"/>
-              <a:t>Bruce Lee only…</a:t>
-            </a:r>
-          </a:p>
-        </p:txBody>
-      </p:sp>
-      <p:grpSp>
-        <p:nvGrpSpPr>
-          <p:cNvPr id="10" name="Group 9">
-            <a:extLst>
-              <a:ext uri="{FF2B5EF4-FFF2-40B4-BE49-F238E27FC236}">
-                <a16:creationId xmlns:a16="http://schemas.microsoft.com/office/drawing/2014/main" id="{CADD0945-CB71-3942-AB2C-B1B99E384C15}"/>
-              </a:ext>
-            </a:extLst>
-          </p:cNvPr>
-          <p:cNvGrpSpPr/>
-          <p:nvPr/>
-        </p:nvGrpSpPr>
-        <p:grpSpPr>
-          <a:xfrm>
-            <a:off x="772729" y="2817862"/>
-            <a:ext cx="1257352" cy="721361"/>
-            <a:chOff x="655383" y="3778162"/>
-            <a:chExt cx="1693979" cy="971860"/>
-          </a:xfrm>
-        </p:grpSpPr>
-        <p:grpSp>
-          <p:nvGrpSpPr>
-            <p:cNvPr id="9" name="Group 8">
-              <a:extLst>
-                <a:ext uri="{FF2B5EF4-FFF2-40B4-BE49-F238E27FC236}">
-                  <a16:creationId xmlns:a16="http://schemas.microsoft.com/office/drawing/2014/main" id="{C9C8F422-06F1-A64C-B57D-BCEF5AF19D06}"/>
-                </a:ext>
-              </a:extLst>
-            </p:cNvPr>
-            <p:cNvGrpSpPr/>
-            <p:nvPr/>
-          </p:nvGrpSpPr>
-          <p:grpSpPr>
-            <a:xfrm>
-              <a:off x="655383" y="3778162"/>
-              <a:ext cx="946966" cy="946966"/>
-              <a:chOff x="655383" y="3778162"/>
-              <a:chExt cx="946966" cy="946966"/>
-            </a:xfrm>
-          </p:grpSpPr>
-          <p:sp>
-            <p:nvSpPr>
-              <p:cNvPr id="7" name="Oval 6">
-                <a:extLst>
-                  <a:ext uri="{FF2B5EF4-FFF2-40B4-BE49-F238E27FC236}">
-                    <a16:creationId xmlns:a16="http://schemas.microsoft.com/office/drawing/2014/main" id="{C2060E3F-9505-2848-9E35-EA9A8CF6822F}"/>
-                  </a:ext>
-                </a:extLst>
-              </p:cNvPr>
-              <p:cNvSpPr/>
-              <p:nvPr/>
-            </p:nvSpPr>
-            <p:spPr>
-              <a:xfrm>
-                <a:off x="655383" y="3778162"/>
-                <a:ext cx="946966" cy="946966"/>
-              </a:xfrm>
-              <a:prstGeom prst="ellipse">
-                <a:avLst/>
-              </a:prstGeom>
-              <a:solidFill>
-                <a:schemeClr val="tx2"/>
-              </a:solidFill>
-              <a:ln>
-                <a:noFill/>
-              </a:ln>
-              <a:effectLst/>
-            </p:spPr>
-            <p:style>
-              <a:lnRef idx="1">
-                <a:schemeClr val="accent1"/>
-              </a:lnRef>
-              <a:fillRef idx="3">
-                <a:schemeClr val="accent1"/>
-              </a:fillRef>
-              <a:effectRef idx="2">
-                <a:schemeClr val="accent1"/>
-              </a:effectRef>
-              <a:fontRef idx="minor">
-                <a:schemeClr val="lt1"/>
-              </a:fontRef>
-            </p:style>
-            <p:txBody>
-              <a:bodyPr rtlCol="0" anchor="ctr"/>
-              <a:lstStyle/>
-              <a:p>
-                <a:pPr algn="ctr"/>
-                <a:endParaRPr lang="en-US"/>
-              </a:p>
-            </p:txBody>
-          </p:sp>
-          <p:pic>
-            <p:nvPicPr>
-              <p:cNvPr id="4" name="Picture 3" descr="A picture containing text, gear&#10;&#10;Description automatically generated">
-                <a:extLst>
-                  <a:ext uri="{FF2B5EF4-FFF2-40B4-BE49-F238E27FC236}">
-                    <a16:creationId xmlns:a16="http://schemas.microsoft.com/office/drawing/2014/main" id="{812F80D9-B9C2-FD43-BC5D-ECFD81DAB612}"/>
-                  </a:ext>
-                </a:extLst>
-              </p:cNvPr>
-              <p:cNvPicPr>
-                <a:picLocks noChangeAspect="1"/>
-              </p:cNvPicPr>
-              <p:nvPr/>
-            </p:nvPicPr>
-            <p:blipFill>
-              <a:blip r:embed="rId5">
-                <a:extLst>
-                  <a:ext uri="{28A0092B-C50C-407E-A947-70E740481C1C}">
-                    <a14:useLocalDpi xmlns:a14="http://schemas.microsoft.com/office/drawing/2010/main" val="0"/>
-                  </a:ext>
-                </a:extLst>
-              </a:blip>
-              <a:stretch>
-                <a:fillRect/>
-              </a:stretch>
-            </p:blipFill>
-            <p:spPr>
-              <a:xfrm>
-                <a:off x="799917" y="3853722"/>
-                <a:ext cx="657898" cy="795845"/>
-              </a:xfrm>
-              <a:prstGeom prst="rect">
-                <a:avLst/>
-              </a:prstGeom>
-            </p:spPr>
-          </p:pic>
-        </p:grpSp>
-        <p:grpSp>
-          <p:nvGrpSpPr>
-            <p:cNvPr id="8" name="Group 7">
-              <a:extLst>
-                <a:ext uri="{FF2B5EF4-FFF2-40B4-BE49-F238E27FC236}">
-                  <a16:creationId xmlns:a16="http://schemas.microsoft.com/office/drawing/2014/main" id="{634D8717-8E7A-5648-BF04-37E47361223E}"/>
-                </a:ext>
-              </a:extLst>
-            </p:cNvPr>
-            <p:cNvGrpSpPr/>
-            <p:nvPr/>
-          </p:nvGrpSpPr>
-          <p:grpSpPr>
-            <a:xfrm>
-              <a:off x="1402396" y="3803056"/>
-              <a:ext cx="946966" cy="946966"/>
-              <a:chOff x="1760164" y="3778161"/>
-              <a:chExt cx="946966" cy="946966"/>
-            </a:xfrm>
-          </p:grpSpPr>
-          <p:sp>
-            <p:nvSpPr>
-              <p:cNvPr id="21" name="Oval 20">
-                <a:extLst>
-                  <a:ext uri="{FF2B5EF4-FFF2-40B4-BE49-F238E27FC236}">
-                    <a16:creationId xmlns:a16="http://schemas.microsoft.com/office/drawing/2014/main" id="{DF645327-D57B-0941-921F-A6D253BE2BC0}"/>
-                  </a:ext>
-                </a:extLst>
-              </p:cNvPr>
-              <p:cNvSpPr/>
-              <p:nvPr/>
-            </p:nvSpPr>
-            <p:spPr>
-              <a:xfrm>
-                <a:off x="1760164" y="3778161"/>
-                <a:ext cx="946966" cy="946966"/>
-              </a:xfrm>
-              <a:prstGeom prst="ellipse">
-                <a:avLst/>
-              </a:prstGeom>
-              <a:solidFill>
-                <a:schemeClr val="tx2"/>
-              </a:solidFill>
-              <a:ln>
-                <a:noFill/>
-              </a:ln>
-              <a:effectLst/>
-            </p:spPr>
-            <p:style>
-              <a:lnRef idx="1">
-                <a:schemeClr val="accent1"/>
-              </a:lnRef>
-              <a:fillRef idx="3">
-                <a:schemeClr val="accent1"/>
-              </a:fillRef>
-              <a:effectRef idx="2">
-                <a:schemeClr val="accent1"/>
-              </a:effectRef>
-              <a:fontRef idx="minor">
-                <a:schemeClr val="lt1"/>
-              </a:fontRef>
-            </p:style>
-            <p:txBody>
-              <a:bodyPr rtlCol="0" anchor="ctr"/>
-              <a:lstStyle/>
-              <a:p>
-                <a:pPr algn="ctr"/>
-                <a:endParaRPr lang="en-US"/>
-              </a:p>
-            </p:txBody>
-          </p:sp>
-          <p:pic>
-            <p:nvPicPr>
-              <p:cNvPr id="6" name="Picture 5" descr="Arrow&#10;&#10;Description automatically generated">
-                <a:extLst>
-                  <a:ext uri="{FF2B5EF4-FFF2-40B4-BE49-F238E27FC236}">
-                    <a16:creationId xmlns:a16="http://schemas.microsoft.com/office/drawing/2014/main" id="{5216355A-51B0-1A48-A00A-036BCCC34E1B}"/>
-                  </a:ext>
-                </a:extLst>
-              </p:cNvPr>
-              <p:cNvPicPr>
-                <a:picLocks noChangeAspect="1"/>
-              </p:cNvPicPr>
-              <p:nvPr/>
-            </p:nvPicPr>
-            <p:blipFill>
-              <a:blip r:embed="rId6">
-                <a:extLst>
-                  <a:ext uri="{28A0092B-C50C-407E-A947-70E740481C1C}">
-                    <a14:useLocalDpi xmlns:a14="http://schemas.microsoft.com/office/drawing/2010/main" val="0"/>
-                  </a:ext>
-                </a:extLst>
-              </a:blip>
-              <a:stretch>
-                <a:fillRect/>
-              </a:stretch>
-            </p:blipFill>
-            <p:spPr>
-              <a:xfrm>
-                <a:off x="1825080" y="3929283"/>
-                <a:ext cx="817134" cy="648829"/>
-              </a:xfrm>
-              <a:prstGeom prst="rect">
-                <a:avLst/>
-              </a:prstGeom>
-            </p:spPr>
-          </p:pic>
-        </p:grpSp>
-      </p:grpSp>
-      <p:grpSp>
-        <p:nvGrpSpPr>
-          <p:cNvPr id="25" name="Group 24">
-            <a:extLst>
-              <a:ext uri="{FF2B5EF4-FFF2-40B4-BE49-F238E27FC236}">
-                <a16:creationId xmlns:a16="http://schemas.microsoft.com/office/drawing/2014/main" id="{8552B809-661C-E243-9284-70B731BCE784}"/>
-              </a:ext>
-            </a:extLst>
-          </p:cNvPr>
-          <p:cNvGrpSpPr/>
-          <p:nvPr/>
-        </p:nvGrpSpPr>
-        <p:grpSpPr>
-          <a:xfrm>
-            <a:off x="10160343" y="2926983"/>
-            <a:ext cx="1257352" cy="721361"/>
-            <a:chOff x="655383" y="3778162"/>
-            <a:chExt cx="1693979" cy="971860"/>
-          </a:xfrm>
-          <a:solidFill>
-            <a:schemeClr val="accent5"/>
-          </a:solidFill>
-        </p:grpSpPr>
-        <p:grpSp>
-          <p:nvGrpSpPr>
-            <p:cNvPr id="26" name="Group 25">
-              <a:extLst>
-                <a:ext uri="{FF2B5EF4-FFF2-40B4-BE49-F238E27FC236}">
-                  <a16:creationId xmlns:a16="http://schemas.microsoft.com/office/drawing/2014/main" id="{CA3F15ED-DAFE-EA44-8BC4-4BB8243DC9B7}"/>
-                </a:ext>
-              </a:extLst>
-            </p:cNvPr>
-            <p:cNvGrpSpPr/>
-            <p:nvPr/>
-          </p:nvGrpSpPr>
-          <p:grpSpPr>
-            <a:xfrm>
-              <a:off x="655383" y="3778162"/>
-              <a:ext cx="946966" cy="946966"/>
-              <a:chOff x="655383" y="3778162"/>
-              <a:chExt cx="946966" cy="946966"/>
-            </a:xfrm>
-            <a:grpFill/>
-          </p:grpSpPr>
-          <p:sp>
-            <p:nvSpPr>
-              <p:cNvPr id="30" name="Oval 29">
-                <a:extLst>
-                  <a:ext uri="{FF2B5EF4-FFF2-40B4-BE49-F238E27FC236}">
-                    <a16:creationId xmlns:a16="http://schemas.microsoft.com/office/drawing/2014/main" id="{9F56B6F0-225A-DB4A-972D-DF9D0EFBB1BB}"/>
-                  </a:ext>
-                </a:extLst>
-              </p:cNvPr>
-              <p:cNvSpPr/>
-              <p:nvPr/>
-            </p:nvSpPr>
-            <p:spPr>
-              <a:xfrm>
-                <a:off x="655383" y="3778162"/>
-                <a:ext cx="946966" cy="946966"/>
-              </a:xfrm>
-              <a:prstGeom prst="ellipse">
-                <a:avLst/>
-              </a:prstGeom>
-              <a:grpFill/>
-              <a:ln>
-                <a:noFill/>
-              </a:ln>
-              <a:effectLst/>
-            </p:spPr>
-            <p:style>
-              <a:lnRef idx="1">
-                <a:schemeClr val="accent1"/>
-              </a:lnRef>
-              <a:fillRef idx="3">
-                <a:schemeClr val="accent1"/>
-              </a:fillRef>
-              <a:effectRef idx="2">
-                <a:schemeClr val="accent1"/>
-              </a:effectRef>
-              <a:fontRef idx="minor">
-                <a:schemeClr val="lt1"/>
-              </a:fontRef>
-            </p:style>
-            <p:txBody>
-              <a:bodyPr rtlCol="0" anchor="ctr"/>
-              <a:lstStyle/>
-              <a:p>
-                <a:pPr algn="ctr"/>
-                <a:endParaRPr lang="en-US"/>
-              </a:p>
-            </p:txBody>
-          </p:sp>
-          <p:pic>
-            <p:nvPicPr>
-              <p:cNvPr id="31" name="Picture 30" descr="A picture containing text, gear&#10;&#10;Description automatically generated">
-                <a:extLst>
-                  <a:ext uri="{FF2B5EF4-FFF2-40B4-BE49-F238E27FC236}">
-                    <a16:creationId xmlns:a16="http://schemas.microsoft.com/office/drawing/2014/main" id="{A9691BE8-D726-E34A-915A-C63C5B4E390B}"/>
-                  </a:ext>
-                </a:extLst>
-              </p:cNvPr>
-              <p:cNvPicPr>
-                <a:picLocks noChangeAspect="1"/>
-              </p:cNvPicPr>
-              <p:nvPr/>
-            </p:nvPicPr>
-            <p:blipFill>
-              <a:blip r:embed="rId5">
-                <a:extLst>
-                  <a:ext uri="{28A0092B-C50C-407E-A947-70E740481C1C}">
-                    <a14:useLocalDpi xmlns:a14="http://schemas.microsoft.com/office/drawing/2010/main" val="0"/>
-                  </a:ext>
-                </a:extLst>
-              </a:blip>
-              <a:stretch>
-                <a:fillRect/>
-              </a:stretch>
-            </p:blipFill>
-            <p:spPr>
-              <a:xfrm>
-                <a:off x="799917" y="3853722"/>
-                <a:ext cx="657898" cy="795845"/>
-              </a:xfrm>
-              <a:prstGeom prst="rect">
-                <a:avLst/>
-              </a:prstGeom>
-              <a:noFill/>
-            </p:spPr>
-          </p:pic>
-        </p:grpSp>
-        <p:grpSp>
-          <p:nvGrpSpPr>
-            <p:cNvPr id="27" name="Group 26">
-              <a:extLst>
-                <a:ext uri="{FF2B5EF4-FFF2-40B4-BE49-F238E27FC236}">
-                  <a16:creationId xmlns:a16="http://schemas.microsoft.com/office/drawing/2014/main" id="{CB432BB2-84B9-FE46-9BDE-9CB443A6376F}"/>
-                </a:ext>
-              </a:extLst>
-            </p:cNvPr>
-            <p:cNvGrpSpPr/>
-            <p:nvPr/>
-          </p:nvGrpSpPr>
-          <p:grpSpPr>
-            <a:xfrm>
-              <a:off x="1402396" y="3803056"/>
-              <a:ext cx="946966" cy="946966"/>
-              <a:chOff x="1760164" y="3778161"/>
-              <a:chExt cx="946966" cy="946966"/>
-            </a:xfrm>
-            <a:grpFill/>
-          </p:grpSpPr>
-          <p:sp>
-            <p:nvSpPr>
-              <p:cNvPr id="28" name="Oval 27">
-                <a:extLst>
-                  <a:ext uri="{FF2B5EF4-FFF2-40B4-BE49-F238E27FC236}">
-                    <a16:creationId xmlns:a16="http://schemas.microsoft.com/office/drawing/2014/main" id="{69A51265-6E97-D648-BEE1-97CCEEDB8622}"/>
-                  </a:ext>
-                </a:extLst>
-              </p:cNvPr>
-              <p:cNvSpPr/>
-              <p:nvPr/>
-            </p:nvSpPr>
-            <p:spPr>
-              <a:xfrm>
-                <a:off x="1760164" y="3778161"/>
-                <a:ext cx="946966" cy="946966"/>
-              </a:xfrm>
-              <a:prstGeom prst="ellipse">
-                <a:avLst/>
-              </a:prstGeom>
-              <a:grpFill/>
-              <a:ln>
-                <a:noFill/>
-              </a:ln>
-              <a:effectLst/>
-            </p:spPr>
-            <p:style>
-              <a:lnRef idx="1">
-                <a:schemeClr val="accent1"/>
-              </a:lnRef>
-              <a:fillRef idx="3">
-                <a:schemeClr val="accent1"/>
-              </a:fillRef>
-              <a:effectRef idx="2">
-                <a:schemeClr val="accent1"/>
-              </a:effectRef>
-              <a:fontRef idx="minor">
-                <a:schemeClr val="lt1"/>
-              </a:fontRef>
-            </p:style>
-            <p:txBody>
-              <a:bodyPr rtlCol="0" anchor="ctr"/>
-              <a:lstStyle/>
-              <a:p>
-                <a:pPr algn="ctr"/>
-                <a:endParaRPr lang="en-US"/>
-              </a:p>
-            </p:txBody>
-          </p:sp>
-          <p:pic>
-            <p:nvPicPr>
-              <p:cNvPr id="29" name="Picture 28" descr="Arrow&#10;&#10;Description automatically generated">
-                <a:extLst>
-                  <a:ext uri="{FF2B5EF4-FFF2-40B4-BE49-F238E27FC236}">
-                    <a16:creationId xmlns:a16="http://schemas.microsoft.com/office/drawing/2014/main" id="{9760595A-F895-6E47-AD0C-DC26DD3D2EC0}"/>
-                  </a:ext>
-                </a:extLst>
-              </p:cNvPr>
-              <p:cNvPicPr>
-                <a:picLocks noChangeAspect="1"/>
-              </p:cNvPicPr>
-              <p:nvPr/>
-            </p:nvPicPr>
-            <p:blipFill>
-              <a:blip r:embed="rId6">
-                <a:extLst>
-                  <a:ext uri="{28A0092B-C50C-407E-A947-70E740481C1C}">
-                    <a14:useLocalDpi xmlns:a14="http://schemas.microsoft.com/office/drawing/2010/main" val="0"/>
-                  </a:ext>
-                </a:extLst>
-              </a:blip>
-              <a:stretch>
-                <a:fillRect/>
-              </a:stretch>
-            </p:blipFill>
-            <p:spPr>
-              <a:xfrm>
-                <a:off x="1825080" y="3929283"/>
-                <a:ext cx="817134" cy="648829"/>
-              </a:xfrm>
-              <a:prstGeom prst="rect">
-                <a:avLst/>
-              </a:prstGeom>
-              <a:noFill/>
-            </p:spPr>
-          </p:pic>
-        </p:grpSp>
-      </p:grpSp>
-      <p:sp>
-        <p:nvSpPr>
-          <p:cNvPr id="33" name="Oval 32">
-            <a:extLst>
-              <a:ext uri="{FF2B5EF4-FFF2-40B4-BE49-F238E27FC236}">
-                <a16:creationId xmlns:a16="http://schemas.microsoft.com/office/drawing/2014/main" id="{A70CDBB1-C4AF-0D41-B40F-D215FED21B6C}"/>
-              </a:ext>
-            </a:extLst>
-          </p:cNvPr>
-          <p:cNvSpPr/>
-          <p:nvPr/>
-        </p:nvSpPr>
-        <p:spPr>
-          <a:xfrm>
-            <a:off x="2423900" y="2894618"/>
-            <a:ext cx="702883" cy="702883"/>
-          </a:xfrm>
-          <a:prstGeom prst="ellipse">
-            <a:avLst/>
-          </a:prstGeom>
-          <a:solidFill>
-            <a:schemeClr val="accent5"/>
-          </a:solidFill>
-          <a:ln>
-            <a:noFill/>
-          </a:ln>
-          <a:effectLst/>
-        </p:spPr>
-        <p:style>
-          <a:lnRef idx="1">
-            <a:schemeClr val="accent1"/>
-          </a:lnRef>
-          <a:fillRef idx="3">
-            <a:schemeClr val="accent1"/>
-          </a:fillRef>
-          <a:effectRef idx="2">
-            <a:schemeClr val="accent1"/>
-          </a:effectRef>
-          <a:fontRef idx="minor">
-            <a:schemeClr val="lt1"/>
-          </a:fontRef>
-        </p:style>
-        <p:txBody>
-          <a:bodyPr rtlCol="0" anchor="ctr"/>
-          <a:lstStyle/>
-          <a:p>
-            <a:pPr algn="ctr"/>
-            <a:endParaRPr lang="en-US"/>
-          </a:p>
-        </p:txBody>
-      </p:sp>
-      <p:pic>
-        <p:nvPicPr>
-          <p:cNvPr id="34" name="Picture 33" descr="A picture containing text, gear&#10;&#10;Description automatically generated">
-            <a:extLst>
-              <a:ext uri="{FF2B5EF4-FFF2-40B4-BE49-F238E27FC236}">
-                <a16:creationId xmlns:a16="http://schemas.microsoft.com/office/drawing/2014/main" id="{3FB9A03C-DDB4-C145-BB46-F33EEED9515D}"/>
-              </a:ext>
-            </a:extLst>
-          </p:cNvPr>
-          <p:cNvPicPr>
-            <a:picLocks noChangeAspect="1"/>
-          </p:cNvPicPr>
-          <p:nvPr/>
-        </p:nvPicPr>
-        <p:blipFill>
-          <a:blip r:embed="rId5">
-            <a:extLst>
-              <a:ext uri="{28A0092B-C50C-407E-A947-70E740481C1C}">
-                <a14:useLocalDpi xmlns:a14="http://schemas.microsoft.com/office/drawing/2010/main" val="0"/>
-              </a:ext>
-            </a:extLst>
-          </a:blip>
-          <a:stretch>
-            <a:fillRect/>
-          </a:stretch>
-        </p:blipFill>
-        <p:spPr>
-          <a:xfrm>
-            <a:off x="2531180" y="2950702"/>
-            <a:ext cx="488323" cy="590714"/>
-          </a:xfrm>
-          <a:prstGeom prst="rect">
-            <a:avLst/>
-          </a:prstGeom>
-          <a:noFill/>
-        </p:spPr>
-      </p:pic>
-      <p:sp>
-        <p:nvSpPr>
-          <p:cNvPr id="35" name="Oval 34">
-            <a:extLst>
-              <a:ext uri="{FF2B5EF4-FFF2-40B4-BE49-F238E27FC236}">
-                <a16:creationId xmlns:a16="http://schemas.microsoft.com/office/drawing/2014/main" id="{1F482F11-9597-8142-98E0-471468BDCFB1}"/>
-              </a:ext>
-            </a:extLst>
-          </p:cNvPr>
-          <p:cNvSpPr/>
-          <p:nvPr/>
-        </p:nvSpPr>
-        <p:spPr>
-          <a:xfrm>
-            <a:off x="9180225" y="2983068"/>
-            <a:ext cx="702883" cy="702883"/>
-          </a:xfrm>
-          <a:prstGeom prst="ellipse">
-            <a:avLst/>
-          </a:prstGeom>
-          <a:solidFill>
-            <a:schemeClr val="tx2"/>
-          </a:solidFill>
-          <a:ln>
-            <a:noFill/>
-          </a:ln>
-          <a:effectLst/>
-        </p:spPr>
-        <p:style>
-          <a:lnRef idx="1">
-            <a:schemeClr val="accent1"/>
-          </a:lnRef>
-          <a:fillRef idx="3">
-            <a:schemeClr val="accent1"/>
-          </a:fillRef>
-          <a:effectRef idx="2">
-            <a:schemeClr val="accent1"/>
-          </a:effectRef>
-          <a:fontRef idx="minor">
-            <a:schemeClr val="lt1"/>
-          </a:fontRef>
-        </p:style>
-        <p:txBody>
-          <a:bodyPr rtlCol="0" anchor="ctr"/>
-          <a:lstStyle/>
-          <a:p>
-            <a:pPr algn="ctr"/>
-            <a:endParaRPr lang="en-US"/>
-          </a:p>
-        </p:txBody>
-      </p:sp>
-      <p:pic>
-        <p:nvPicPr>
-          <p:cNvPr id="36" name="Picture 35" descr="A picture containing text, gear&#10;&#10;Description automatically generated">
-            <a:extLst>
-              <a:ext uri="{FF2B5EF4-FFF2-40B4-BE49-F238E27FC236}">
-                <a16:creationId xmlns:a16="http://schemas.microsoft.com/office/drawing/2014/main" id="{399290FB-FC01-D947-9F56-AA73C87B5108}"/>
-              </a:ext>
-            </a:extLst>
-          </p:cNvPr>
-          <p:cNvPicPr>
-            <a:picLocks noChangeAspect="1"/>
-          </p:cNvPicPr>
-          <p:nvPr/>
-        </p:nvPicPr>
-        <p:blipFill>
-          <a:blip r:embed="rId5">
-            <a:extLst>
-              <a:ext uri="{28A0092B-C50C-407E-A947-70E740481C1C}">
-                <a14:useLocalDpi xmlns:a14="http://schemas.microsoft.com/office/drawing/2010/main" val="0"/>
-              </a:ext>
-            </a:extLst>
-          </a:blip>
-          <a:stretch>
-            <a:fillRect/>
-          </a:stretch>
-        </p:blipFill>
-        <p:spPr>
-          <a:xfrm>
-            <a:off x="9287505" y="3039152"/>
-            <a:ext cx="488323" cy="590714"/>
-          </a:xfrm>
-          <a:prstGeom prst="rect">
-            <a:avLst/>
-          </a:prstGeom>
-        </p:spPr>
-      </p:pic>
-    </p:spTree>
-    <p:extLst>
-      <p:ext uri="{BB962C8B-B14F-4D97-AF65-F5344CB8AC3E}">
-        <p14:creationId xmlns:p14="http://schemas.microsoft.com/office/powerpoint/2010/main" val="2298755704"/>
-      </p:ext>
-    </p:extLst>
-  </p:cSld>
-  <p:clrMapOvr>
-    <a:masterClrMapping/>
-  </p:clrMapOvr>
-  <mc:AlternateContent xmlns:mc="http://schemas.openxmlformats.org/markup-compatibility/2006" xmlns:p14="http://schemas.microsoft.com/office/powerpoint/2010/main">
-    <mc:Choice Requires="p14">
-      <p:transition spd="med" p14:dur="700">
-        <p:fade/>
-      </p:transition>
-    </mc:Choice>
-    <mc:Fallback xmlns="">
-      <p:transition spd="med">
-        <p:fade/>
-      </p:transition>
-    </mc:Fallback>
-  </mc:AlternateContent>
-</p:sld>
-</file>
-
-<file path=ppt/slides/slide11.xml><?xml version="1.0" encoding="utf-8"?>
-<p:sld xmlns:a="http://schemas.openxmlformats.org/drawingml/2006/main" xmlns:r="http://schemas.openxmlformats.org/officeDocument/2006/relationships" xmlns:p="http://schemas.openxmlformats.org/presentationml/2006/main">
-  <p:cSld>
-    <p:spTree>
-      <p:nvGrpSpPr>
-        <p:cNvPr id="1" name=""/>
-        <p:cNvGrpSpPr/>
-        <p:nvPr/>
-      </p:nvGrpSpPr>
-      <p:grpSpPr>
-        <a:xfrm>
-          <a:off x="0" y="0"/>
-          <a:ext cx="0" cy="0"/>
-          <a:chOff x="0" y="0"/>
-          <a:chExt cx="0" cy="0"/>
-        </a:xfrm>
-      </p:grpSpPr>
-      <p:sp>
-        <p:nvSpPr>
           <p:cNvPr id="4" name="Title 3"/>
           <p:cNvSpPr>
             <a:spLocks noGrp="1"/>
@@ -10754,7 +9930,7 @@
           <a:p>
             <a:r>
               <a:rPr lang="en-US" dirty="0"/>
-              <a:t>AN Introduction TO RSA</a:t>
+              <a:t>An Introduction TO RSA</a:t>
             </a:r>
           </a:p>
         </p:txBody>
@@ -10919,6 +10095,192 @@
 </p:sld>
 </file>
 
+<file path=ppt/slides/slide11.xml><?xml version="1.0" encoding="utf-8"?>
+<p:sld xmlns:a="http://schemas.openxmlformats.org/drawingml/2006/main" xmlns:r="http://schemas.openxmlformats.org/officeDocument/2006/relationships" xmlns:p="http://schemas.openxmlformats.org/presentationml/2006/main">
+  <p:cSld>
+    <p:spTree>
+      <p:nvGrpSpPr>
+        <p:cNvPr id="1" name=""/>
+        <p:cNvGrpSpPr/>
+        <p:nvPr/>
+      </p:nvGrpSpPr>
+      <p:grpSpPr>
+        <a:xfrm>
+          <a:off x="0" y="0"/>
+          <a:ext cx="0" cy="0"/>
+          <a:chOff x="0" y="0"/>
+          <a:chExt cx="0" cy="0"/>
+        </a:xfrm>
+      </p:grpSpPr>
+      <p:sp>
+        <p:nvSpPr>
+          <p:cNvPr id="4" name="Title 3"/>
+          <p:cNvSpPr>
+            <a:spLocks noGrp="1"/>
+          </p:cNvSpPr>
+          <p:nvPr>
+            <p:ph type="title"/>
+          </p:nvPr>
+        </p:nvSpPr>
+        <p:spPr/>
+        <p:txBody>
+          <a:bodyPr/>
+          <a:lstStyle/>
+          <a:p>
+            <a:r>
+              <a:rPr lang="en-US" dirty="0"/>
+              <a:t>An Introduction To RSA – “Textbook RSA”</a:t>
+            </a:r>
+          </a:p>
+        </p:txBody>
+      </p:sp>
+      <p:sp>
+        <p:nvSpPr>
+          <p:cNvPr id="5" name="Content Placeholder 4"/>
+          <p:cNvSpPr>
+            <a:spLocks noGrp="1"/>
+          </p:cNvSpPr>
+          <p:nvPr>
+            <p:ph sz="quarter" idx="13"/>
+          </p:nvPr>
+        </p:nvSpPr>
+        <p:spPr/>
+        <p:txBody>
+          <a:bodyPr anchor="ctr">
+            <a:normAutofit/>
+          </a:bodyPr>
+          <a:lstStyle/>
+          <a:p>
+            <a:pPr algn="ctr"/>
+            <a:r>
+              <a:rPr lang="en-US" dirty="0"/>
+              <a:t>Encrypt a message (m) with modular exponentiation…</a:t>
+            </a:r>
+          </a:p>
+          <a:p>
+            <a:pPr marL="0" lvl="1" indent="0" algn="ctr">
+              <a:buNone/>
+            </a:pPr>
+            <a:r>
+              <a:rPr lang="en-US" sz="3600" b="1" dirty="0">
+                <a:solidFill>
+                  <a:srgbClr val="FF0000"/>
+                </a:solidFill>
+              </a:rPr>
+              <a:t>c</a:t>
+            </a:r>
+            <a:r>
+              <a:rPr lang="en-US" sz="3600" b="1" dirty="0"/>
+              <a:t> = </a:t>
+            </a:r>
+            <a:r>
+              <a:rPr lang="en-US" sz="3600" b="1" dirty="0">
+                <a:solidFill>
+                  <a:srgbClr val="00B050"/>
+                </a:solidFill>
+              </a:rPr>
+              <a:t>m</a:t>
+            </a:r>
+            <a:r>
+              <a:rPr lang="en-US" sz="3600" b="1" baseline="30000" dirty="0">
+                <a:solidFill>
+                  <a:schemeClr val="accent4"/>
+                </a:solidFill>
+              </a:rPr>
+              <a:t>e</a:t>
+            </a:r>
+            <a:r>
+              <a:rPr lang="en-US" sz="3600" b="1" dirty="0"/>
+              <a:t> mod </a:t>
+            </a:r>
+            <a:r>
+              <a:rPr lang="en-US" sz="3600" b="1" dirty="0">
+                <a:solidFill>
+                  <a:schemeClr val="accent2"/>
+                </a:solidFill>
+              </a:rPr>
+              <a:t>n</a:t>
+            </a:r>
+          </a:p>
+          <a:p>
+            <a:pPr lvl="0" algn="ctr"/>
+            <a:r>
+              <a:rPr lang="en-US" dirty="0"/>
+              <a:t>…and decrypt a message (c) with modular exponentiation</a:t>
+            </a:r>
+          </a:p>
+          <a:p>
+            <a:pPr marL="0" lvl="1" indent="0" algn="ctr">
+              <a:buNone/>
+            </a:pPr>
+            <a:r>
+              <a:rPr lang="en-US" sz="3600" b="1" dirty="0">
+                <a:solidFill>
+                  <a:srgbClr val="00B050"/>
+                </a:solidFill>
+              </a:rPr>
+              <a:t>m</a:t>
+            </a:r>
+            <a:r>
+              <a:rPr lang="en-US" sz="3600" b="1" dirty="0"/>
+              <a:t> = </a:t>
+            </a:r>
+            <a:r>
+              <a:rPr lang="en-US" sz="3600" b="1" dirty="0">
+                <a:solidFill>
+                  <a:srgbClr val="FF0000"/>
+                </a:solidFill>
+              </a:rPr>
+              <a:t>c</a:t>
+            </a:r>
+            <a:r>
+              <a:rPr lang="en-US" sz="3600" b="1" baseline="30000" dirty="0">
+                <a:solidFill>
+                  <a:schemeClr val="accent4"/>
+                </a:solidFill>
+              </a:rPr>
+              <a:t>d</a:t>
+            </a:r>
+            <a:r>
+              <a:rPr lang="en-US" sz="3600" b="1" dirty="0"/>
+              <a:t> mod </a:t>
+            </a:r>
+            <a:r>
+              <a:rPr lang="en-US" sz="3600" b="1" dirty="0">
+                <a:solidFill>
+                  <a:schemeClr val="accent2"/>
+                </a:solidFill>
+              </a:rPr>
+              <a:t>n</a:t>
+            </a:r>
+          </a:p>
+        </p:txBody>
+      </p:sp>
+    </p:spTree>
+    <p:extLst>
+      <p:ext uri="{BB962C8B-B14F-4D97-AF65-F5344CB8AC3E}">
+        <p14:creationId xmlns:p14="http://schemas.microsoft.com/office/powerpoint/2010/main" val="2168808257"/>
+      </p:ext>
+    </p:extLst>
+  </p:cSld>
+  <p:clrMapOvr>
+    <a:masterClrMapping/>
+  </p:clrMapOvr>
+  <mc:AlternateContent xmlns:mc="http://schemas.openxmlformats.org/markup-compatibility/2006">
+    <mc:Choice xmlns:p14="http://schemas.microsoft.com/office/powerpoint/2010/main" Requires="p14">
+      <p:transition spd="med" p14:dur="700">
+        <p:fade/>
+      </p:transition>
+    </mc:Choice>
+    <mc:Fallback>
+      <p:transition spd="med">
+        <p:fade/>
+      </p:transition>
+    </mc:Fallback>
+  </mc:AlternateContent>
+</p:sld>
+</file>
+
 <file path=ppt/slides/slide12.xml><?xml version="1.0" encoding="utf-8"?>
 <p:sld xmlns:a="http://schemas.openxmlformats.org/drawingml/2006/main" xmlns:r="http://schemas.openxmlformats.org/officeDocument/2006/relationships" xmlns:p="http://schemas.openxmlformats.org/presentationml/2006/main">
   <p:cSld>
@@ -10953,7 +10315,19 @@
           <a:p>
             <a:r>
               <a:rPr lang="en-US" dirty="0"/>
-              <a:t>AN Introduction To RSA</a:t>
+              <a:t>An Introduction To RSA – Modulus (</a:t>
+            </a:r>
+            <a:r>
+              <a:rPr lang="en-US" dirty="0">
+                <a:solidFill>
+                  <a:schemeClr val="accent2"/>
+                </a:solidFill>
+              </a:rPr>
+              <a:t>n</a:t>
+            </a:r>
+            <a:r>
+              <a:rPr lang="en-US" dirty="0"/>
+              <a:t>) Creation</a:t>
             </a:r>
           </a:p>
         </p:txBody>
@@ -10970,35 +10344,98 @@
         </p:nvSpPr>
         <p:spPr/>
         <p:txBody>
-          <a:bodyPr>
+          <a:bodyPr anchor="ctr">
             <a:normAutofit/>
           </a:bodyPr>
           <a:lstStyle/>
           <a:p>
-            <a:r>
-              <a:rPr lang="en-US" dirty="0"/>
-              <a:t>The keys are created by selecting 2 prime numbers (p, q) and multiplying them together to create a modulus (n). This value is used during encryption and decryption.</a:t>
-            </a:r>
-          </a:p>
-          <a:p>
-            <a:pPr lvl="1"/>
-            <a:r>
-              <a:rPr lang="en-US" dirty="0"/>
-              <a:t>Public key = (e, n) – e is called the “public exponent”, while n is the modulus.</a:t>
-            </a:r>
-          </a:p>
-          <a:p>
-            <a:pPr lvl="1"/>
-            <a:r>
-              <a:rPr lang="en-US" dirty="0"/>
-              <a:t>Private key = (d, n) – d is called the “private exponent”, while n is the modulus.</a:t>
-            </a:r>
-          </a:p>
-          <a:p>
-            <a:pPr marL="0" lvl="1" indent="0">
-              <a:buNone/>
-            </a:pPr>
-            <a:endParaRPr lang="en-US" dirty="0"/>
+            <a:pPr algn="ctr"/>
+            <a:r>
+              <a:rPr lang="en-US" dirty="0"/>
+              <a:t>The modulus is created by selecting 2 prime numbers (p, q) and multiplying them together to create a modulus (</a:t>
+            </a:r>
+            <a:r>
+              <a:rPr lang="en-US" dirty="0">
+                <a:solidFill>
+                  <a:schemeClr val="accent2"/>
+                </a:solidFill>
+              </a:rPr>
+              <a:t>n</a:t>
+            </a:r>
+            <a:r>
+              <a:rPr lang="en-US" dirty="0"/>
+              <a:t>). This value is used during encryption and decryption.</a:t>
+            </a:r>
+          </a:p>
+          <a:p>
+            <a:pPr algn="ctr"/>
+            <a:r>
+              <a:rPr lang="en-US" sz="4000" dirty="0">
+                <a:solidFill>
+                  <a:schemeClr val="accent2"/>
+                </a:solidFill>
+              </a:rPr>
+              <a:t>n</a:t>
+            </a:r>
+            <a:r>
+              <a:rPr lang="en-US" sz="4000" dirty="0"/>
+              <a:t> = </a:t>
+            </a:r>
+            <a:r>
+              <a:rPr lang="en-US" sz="4000" dirty="0">
+                <a:solidFill>
+                  <a:srgbClr val="FF0000"/>
+                </a:solidFill>
+              </a:rPr>
+              <a:t>p</a:t>
+            </a:r>
+            <a:r>
+              <a:rPr lang="en-US" sz="4000" dirty="0"/>
+              <a:t> * </a:t>
+            </a:r>
+            <a:r>
+              <a:rPr lang="en-US" sz="4000" dirty="0">
+                <a:solidFill>
+                  <a:srgbClr val="FF0000"/>
+                </a:solidFill>
+              </a:rPr>
+              <a:t>q</a:t>
+            </a:r>
+          </a:p>
+          <a:p>
+            <a:pPr algn="ctr"/>
+            <a:endParaRPr lang="en-US" sz="4000" dirty="0">
+              <a:solidFill>
+                <a:srgbClr val="FF0000"/>
+              </a:solidFill>
+            </a:endParaRPr>
+          </a:p>
+          <a:p>
+            <a:pPr algn="ctr"/>
+            <a:r>
+              <a:rPr lang="en-US" sz="3600" dirty="0">
+                <a:solidFill>
+                  <a:srgbClr val="FF0000"/>
+                </a:solidFill>
+              </a:rPr>
+              <a:t>FACTORING (</a:t>
+            </a:r>
+            <a:r>
+              <a:rPr lang="en-US" sz="3600" dirty="0">
+                <a:solidFill>
+                  <a:schemeClr val="accent2"/>
+                </a:solidFill>
+              </a:rPr>
+              <a:t>N</a:t>
+            </a:r>
+            <a:r>
+              <a:rPr lang="en-US" sz="3600" dirty="0">
+                <a:solidFill>
+                  <a:srgbClr val="FF0000"/>
+                </a:solidFill>
+              </a:rPr>
+              <a:t>) SHOULD BE HARD!</a:t>
+            </a:r>
           </a:p>
         </p:txBody>
       </p:sp>
@@ -11061,7 +10498,7 @@
           <a:p>
             <a:r>
               <a:rPr lang="en-US" dirty="0"/>
-              <a:t>AN Introduction To RSA</a:t>
+              <a:t>An Introduction To RSA – Exponent Creation</a:t>
             </a:r>
           </a:p>
         </p:txBody>
@@ -11078,25 +10515,51 @@
         </p:nvSpPr>
         <p:spPr/>
         <p:txBody>
-          <a:bodyPr>
+          <a:bodyPr anchor="ctr">
             <a:normAutofit/>
           </a:bodyPr>
           <a:lstStyle/>
           <a:p>
-            <a:pPr marL="0" lvl="1" indent="0">
+            <a:pPr marL="0" lvl="1" indent="0" algn="ctr">
               <a:buNone/>
             </a:pPr>
             <a:r>
+              <a:rPr lang="en-US" b="1" dirty="0">
+                <a:solidFill>
+                  <a:srgbClr val="0071C5"/>
+                </a:solidFill>
+              </a:rPr>
+              <a:t>The “Public” Exponent</a:t>
+            </a:r>
+          </a:p>
+          <a:p>
+            <a:pPr marL="0" lvl="1" indent="0" algn="ctr">
+              <a:buNone/>
+            </a:pPr>
+            <a:r>
               <a:rPr lang="en-US" dirty="0">
                 <a:solidFill>
                   <a:srgbClr val="0071C5"/>
                 </a:solidFill>
               </a:rPr>
-              <a:t>Because the public key is “public,” the public exponent is a known value.  It usually is 3, 17, or 65,537.</a:t>
-            </a:r>
-          </a:p>
-          <a:p>
-            <a:pPr marL="0" lvl="1" indent="0">
+              <a:t>Because the public exponent is “public,” it is a known value.  It usually is 3, 17, or 65,537.</a:t>
+            </a:r>
+          </a:p>
+          <a:p>
+            <a:pPr marL="0" lvl="1" indent="0" algn="ctr">
+              <a:buNone/>
+            </a:pPr>
+            <a:r>
+              <a:rPr lang="en-US" b="1" dirty="0">
+                <a:solidFill>
+                  <a:srgbClr val="0071C5"/>
+                </a:solidFill>
+              </a:rPr>
+              <a:t>The “Private” Exponent</a:t>
+            </a:r>
+          </a:p>
+          <a:p>
+            <a:pPr marL="0" lvl="1" indent="0" algn="ctr">
               <a:buNone/>
             </a:pPr>
             <a:r>
@@ -11109,7 +10572,7 @@
             </a:r>
           </a:p>
           <a:p>
-            <a:pPr marL="0" lvl="1" indent="0">
+            <a:pPr marL="0" lvl="1" indent="0" algn="ctr">
               <a:buNone/>
             </a:pPr>
             <a:r>
@@ -11201,7 +10664,7 @@
           <a:p>
             <a:r>
               <a:rPr lang="en-US" dirty="0"/>
-              <a:t>An Introduction To RSA</a:t>
+              <a:t>An Introduction To RSA – Putting it all Together</a:t>
             </a:r>
           </a:p>
         </p:txBody>
@@ -11218,21 +10681,96 @@
         </p:nvSpPr>
         <p:spPr/>
         <p:txBody>
-          <a:bodyPr>
+          <a:bodyPr anchor="ctr">
             <a:normAutofit/>
           </a:bodyPr>
           <a:lstStyle/>
           <a:p>
-            <a:r>
-              <a:rPr lang="en-US" dirty="0"/>
-              <a:t>Once the public and private keys are generated, encryption and decryption can occur.</a:t>
-            </a:r>
-          </a:p>
-          <a:p>
             <a:pPr algn="ctr"/>
             <a:r>
               <a:rPr lang="en-US" dirty="0"/>
-              <a:t>Encrypt a message (m) with modular exponentiation…</a:t>
+              <a:t>Our “Keys” then are:</a:t>
+            </a:r>
+          </a:p>
+          <a:p>
+            <a:pPr algn="ctr"/>
+            <a:r>
+              <a:rPr lang="en-US" dirty="0"/>
+              <a:t>Public Key: {</a:t>
+            </a:r>
+            <a:r>
+              <a:rPr lang="en-US" dirty="0">
+                <a:solidFill>
+                  <a:schemeClr val="accent4"/>
+                </a:solidFill>
+              </a:rPr>
+              <a:t>e</a:t>
+            </a:r>
+            <a:r>
+              <a:rPr lang="en-US" dirty="0"/>
+              <a:t>, </a:t>
+            </a:r>
+            <a:r>
+              <a:rPr lang="en-US" dirty="0">
+                <a:solidFill>
+                  <a:schemeClr val="accent2"/>
+                </a:solidFill>
+              </a:rPr>
+              <a:t>n</a:t>
+            </a:r>
+            <a:r>
+              <a:rPr lang="en-US" dirty="0"/>
+              <a:t>}</a:t>
+            </a:r>
+          </a:p>
+          <a:p>
+            <a:pPr algn="ctr"/>
+            <a:r>
+              <a:rPr lang="en-US" dirty="0"/>
+              <a:t>Private Key: {</a:t>
+            </a:r>
+            <a:r>
+              <a:rPr lang="en-US" dirty="0">
+                <a:solidFill>
+                  <a:schemeClr val="accent4"/>
+                </a:solidFill>
+              </a:rPr>
+              <a:t>d</a:t>
+            </a:r>
+            <a:r>
+              <a:rPr lang="en-US" dirty="0"/>
+              <a:t>, </a:t>
+            </a:r>
+            <a:r>
+              <a:rPr lang="en-US" dirty="0">
+                <a:solidFill>
+                  <a:schemeClr val="accent2"/>
+                </a:solidFill>
+              </a:rPr>
+              <a:t>n</a:t>
+            </a:r>
+            <a:r>
+              <a:rPr lang="en-US" dirty="0"/>
+              <a:t>}</a:t>
+            </a:r>
+          </a:p>
+          <a:p>
+            <a:pPr algn="ctr"/>
+            <a:r>
+              <a:rPr lang="en-US" dirty="0"/>
+              <a:t>We can encrypt a message (</a:t>
+            </a:r>
+            <a:r>
+              <a:rPr lang="en-US" b="1" dirty="0">
+                <a:solidFill>
+                  <a:srgbClr val="00B050"/>
+                </a:solidFill>
+              </a:rPr>
+              <a:t>m</a:t>
+            </a:r>
+            <a:r>
+              <a:rPr lang="en-US" dirty="0"/>
+              <a:t>) with modular exponentiation…</a:t>
             </a:r>
           </a:p>
           <a:p>
@@ -11240,7 +10778,7 @@
               <a:buNone/>
             </a:pPr>
             <a:r>
-              <a:rPr lang="en-US" b="1" dirty="0">
+              <a:rPr lang="en-US" sz="2400" b="1" dirty="0">
                 <a:solidFill>
                   <a:srgbClr val="FF0000"/>
                 </a:solidFill>
@@ -11248,11 +10786,11 @@
               <a:t>c</a:t>
             </a:r>
             <a:r>
-              <a:rPr lang="en-US" b="1" dirty="0"/>
+              <a:rPr lang="en-US" sz="2400" b="1" dirty="0"/>
               <a:t> = </a:t>
             </a:r>
             <a:r>
-              <a:rPr lang="en-US" b="1" dirty="0">
+              <a:rPr lang="en-US" sz="2400" b="1" dirty="0">
                 <a:solidFill>
                   <a:srgbClr val="00B050"/>
                 </a:solidFill>
@@ -11260,19 +10798,43 @@
               <a:t>m</a:t>
             </a:r>
             <a:r>
-              <a:rPr lang="en-US" b="1" baseline="30000" dirty="0"/>
+              <a:rPr lang="en-US" sz="2400" b="1" baseline="30000" dirty="0">
+                <a:solidFill>
+                  <a:schemeClr val="accent4"/>
+                </a:solidFill>
+              </a:rPr>
               <a:t>e</a:t>
             </a:r>
             <a:r>
-              <a:rPr lang="en-US" b="1" dirty="0"/>
-              <a:t> mod n</a:t>
+              <a:rPr lang="en-US" sz="2400" b="1" dirty="0"/>
+              <a:t> mod </a:t>
+            </a:r>
+            <a:r>
+              <a:rPr lang="en-US" sz="2400" b="1" dirty="0">
+                <a:solidFill>
+                  <a:schemeClr val="accent2"/>
+                </a:solidFill>
+              </a:rPr>
+              <a:t>n</a:t>
             </a:r>
           </a:p>
           <a:p>
             <a:pPr lvl="0" algn="ctr"/>
             <a:r>
               <a:rPr lang="en-US" dirty="0"/>
-              <a:t>…and decrypt a message (c) with modular exponentiation</a:t>
+              <a:t>…and decrypt a message (</a:t>
+            </a:r>
+            <a:r>
+              <a:rPr lang="en-US" b="1" dirty="0">
+                <a:solidFill>
+                  <a:srgbClr val="FF0000"/>
+                </a:solidFill>
+              </a:rPr>
+              <a:t>c</a:t>
+            </a:r>
+            <a:r>
+              <a:rPr lang="en-US" dirty="0"/>
+              <a:t>) with modular exponentiation</a:t>
             </a:r>
           </a:p>
           <a:p>
@@ -11280,7 +10842,19 @@
               <a:buNone/>
             </a:pPr>
             <a:r>
-              <a:rPr lang="en-US" b="1" dirty="0">
+              <a:rPr lang="en-US" sz="2400" b="1" dirty="0">
+                <a:solidFill>
+                  <a:srgbClr val="FF0000"/>
+                </a:solidFill>
+              </a:rPr>
+              <a:t>c</a:t>
+            </a:r>
+            <a:r>
+              <a:rPr lang="en-US" sz="2400" b="1" dirty="0"/>
+              <a:t> = </a:t>
+            </a:r>
+            <a:r>
+              <a:rPr lang="en-US" sz="2400" b="1" dirty="0">
                 <a:solidFill>
                   <a:srgbClr val="00B050"/>
                 </a:solidFill>
@@ -11288,24 +10862,24 @@
               <a:t>m</a:t>
             </a:r>
             <a:r>
-              <a:rPr lang="en-US" b="1" dirty="0"/>
-              <a:t> = </a:t>
-            </a:r>
-            <a:r>
-              <a:rPr lang="en-US" b="1" dirty="0">
-                <a:solidFill>
-                  <a:srgbClr val="FF0000"/>
+              <a:rPr lang="en-US" sz="2400" b="1" baseline="30000" dirty="0">
+                <a:solidFill>
+                  <a:schemeClr val="accent4"/>
                 </a:solidFill>
               </a:rPr>
-              <a:t>c</a:t>
-            </a:r>
-            <a:r>
-              <a:rPr lang="en-US" b="1" baseline="30000" dirty="0"/>
               <a:t>d</a:t>
             </a:r>
             <a:r>
-              <a:rPr lang="en-US" b="1" dirty="0"/>
-              <a:t> mod n</a:t>
+              <a:rPr lang="en-US" sz="2400" b="1" dirty="0"/>
+              <a:t> mod </a:t>
+            </a:r>
+            <a:r>
+              <a:rPr lang="en-US" sz="2400" b="1" dirty="0">
+                <a:solidFill>
+                  <a:schemeClr val="accent2"/>
+                </a:solidFill>
+              </a:rPr>
+              <a:t>n</a:t>
             </a:r>
           </a:p>
           <a:p>
@@ -11372,7 +10946,7 @@
           <a:p>
             <a:r>
               <a:rPr lang="en-US" dirty="0"/>
-              <a:t>Breaking RSA keys by factoring large integers</a:t>
+              <a:t>Breaking RSA modulus by factoring large integers</a:t>
             </a:r>
           </a:p>
         </p:txBody>
@@ -11492,7 +11066,7 @@
           <a:p>
             <a:r>
               <a:rPr lang="en-US" dirty="0"/>
-              <a:t>Breaking RSA keys by factoring large integers</a:t>
+              <a:t>Breaking RSA modulus by factoring large integers</a:t>
             </a:r>
           </a:p>
         </p:txBody>
@@ -11515,7 +11089,7 @@
         </p:spPr>
         <p:txBody>
           <a:bodyPr>
-            <a:normAutofit lnSpcReduction="10000"/>
+            <a:normAutofit/>
           </a:bodyPr>
           <a:lstStyle/>
           <a:p>
@@ -11982,11 +11556,11 @@
               <a:buNone/>
             </a:pPr>
             <a:r>
-              <a:rPr lang="en-US" sz="5400" dirty="0">
+              <a:rPr lang="en-US" sz="4000" dirty="0">
                 <a:solidFill>
                   <a:srgbClr val="FF0000"/>
                 </a:solidFill>
-                <a:latin typeface="Intel Clear Pro" panose="020B0804020202060201" pitchFamily="34" charset="77"/>
+                <a:latin typeface="+mj-lt"/>
                 <a:ea typeface="Intel Clear Pro" panose="020B0804020202060201" pitchFamily="34" charset="77"/>
                 <a:cs typeface="Intel Clear Pro" panose="020B0804020202060201" pitchFamily="34" charset="77"/>
               </a:rPr>
@@ -12236,7 +11810,7 @@
           <a:lstStyle/>
           <a:p>
             <a:r>
-              <a:rPr lang="en-US" dirty="0"/>
+              <a:rPr lang="en-US" sz="6600" dirty="0"/>
               <a:t>RSA In Practice</a:t>
             </a:r>
           </a:p>
@@ -12402,7 +11976,9 @@
           <a:lstStyle/>
           <a:p>
             <a:r>
-              <a:rPr lang="en-US" dirty="0"/>
+              <a:rPr lang="en-US" dirty="0">
+                <a:latin typeface="+mj-lt"/>
+              </a:rPr>
               <a:t>Introductions…</a:t>
             </a:r>
           </a:p>
@@ -12572,12 +12148,14 @@
           </a:bodyPr>
           <a:lstStyle/>
           <a:p>
+            <a:pPr algn="ctr"/>
             <a:r>
               <a:rPr lang="en-US" dirty="0"/>
               <a:t>The use of exponents to represent place values in a positional notation system is a general concept that applies to any base. </a:t>
             </a:r>
           </a:p>
           <a:p>
+            <a:pPr algn="ctr"/>
             <a:r>
               <a:rPr lang="en-US" dirty="0"/>
               <a:t>In a positional notation system with base "b", each digit has a place value that is determined by its position within the number and its relationship to the base.</a:t>
@@ -14113,7 +13691,7 @@
               <a:buNone/>
             </a:pPr>
             <a:r>
-              <a:rPr lang="en-US" b="1" dirty="0">
+              <a:rPr lang="en-US" dirty="0">
                 <a:solidFill>
                   <a:srgbClr val="FF0000"/>
                 </a:solidFill>
@@ -14121,11 +13699,11 @@
               <a:t>c</a:t>
             </a:r>
             <a:r>
-              <a:rPr lang="en-US" b="1" dirty="0"/>
+              <a:rPr lang="en-US" dirty="0"/>
               <a:t> = </a:t>
             </a:r>
             <a:r>
-              <a:rPr lang="en-US" b="1" dirty="0">
+              <a:rPr lang="en-US" dirty="0">
                 <a:solidFill>
                   <a:srgbClr val="00B050"/>
                 </a:solidFill>
@@ -14133,7 +13711,7 @@
               <a:t>m</a:t>
             </a:r>
             <a:r>
-              <a:rPr lang="en-US" b="1" baseline="30000" dirty="0">
+              <a:rPr lang="en-US" baseline="30000" dirty="0">
                 <a:solidFill>
                   <a:schemeClr val="accent4"/>
                 </a:solidFill>
@@ -14141,11 +13719,11 @@
               <a:t>e</a:t>
             </a:r>
             <a:r>
-              <a:rPr lang="en-US" b="1" dirty="0"/>
+              <a:rPr lang="en-US" dirty="0"/>
               <a:t> mod </a:t>
             </a:r>
             <a:r>
-              <a:rPr lang="en-US" b="1" dirty="0">
+              <a:rPr lang="en-US" dirty="0">
                 <a:solidFill>
                   <a:schemeClr val="accent2"/>
                 </a:solidFill>
@@ -14158,7 +13736,7 @@
               <a:buNone/>
             </a:pPr>
             <a:r>
-              <a:rPr lang="en-US" b="1" dirty="0">
+              <a:rPr lang="en-US" dirty="0">
                 <a:solidFill>
                   <a:srgbClr val="FF0000"/>
                 </a:solidFill>
@@ -14166,11 +13744,11 @@
               <a:t>c</a:t>
             </a:r>
             <a:r>
-              <a:rPr lang="en-US" b="1" dirty="0"/>
+              <a:rPr lang="en-US" dirty="0"/>
               <a:t> = </a:t>
             </a:r>
             <a:r>
-              <a:rPr lang="en-US" b="1" dirty="0">
+              <a:rPr lang="en-US" dirty="0">
                 <a:solidFill>
                   <a:srgbClr val="00B050"/>
                 </a:solidFill>
@@ -14178,7 +13756,7 @@
               <a:t>80060</a:t>
             </a:r>
             <a:r>
-              <a:rPr lang="en-US" b="1" baseline="30000" dirty="0">
+              <a:rPr lang="en-US" baseline="30000" dirty="0">
                 <a:solidFill>
                   <a:schemeClr val="accent4"/>
                 </a:solidFill>
@@ -14186,11 +13764,11 @@
               <a:t>3</a:t>
             </a:r>
             <a:r>
-              <a:rPr lang="en-US" b="1" dirty="0"/>
+              <a:rPr lang="en-US" dirty="0"/>
               <a:t> mod </a:t>
             </a:r>
             <a:r>
-              <a:rPr lang="en-US" b="1" dirty="0">
+              <a:rPr lang="en-US" dirty="0">
                 <a:solidFill>
                   <a:schemeClr val="accent2"/>
                 </a:solidFill>
@@ -14203,7 +13781,7 @@
               <a:buNone/>
             </a:pPr>
             <a:r>
-              <a:rPr lang="en-US" b="1" dirty="0">
+              <a:rPr lang="en-US" dirty="0">
                 <a:solidFill>
                   <a:srgbClr val="FF0000"/>
                 </a:solidFill>
@@ -14211,8 +13789,16 @@
               <a:t>c</a:t>
             </a:r>
             <a:r>
-              <a:rPr lang="en-US" b="1" dirty="0"/>
-              <a:t> = 559749</a:t>
+              <a:rPr lang="en-US" dirty="0"/>
+              <a:t> = </a:t>
+            </a:r>
+            <a:r>
+              <a:rPr lang="en-US" dirty="0">
+                <a:solidFill>
+                  <a:srgbClr val="FF0000"/>
+                </a:solidFill>
+              </a:rPr>
+              <a:t>559749</a:t>
             </a:r>
           </a:p>
           <a:p>
@@ -14342,7 +13928,31 @@
           <a:p>
             <a:r>
               <a:rPr lang="en-US" dirty="0"/>
-              <a:t>The associated private key is {d, n} = {1239467, 1861963}. When we decrypt the ciphertext (c) using modular exponentiation…</a:t>
+              <a:t>The associated private key is {</a:t>
+            </a:r>
+            <a:r>
+              <a:rPr lang="en-US" dirty="0">
+                <a:solidFill>
+                  <a:schemeClr val="accent4"/>
+                </a:solidFill>
+              </a:rPr>
+              <a:t>1239467</a:t>
+            </a:r>
+            <a:r>
+              <a:rPr lang="en-US" dirty="0"/>
+              <a:t>, </a:t>
+            </a:r>
+            <a:r>
+              <a:rPr lang="en-US" dirty="0">
+                <a:solidFill>
+                  <a:schemeClr val="accent2"/>
+                </a:solidFill>
+              </a:rPr>
+              <a:t>1861963</a:t>
+            </a:r>
+            <a:r>
+              <a:rPr lang="en-US" dirty="0"/>
+              <a:t>}. When we decrypt the ciphertext (c) using modular exponentiation…</a:t>
             </a:r>
           </a:p>
           <a:p>
@@ -14350,7 +13960,7 @@
               <a:buNone/>
             </a:pPr>
             <a:r>
-              <a:rPr lang="en-US" b="1" dirty="0">
+              <a:rPr lang="en-US" dirty="0">
                 <a:solidFill>
                   <a:srgbClr val="00B050"/>
                 </a:solidFill>
@@ -14358,11 +13968,11 @@
               <a:t>m</a:t>
             </a:r>
             <a:r>
-              <a:rPr lang="en-US" b="1" dirty="0"/>
+              <a:rPr lang="en-US" dirty="0"/>
               <a:t> = </a:t>
             </a:r>
             <a:r>
-              <a:rPr lang="en-US" b="1" dirty="0">
+              <a:rPr lang="en-US" dirty="0">
                 <a:solidFill>
                   <a:srgbClr val="FF0000"/>
                 </a:solidFill>
@@ -14370,7 +13980,7 @@
               <a:t>c</a:t>
             </a:r>
             <a:r>
-              <a:rPr lang="en-US" b="1" baseline="30000" dirty="0">
+              <a:rPr lang="en-US" baseline="30000" dirty="0">
                 <a:solidFill>
                   <a:schemeClr val="accent4"/>
                 </a:solidFill>
@@ -14378,11 +13988,11 @@
               <a:t>d</a:t>
             </a:r>
             <a:r>
-              <a:rPr lang="en-US" b="1" dirty="0"/>
+              <a:rPr lang="en-US" dirty="0"/>
               <a:t> mod </a:t>
             </a:r>
             <a:r>
-              <a:rPr lang="en-US" b="1" dirty="0">
+              <a:rPr lang="en-US" dirty="0">
                 <a:solidFill>
                   <a:schemeClr val="accent2"/>
                 </a:solidFill>
@@ -14395,7 +14005,7 @@
               <a:buNone/>
             </a:pPr>
             <a:r>
-              <a:rPr lang="en-US" b="1" dirty="0">
+              <a:rPr lang="en-US" dirty="0">
                 <a:solidFill>
                   <a:srgbClr val="00B050"/>
                 </a:solidFill>
@@ -14403,11 +14013,11 @@
               <a:t>m</a:t>
             </a:r>
             <a:r>
-              <a:rPr lang="en-US" b="1" dirty="0"/>
+              <a:rPr lang="en-US" dirty="0"/>
               <a:t> = </a:t>
             </a:r>
             <a:r>
-              <a:rPr lang="en-US" b="1" dirty="0">
+              <a:rPr lang="en-US" dirty="0">
                 <a:solidFill>
                   <a:srgbClr val="FF0000"/>
                 </a:solidFill>
@@ -14415,7 +14025,7 @@
               <a:t>559749</a:t>
             </a:r>
             <a:r>
-              <a:rPr lang="en-US" b="1" baseline="30000" dirty="0">
+              <a:rPr lang="en-US" baseline="30000" dirty="0">
                 <a:solidFill>
                   <a:schemeClr val="accent4"/>
                 </a:solidFill>
@@ -14423,11 +14033,11 @@
               <a:t>1239467</a:t>
             </a:r>
             <a:r>
-              <a:rPr lang="en-US" b="1" dirty="0"/>
+              <a:rPr lang="en-US" dirty="0"/>
               <a:t> mod </a:t>
             </a:r>
             <a:r>
-              <a:rPr lang="en-US" b="1" dirty="0">
+              <a:rPr lang="en-US" dirty="0">
                 <a:solidFill>
                   <a:schemeClr val="accent2"/>
                 </a:solidFill>
@@ -14440,7 +14050,7 @@
               <a:buNone/>
             </a:pPr>
             <a:r>
-              <a:rPr lang="en-US" b="1" dirty="0">
+              <a:rPr lang="en-US" dirty="0">
                 <a:solidFill>
                   <a:srgbClr val="00B050"/>
                 </a:solidFill>
@@ -14448,22 +14058,17 @@
               <a:t>m</a:t>
             </a:r>
             <a:r>
-              <a:rPr lang="en-US" b="1" dirty="0"/>
+              <a:rPr lang="en-US" dirty="0"/>
               <a:t> = </a:t>
             </a:r>
             <a:r>
-              <a:rPr lang="en-US" b="1" dirty="0">
+              <a:rPr lang="en-US" dirty="0">
                 <a:solidFill>
                   <a:srgbClr val="00B050"/>
                 </a:solidFill>
               </a:rPr>
               <a:t>80060</a:t>
             </a:r>
-            <a:endParaRPr lang="en-US" dirty="0">
-              <a:solidFill>
-                <a:srgbClr val="00B050"/>
-              </a:solidFill>
-            </a:endParaRPr>
           </a:p>
           <a:p>
             <a:pPr algn="ctr"/>
@@ -14538,7 +14143,7 @@
           <a:lstStyle/>
           <a:p>
             <a:r>
-              <a:rPr lang="en-US" dirty="0"/>
+              <a:rPr lang="en-US" sz="6600" dirty="0"/>
               <a:t>Activity - Decrypting Words with RSA</a:t>
             </a:r>
           </a:p>
@@ -14620,17 +14225,19 @@
         </p:nvSpPr>
         <p:spPr/>
         <p:txBody>
-          <a:bodyPr>
+          <a:bodyPr anchor="ctr">
             <a:noAutofit/>
           </a:bodyPr>
           <a:lstStyle/>
           <a:p>
+            <a:pPr algn="ctr"/>
             <a:r>
               <a:rPr lang="en-US" dirty="0"/>
               <a:t>This activity will give you a practical application of using RSA decryption. </a:t>
             </a:r>
           </a:p>
           <a:p>
+            <a:pPr algn="ctr"/>
             <a:r>
               <a:rPr lang="en-US" sz="2400" dirty="0">
                 <a:solidFill>
@@ -14641,6 +14248,7 @@
             </a:r>
           </a:p>
           <a:p>
+            <a:pPr algn="ctr"/>
             <a:r>
               <a:rPr lang="en-US" sz="2400" dirty="0">
                 <a:solidFill>
@@ -14728,17 +14336,19 @@
         </p:nvSpPr>
         <p:spPr/>
         <p:txBody>
-          <a:bodyPr>
+          <a:bodyPr anchor="ctr">
             <a:normAutofit/>
           </a:bodyPr>
           <a:lstStyle/>
           <a:p>
+            <a:pPr algn="ctr"/>
             <a:r>
               <a:rPr lang="en-US" dirty="0"/>
               <a:t>This activity limits words to 4 characters for ease of computation. The same method could be extended to any length string.</a:t>
             </a:r>
           </a:p>
           <a:p>
+            <a:pPr algn="ctr"/>
             <a:r>
               <a:rPr lang="en-US" dirty="0"/>
               <a:t>We will be using 11-bit primes (p=1153, q=1601). This results in a 22-bit modulus.</a:t>
@@ -14870,7 +14480,7 @@
 </p:sld>
 </file>
 
-<file path=ppt/slides/slide3.xml><?xml version="1.0" encoding="utf-8"?>
+<file path=ppt/slides/slide29.xml><?xml version="1.0" encoding="utf-8"?>
 <p:sld xmlns:a="http://schemas.openxmlformats.org/drawingml/2006/main" xmlns:r="http://schemas.openxmlformats.org/officeDocument/2006/relationships" xmlns:p="http://schemas.openxmlformats.org/presentationml/2006/main">
   <p:cSld>
     <p:spTree>
@@ -14911,60 +14521,6 @@
             <a:r>
               <a:rPr lang="en-US" dirty="0"/>
               <a:t>Why is Cryptography Important?</a:t>
-            </a:r>
-          </a:p>
-        </p:txBody>
-      </p:sp>
-      <p:sp>
-        <p:nvSpPr>
-          <p:cNvPr id="4" name="Rounded Rectangle 5">
-            <a:extLst>
-              <a:ext uri="{FF2B5EF4-FFF2-40B4-BE49-F238E27FC236}">
-                <a16:creationId xmlns:a16="http://schemas.microsoft.com/office/drawing/2014/main" id="{2D8B757F-6D27-49EB-8990-541234289375}"/>
-              </a:ext>
-            </a:extLst>
-          </p:cNvPr>
-          <p:cNvSpPr/>
-          <p:nvPr/>
-        </p:nvSpPr>
-        <p:spPr>
-          <a:xfrm>
-            <a:off x="5080264" y="1733686"/>
-            <a:ext cx="2029347" cy="1082318"/>
-          </a:xfrm>
-          <a:prstGeom prst="roundRect">
-            <a:avLst/>
-          </a:prstGeom>
-          <a:solidFill>
-            <a:schemeClr val="tx2"/>
-          </a:solidFill>
-          <a:ln>
-            <a:noFill/>
-          </a:ln>
-          <a:effectLst/>
-        </p:spPr>
-        <p:style>
-          <a:lnRef idx="1">
-            <a:schemeClr val="accent1"/>
-          </a:lnRef>
-          <a:fillRef idx="3">
-            <a:schemeClr val="accent1"/>
-          </a:fillRef>
-          <a:effectRef idx="2">
-            <a:schemeClr val="accent1"/>
-          </a:effectRef>
-          <a:fontRef idx="minor">
-            <a:schemeClr val="lt1"/>
-          </a:fontRef>
-        </p:style>
-        <p:txBody>
-          <a:bodyPr rtlCol="0" anchor="ctr"/>
-          <a:lstStyle/>
-          <a:p>
-            <a:pPr algn="ctr"/>
-            <a:r>
-              <a:rPr lang="en-US" dirty="0"/>
-              <a:t>Cryptography</a:t>
             </a:r>
           </a:p>
         </p:txBody>
@@ -15074,7 +14630,7 @@
         <p:spPr>
           <a:xfrm>
             <a:off x="2983272" y="1733686"/>
-            <a:ext cx="2096993" cy="1082317"/>
+            <a:ext cx="6215907" cy="1082317"/>
           </a:xfrm>
           <a:prstGeom prst="rightArrow">
             <a:avLst/>
@@ -15108,115 +14664,141 @@
             <a:pPr algn="ctr"/>
             <a:r>
               <a:rPr lang="en-US" sz="1400" dirty="0"/>
-              <a:t>The flu has to get a </a:t>
-            </a:r>
-          </a:p>
-        </p:txBody>
-      </p:sp>
-      <p:sp>
-        <p:nvSpPr>
-          <p:cNvPr id="10" name="Right Arrow 12">
+              <a:t>The flu has to get a Chuck Norris shot every year</a:t>
+            </a:r>
+          </a:p>
+        </p:txBody>
+      </p:sp>
+    </p:spTree>
+    <p:extLst>
+      <p:ext uri="{BB962C8B-B14F-4D97-AF65-F5344CB8AC3E}">
+        <p14:creationId xmlns:p14="http://schemas.microsoft.com/office/powerpoint/2010/main" val="3558843591"/>
+      </p:ext>
+    </p:extLst>
+  </p:cSld>
+  <p:clrMapOvr>
+    <a:masterClrMapping/>
+  </p:clrMapOvr>
+  <mc:AlternateContent xmlns:mc="http://schemas.openxmlformats.org/markup-compatibility/2006">
+    <mc:Choice xmlns:p14="http://schemas.microsoft.com/office/powerpoint/2010/main" Requires="p14">
+      <p:transition spd="med" p14:dur="700">
+        <p:fade/>
+      </p:transition>
+    </mc:Choice>
+    <mc:Fallback>
+      <p:transition spd="med">
+        <p:fade/>
+      </p:transition>
+    </mc:Fallback>
+  </mc:AlternateContent>
+</p:sld>
+</file>
+
+<file path=ppt/slides/slide3.xml><?xml version="1.0" encoding="utf-8"?>
+<p:sld xmlns:a="http://schemas.openxmlformats.org/drawingml/2006/main" xmlns:r="http://schemas.openxmlformats.org/officeDocument/2006/relationships" xmlns:p="http://schemas.openxmlformats.org/presentationml/2006/main">
+  <p:cSld>
+    <p:spTree>
+      <p:nvGrpSpPr>
+        <p:cNvPr id="1" name=""/>
+        <p:cNvGrpSpPr/>
+        <p:nvPr/>
+      </p:nvGrpSpPr>
+      <p:grpSpPr>
+        <a:xfrm>
+          <a:off x="0" y="0"/>
+          <a:ext cx="0" cy="0"/>
+          <a:chOff x="0" y="0"/>
+          <a:chExt cx="0" cy="0"/>
+        </a:xfrm>
+      </p:grpSpPr>
+      <p:sp>
+        <p:nvSpPr>
+          <p:cNvPr id="2" name="Title 1">
             <a:extLst>
               <a:ext uri="{FF2B5EF4-FFF2-40B4-BE49-F238E27FC236}">
-                <a16:creationId xmlns:a16="http://schemas.microsoft.com/office/drawing/2014/main" id="{9A6A8A85-239B-4543-BAB9-E96342FF6D3C}"/>
+                <a16:creationId xmlns:a16="http://schemas.microsoft.com/office/drawing/2014/main" id="{D4E5E914-E4AA-4343-A2D4-929E4E458BA0}"/>
               </a:ext>
             </a:extLst>
           </p:cNvPr>
-          <p:cNvSpPr/>
-          <p:nvPr/>
-        </p:nvSpPr>
-        <p:spPr>
-          <a:xfrm>
-            <a:off x="7177017" y="1733685"/>
-            <a:ext cx="2096993" cy="1082317"/>
-          </a:xfrm>
-          <a:prstGeom prst="rightArrow">
-            <a:avLst/>
-          </a:prstGeom>
-          <a:solidFill>
-            <a:schemeClr val="tx2"/>
-          </a:solidFill>
-          <a:ln>
-            <a:noFill/>
-          </a:ln>
-          <a:effectLst/>
-        </p:spPr>
-        <p:style>
-          <a:lnRef idx="1">
-            <a:schemeClr val="accent1"/>
-          </a:lnRef>
-          <a:fillRef idx="3">
-            <a:schemeClr val="accent1"/>
-          </a:fillRef>
-          <a:effectRef idx="2">
-            <a:schemeClr val="accent1"/>
-          </a:effectRef>
-          <a:fontRef idx="minor">
-            <a:schemeClr val="lt1"/>
-          </a:fontRef>
-        </p:style>
-        <p:txBody>
-          <a:bodyPr rtlCol="0" anchor="ctr"/>
+          <p:cNvSpPr>
+            <a:spLocks noGrp="1"/>
+          </p:cNvSpPr>
+          <p:nvPr>
+            <p:ph type="title"/>
+          </p:nvPr>
+        </p:nvSpPr>
+        <p:spPr/>
+        <p:txBody>
+          <a:bodyPr/>
           <a:lstStyle/>
           <a:p>
-            <a:pPr algn="ctr"/>
-            <a:r>
-              <a:rPr lang="en-US" sz="1400" dirty="0"/>
-              <a:t>Chuck Norris shot every year</a:t>
-            </a:r>
-          </a:p>
-        </p:txBody>
-      </p:sp>
-      <p:sp>
-        <p:nvSpPr>
-          <p:cNvPr id="11" name="Right Arrow 13">
+            <a:r>
+              <a:rPr lang="en-US" dirty="0"/>
+              <a:t>3 Key Concepts of Cryptography</a:t>
+            </a:r>
+          </a:p>
+        </p:txBody>
+      </p:sp>
+      <p:sp>
+        <p:nvSpPr>
+          <p:cNvPr id="3" name="Content Placeholder 2">
             <a:extLst>
               <a:ext uri="{FF2B5EF4-FFF2-40B4-BE49-F238E27FC236}">
-                <a16:creationId xmlns:a16="http://schemas.microsoft.com/office/drawing/2014/main" id="{9608D367-CD78-4EDB-AFA2-901BC1F0E5C5}"/>
+                <a16:creationId xmlns:a16="http://schemas.microsoft.com/office/drawing/2014/main" id="{D6B2A72B-321D-0DFA-4E25-A7A869734124}"/>
               </a:ext>
             </a:extLst>
           </p:cNvPr>
-          <p:cNvSpPr/>
-          <p:nvPr/>
-        </p:nvSpPr>
-        <p:spPr>
-          <a:xfrm rot="5400000">
-            <a:off x="5289743" y="3291422"/>
-            <a:ext cx="1608280" cy="817134"/>
-          </a:xfrm>
-          <a:prstGeom prst="rightArrow">
-            <a:avLst/>
-          </a:prstGeom>
-          <a:solidFill>
-            <a:schemeClr val="tx2"/>
-          </a:solidFill>
-          <a:ln>
-            <a:noFill/>
-          </a:ln>
-          <a:effectLst/>
-        </p:spPr>
-        <p:style>
-          <a:lnRef idx="1">
-            <a:schemeClr val="accent1"/>
-          </a:lnRef>
-          <a:fillRef idx="3">
-            <a:schemeClr val="accent1"/>
-          </a:fillRef>
-          <a:effectRef idx="2">
-            <a:schemeClr val="accent1"/>
-          </a:effectRef>
-          <a:fontRef idx="minor">
-            <a:schemeClr val="lt1"/>
-          </a:fontRef>
-        </p:style>
-        <p:txBody>
-          <a:bodyPr rtlCol="0" anchor="ctr"/>
+          <p:cNvSpPr>
+            <a:spLocks noGrp="1"/>
+          </p:cNvSpPr>
+          <p:nvPr>
+            <p:ph sz="quarter" idx="13"/>
+          </p:nvPr>
+        </p:nvSpPr>
+        <p:spPr/>
+        <p:txBody>
+          <a:bodyPr anchor="ctr"/>
           <a:lstStyle/>
           <a:p>
             <a:pPr algn="ctr"/>
             <a:r>
-              <a:rPr lang="en-US" dirty="0"/>
-              <a:t>Fe34f..</a:t>
+              <a:rPr lang="en-US" b="1" dirty="0"/>
+              <a:t>Confidentiality</a:t>
+            </a:r>
+          </a:p>
+          <a:p>
+            <a:pPr algn="ctr"/>
+            <a:r>
+              <a:rPr lang="en-US" dirty="0"/>
+              <a:t>“Only my intended recipient(s) can read my message.”</a:t>
+            </a:r>
+          </a:p>
+          <a:p>
+            <a:pPr algn="ctr"/>
+            <a:r>
+              <a:rPr lang="en-US" b="1" dirty="0"/>
+              <a:t>Integrity</a:t>
+            </a:r>
+          </a:p>
+          <a:p>
+            <a:pPr algn="ctr"/>
+            <a:r>
+              <a:rPr lang="en-US" dirty="0"/>
+              <a:t>“No one can tamper with the message.”</a:t>
+            </a:r>
+          </a:p>
+          <a:p>
+            <a:pPr algn="ctr"/>
+            <a:r>
+              <a:rPr lang="en-US" b="1" dirty="0"/>
+              <a:t>Authentication</a:t>
+            </a:r>
+          </a:p>
+          <a:p>
+            <a:pPr algn="ctr"/>
+            <a:r>
+              <a:rPr lang="en-US" dirty="0"/>
+              <a:t>“The recipient(s) can be certain the message came from me.”</a:t>
             </a:r>
           </a:p>
         </p:txBody>
@@ -15243,645 +14825,280 @@
       </p:transition>
     </mc:Fallback>
   </mc:AlternateContent>
+  <p:timing>
+    <p:tnLst>
+      <p:par>
+        <p:cTn id="1" dur="indefinite" restart="never" nodeType="tmRoot">
+          <p:childTnLst>
+            <p:seq concurrent="1" nextAc="seek">
+              <p:cTn id="2" dur="indefinite" nodeType="mainSeq">
+                <p:childTnLst>
+                  <p:par>
+                    <p:cTn id="3" fill="hold">
+                      <p:stCondLst>
+                        <p:cond delay="indefinite"/>
+                      </p:stCondLst>
+                      <p:childTnLst>
+                        <p:par>
+                          <p:cTn id="4" fill="hold">
+                            <p:stCondLst>
+                              <p:cond delay="0"/>
+                            </p:stCondLst>
+                            <p:childTnLst>
+                              <p:par>
+                                <p:cTn id="5" presetID="1" presetClass="entr" presetSubtype="0" fill="hold" nodeType="clickEffect">
+                                  <p:stCondLst>
+                                    <p:cond delay="0"/>
+                                  </p:stCondLst>
+                                  <p:childTnLst>
+                                    <p:set>
+                                      <p:cBhvr>
+                                        <p:cTn id="6" dur="1" fill="hold">
+                                          <p:stCondLst>
+                                            <p:cond delay="0"/>
+                                          </p:stCondLst>
+                                        </p:cTn>
+                                        <p:tgtEl>
+                                          <p:spTgt spid="3">
+                                            <p:txEl>
+                                              <p:pRg st="0" end="0"/>
+                                            </p:txEl>
+                                          </p:spTgt>
+                                        </p:tgtEl>
+                                        <p:attrNameLst>
+                                          <p:attrName>style.visibility</p:attrName>
+                                        </p:attrNameLst>
+                                      </p:cBhvr>
+                                      <p:to>
+                                        <p:strVal val="visible"/>
+                                      </p:to>
+                                    </p:set>
+                                  </p:childTnLst>
+                                </p:cTn>
+                              </p:par>
+                              <p:par>
+                                <p:cTn id="7" presetID="1" presetClass="entr" presetSubtype="0" fill="hold" nodeType="withEffect">
+                                  <p:stCondLst>
+                                    <p:cond delay="0"/>
+                                  </p:stCondLst>
+                                  <p:childTnLst>
+                                    <p:set>
+                                      <p:cBhvr>
+                                        <p:cTn id="8" dur="1" fill="hold">
+                                          <p:stCondLst>
+                                            <p:cond delay="0"/>
+                                          </p:stCondLst>
+                                        </p:cTn>
+                                        <p:tgtEl>
+                                          <p:spTgt spid="3">
+                                            <p:txEl>
+                                              <p:pRg st="1" end="1"/>
+                                            </p:txEl>
+                                          </p:spTgt>
+                                        </p:tgtEl>
+                                        <p:attrNameLst>
+                                          <p:attrName>style.visibility</p:attrName>
+                                        </p:attrNameLst>
+                                      </p:cBhvr>
+                                      <p:to>
+                                        <p:strVal val="visible"/>
+                                      </p:to>
+                                    </p:set>
+                                  </p:childTnLst>
+                                </p:cTn>
+                              </p:par>
+                            </p:childTnLst>
+                          </p:cTn>
+                        </p:par>
+                      </p:childTnLst>
+                    </p:cTn>
+                  </p:par>
+                  <p:par>
+                    <p:cTn id="9" fill="hold">
+                      <p:stCondLst>
+                        <p:cond delay="indefinite"/>
+                      </p:stCondLst>
+                      <p:childTnLst>
+                        <p:par>
+                          <p:cTn id="10" fill="hold">
+                            <p:stCondLst>
+                              <p:cond delay="0"/>
+                            </p:stCondLst>
+                            <p:childTnLst>
+                              <p:par>
+                                <p:cTn id="11" presetID="1" presetClass="entr" presetSubtype="0" fill="hold" nodeType="clickEffect">
+                                  <p:stCondLst>
+                                    <p:cond delay="0"/>
+                                  </p:stCondLst>
+                                  <p:childTnLst>
+                                    <p:set>
+                                      <p:cBhvr>
+                                        <p:cTn id="12" dur="1" fill="hold">
+                                          <p:stCondLst>
+                                            <p:cond delay="0"/>
+                                          </p:stCondLst>
+                                        </p:cTn>
+                                        <p:tgtEl>
+                                          <p:spTgt spid="3">
+                                            <p:txEl>
+                                              <p:pRg st="2" end="2"/>
+                                            </p:txEl>
+                                          </p:spTgt>
+                                        </p:tgtEl>
+                                        <p:attrNameLst>
+                                          <p:attrName>style.visibility</p:attrName>
+                                        </p:attrNameLst>
+                                      </p:cBhvr>
+                                      <p:to>
+                                        <p:strVal val="visible"/>
+                                      </p:to>
+                                    </p:set>
+                                  </p:childTnLst>
+                                </p:cTn>
+                              </p:par>
+                              <p:par>
+                                <p:cTn id="13" presetID="1" presetClass="entr" presetSubtype="0" fill="hold" nodeType="withEffect">
+                                  <p:stCondLst>
+                                    <p:cond delay="0"/>
+                                  </p:stCondLst>
+                                  <p:childTnLst>
+                                    <p:set>
+                                      <p:cBhvr>
+                                        <p:cTn id="14" dur="1" fill="hold">
+                                          <p:stCondLst>
+                                            <p:cond delay="0"/>
+                                          </p:stCondLst>
+                                        </p:cTn>
+                                        <p:tgtEl>
+                                          <p:spTgt spid="3">
+                                            <p:txEl>
+                                              <p:pRg st="3" end="3"/>
+                                            </p:txEl>
+                                          </p:spTgt>
+                                        </p:tgtEl>
+                                        <p:attrNameLst>
+                                          <p:attrName>style.visibility</p:attrName>
+                                        </p:attrNameLst>
+                                      </p:cBhvr>
+                                      <p:to>
+                                        <p:strVal val="visible"/>
+                                      </p:to>
+                                    </p:set>
+                                  </p:childTnLst>
+                                </p:cTn>
+                              </p:par>
+                            </p:childTnLst>
+                          </p:cTn>
+                        </p:par>
+                      </p:childTnLst>
+                    </p:cTn>
+                  </p:par>
+                  <p:par>
+                    <p:cTn id="15" fill="hold">
+                      <p:stCondLst>
+                        <p:cond delay="indefinite"/>
+                      </p:stCondLst>
+                      <p:childTnLst>
+                        <p:par>
+                          <p:cTn id="16" fill="hold">
+                            <p:stCondLst>
+                              <p:cond delay="0"/>
+                            </p:stCondLst>
+                            <p:childTnLst>
+                              <p:par>
+                                <p:cTn id="17" presetID="1" presetClass="entr" presetSubtype="0" fill="hold" nodeType="clickEffect">
+                                  <p:stCondLst>
+                                    <p:cond delay="0"/>
+                                  </p:stCondLst>
+                                  <p:childTnLst>
+                                    <p:set>
+                                      <p:cBhvr>
+                                        <p:cTn id="18" dur="1" fill="hold">
+                                          <p:stCondLst>
+                                            <p:cond delay="0"/>
+                                          </p:stCondLst>
+                                        </p:cTn>
+                                        <p:tgtEl>
+                                          <p:spTgt spid="3">
+                                            <p:txEl>
+                                              <p:pRg st="4" end="4"/>
+                                            </p:txEl>
+                                          </p:spTgt>
+                                        </p:tgtEl>
+                                        <p:attrNameLst>
+                                          <p:attrName>style.visibility</p:attrName>
+                                        </p:attrNameLst>
+                                      </p:cBhvr>
+                                      <p:to>
+                                        <p:strVal val="visible"/>
+                                      </p:to>
+                                    </p:set>
+                                  </p:childTnLst>
+                                </p:cTn>
+                              </p:par>
+                              <p:par>
+                                <p:cTn id="19" presetID="1" presetClass="entr" presetSubtype="0" fill="hold" nodeType="withEffect">
+                                  <p:stCondLst>
+                                    <p:cond delay="0"/>
+                                  </p:stCondLst>
+                                  <p:childTnLst>
+                                    <p:set>
+                                      <p:cBhvr>
+                                        <p:cTn id="20" dur="1" fill="hold">
+                                          <p:stCondLst>
+                                            <p:cond delay="0"/>
+                                          </p:stCondLst>
+                                        </p:cTn>
+                                        <p:tgtEl>
+                                          <p:spTgt spid="3">
+                                            <p:txEl>
+                                              <p:pRg st="5" end="5"/>
+                                            </p:txEl>
+                                          </p:spTgt>
+                                        </p:tgtEl>
+                                        <p:attrNameLst>
+                                          <p:attrName>style.visibility</p:attrName>
+                                        </p:attrNameLst>
+                                      </p:cBhvr>
+                                      <p:to>
+                                        <p:strVal val="visible"/>
+                                      </p:to>
+                                    </p:set>
+                                  </p:childTnLst>
+                                </p:cTn>
+                              </p:par>
+                            </p:childTnLst>
+                          </p:cTn>
+                        </p:par>
+                      </p:childTnLst>
+                    </p:cTn>
+                  </p:par>
+                </p:childTnLst>
+              </p:cTn>
+              <p:prevCondLst>
+                <p:cond evt="onPrev" delay="0">
+                  <p:tgtEl>
+                    <p:sldTgt/>
+                  </p:tgtEl>
+                </p:cond>
+              </p:prevCondLst>
+              <p:nextCondLst>
+                <p:cond evt="onNext" delay="0">
+                  <p:tgtEl>
+                    <p:sldTgt/>
+                  </p:tgtEl>
+                </p:cond>
+              </p:nextCondLst>
+            </p:seq>
+          </p:childTnLst>
+        </p:cTn>
+      </p:par>
+    </p:tnLst>
+  </p:timing>
 </p:sld>
 </file>
 
-<file path=ppt/slides/slide4.xml><?xml version="1.0" encoding="utf-8"?>
-<p:sld xmlns:a="http://schemas.openxmlformats.org/drawingml/2006/main" xmlns:r="http://schemas.openxmlformats.org/officeDocument/2006/relationships" xmlns:p="http://schemas.openxmlformats.org/presentationml/2006/main">
-  <p:cSld>
-    <p:spTree>
-      <p:nvGrpSpPr>
-        <p:cNvPr id="1" name=""/>
-        <p:cNvGrpSpPr/>
-        <p:nvPr/>
-      </p:nvGrpSpPr>
-      <p:grpSpPr>
-        <a:xfrm>
-          <a:off x="0" y="0"/>
-          <a:ext cx="0" cy="0"/>
-          <a:chOff x="0" y="0"/>
-          <a:chExt cx="0" cy="0"/>
-        </a:xfrm>
-      </p:grpSpPr>
-      <p:sp>
-        <p:nvSpPr>
-          <p:cNvPr id="2" name="Title 1">
-            <a:extLst>
-              <a:ext uri="{FF2B5EF4-FFF2-40B4-BE49-F238E27FC236}">
-                <a16:creationId xmlns:a16="http://schemas.microsoft.com/office/drawing/2014/main" id="{E5D9D248-289A-436E-930A-EDC2A1DA88CA}"/>
-              </a:ext>
-            </a:extLst>
-          </p:cNvPr>
-          <p:cNvSpPr>
-            <a:spLocks noGrp="1"/>
-          </p:cNvSpPr>
-          <p:nvPr>
-            <p:ph type="title"/>
-          </p:nvPr>
-        </p:nvSpPr>
-        <p:spPr/>
-        <p:txBody>
-          <a:bodyPr/>
-          <a:lstStyle/>
-          <a:p>
-            <a:r>
-              <a:rPr lang="en-US" dirty="0"/>
-              <a:t>Classic Cryptography – Caesar Cipher</a:t>
-            </a:r>
-          </a:p>
-        </p:txBody>
-      </p:sp>
-      <p:sp>
-        <p:nvSpPr>
-          <p:cNvPr id="3" name="Content Placeholder 2">
-            <a:extLst>
-              <a:ext uri="{FF2B5EF4-FFF2-40B4-BE49-F238E27FC236}">
-                <a16:creationId xmlns:a16="http://schemas.microsoft.com/office/drawing/2014/main" id="{42E09CB9-92D4-4D64-B911-812DAA92AEE9}"/>
-              </a:ext>
-            </a:extLst>
-          </p:cNvPr>
-          <p:cNvSpPr>
-            <a:spLocks noGrp="1"/>
-          </p:cNvSpPr>
-          <p:nvPr>
-            <p:ph sz="quarter" idx="13"/>
-          </p:nvPr>
-        </p:nvSpPr>
-        <p:spPr/>
-        <p:txBody>
-          <a:bodyPr/>
-          <a:lstStyle/>
-          <a:p>
-            <a:pPr marL="342900" indent="-342900">
-              <a:buFont typeface="Arial" panose="020B0604020202020204" pitchFamily="34" charset="0"/>
-              <a:buChar char="•"/>
-            </a:pPr>
-            <a:r>
-              <a:rPr lang="en-US" dirty="0"/>
-              <a:t>Shift the alphabet by some number of characters</a:t>
-            </a:r>
-          </a:p>
-          <a:p>
-            <a:pPr algn="ctr"/>
-            <a:r>
-              <a:rPr lang="en-US" dirty="0">
-                <a:latin typeface="Courier New" panose="02070309020205020404" pitchFamily="49" charset="0"/>
-                <a:cs typeface="Courier New" panose="02070309020205020404" pitchFamily="49" charset="0"/>
-              </a:rPr>
-              <a:t>a b c d e f g h </a:t>
-            </a:r>
-            <a:r>
-              <a:rPr lang="en-US" dirty="0" err="1">
-                <a:latin typeface="Courier New" panose="02070309020205020404" pitchFamily="49" charset="0"/>
-                <a:cs typeface="Courier New" panose="02070309020205020404" pitchFamily="49" charset="0"/>
-              </a:rPr>
-              <a:t>i</a:t>
-            </a:r>
-            <a:r>
-              <a:rPr lang="en-US" dirty="0">
-                <a:latin typeface="Courier New" panose="02070309020205020404" pitchFamily="49" charset="0"/>
-                <a:cs typeface="Courier New" panose="02070309020205020404" pitchFamily="49" charset="0"/>
-              </a:rPr>
-              <a:t> j k l m n o p q r t s t u v w x y z</a:t>
-            </a:r>
-          </a:p>
-          <a:p>
-            <a:pPr algn="ctr"/>
-            <a:r>
-              <a:rPr lang="en-US" dirty="0">
-                <a:latin typeface="Courier New" panose="02070309020205020404" pitchFamily="49" charset="0"/>
-                <a:cs typeface="Courier New" panose="02070309020205020404" pitchFamily="49" charset="0"/>
-              </a:rPr>
-              <a:t>d e f g h </a:t>
-            </a:r>
-            <a:r>
-              <a:rPr lang="en-US" dirty="0" err="1">
-                <a:latin typeface="Courier New" panose="02070309020205020404" pitchFamily="49" charset="0"/>
-                <a:cs typeface="Courier New" panose="02070309020205020404" pitchFamily="49" charset="0"/>
-              </a:rPr>
-              <a:t>i</a:t>
-            </a:r>
-            <a:r>
-              <a:rPr lang="en-US" dirty="0">
-                <a:latin typeface="Courier New" panose="02070309020205020404" pitchFamily="49" charset="0"/>
-                <a:cs typeface="Courier New" panose="02070309020205020404" pitchFamily="49" charset="0"/>
-              </a:rPr>
-              <a:t> j k l m n o p q r s t u w v w x y z a b c</a:t>
-            </a:r>
-          </a:p>
-          <a:p>
-            <a:pPr algn="ctr"/>
-            <a:endParaRPr lang="en-US" dirty="0"/>
-          </a:p>
-          <a:p>
-            <a:pPr algn="ctr"/>
-            <a:r>
-              <a:rPr lang="en-US" dirty="0"/>
-              <a:t>What is the plain text?</a:t>
-            </a:r>
-          </a:p>
-          <a:p>
-            <a:pPr algn="ctr"/>
-            <a:r>
-              <a:rPr lang="en-US" sz="2800" dirty="0" err="1"/>
-              <a:t>Jrrg</a:t>
-            </a:r>
-            <a:r>
-              <a:rPr lang="en-US" sz="2800" dirty="0"/>
-              <a:t> </a:t>
-            </a:r>
-            <a:r>
-              <a:rPr lang="en-US" sz="2800" dirty="0" err="1"/>
-              <a:t>iru</a:t>
-            </a:r>
-            <a:r>
-              <a:rPr lang="en-US" sz="2800" dirty="0"/>
-              <a:t> </a:t>
-            </a:r>
-            <a:r>
-              <a:rPr lang="en-US" sz="2800" dirty="0" err="1"/>
-              <a:t>brx</a:t>
-            </a:r>
-            <a:endParaRPr lang="en-US" sz="2800" dirty="0"/>
-          </a:p>
-        </p:txBody>
-      </p:sp>
-    </p:spTree>
-    <p:extLst>
-      <p:ext uri="{BB962C8B-B14F-4D97-AF65-F5344CB8AC3E}">
-        <p14:creationId xmlns:p14="http://schemas.microsoft.com/office/powerpoint/2010/main" val="2077590675"/>
-      </p:ext>
-    </p:extLst>
-  </p:cSld>
-  <p:clrMapOvr>
-    <a:masterClrMapping/>
-  </p:clrMapOvr>
-  <mc:AlternateContent xmlns:mc="http://schemas.openxmlformats.org/markup-compatibility/2006" xmlns:p14="http://schemas.microsoft.com/office/powerpoint/2010/main">
-    <mc:Choice Requires="p14">
-      <p:transition spd="med" p14:dur="700">
-        <p:fade/>
-      </p:transition>
-    </mc:Choice>
-    <mc:Fallback xmlns="">
-      <p:transition spd="med">
-        <p:fade/>
-      </p:transition>
-    </mc:Fallback>
-  </mc:AlternateContent>
-</p:sld>
-</file>
-
-<file path=ppt/slides/slide5.xml><?xml version="1.0" encoding="utf-8"?>
-<p:sld xmlns:a="http://schemas.openxmlformats.org/drawingml/2006/main" xmlns:r="http://schemas.openxmlformats.org/officeDocument/2006/relationships" xmlns:p="http://schemas.openxmlformats.org/presentationml/2006/main">
-  <p:cSld>
-    <p:spTree>
-      <p:nvGrpSpPr>
-        <p:cNvPr id="1" name=""/>
-        <p:cNvGrpSpPr/>
-        <p:nvPr/>
-      </p:nvGrpSpPr>
-      <p:grpSpPr>
-        <a:xfrm>
-          <a:off x="0" y="0"/>
-          <a:ext cx="0" cy="0"/>
-          <a:chOff x="0" y="0"/>
-          <a:chExt cx="0" cy="0"/>
-        </a:xfrm>
-      </p:grpSpPr>
-      <p:sp>
-        <p:nvSpPr>
-          <p:cNvPr id="3" name="Title 2"/>
-          <p:cNvSpPr>
-            <a:spLocks noGrp="1"/>
-          </p:cNvSpPr>
-          <p:nvPr>
-            <p:ph type="title"/>
-          </p:nvPr>
-        </p:nvSpPr>
-        <p:spPr>
-          <a:xfrm>
-            <a:off x="1574801" y="1447802"/>
-            <a:ext cx="7950199" cy="1981198"/>
-          </a:xfrm>
-        </p:spPr>
-        <p:txBody>
-          <a:bodyPr/>
-          <a:lstStyle/>
-          <a:p>
-            <a:pPr>
-              <a:lnSpc>
-                <a:spcPts val="5800"/>
-              </a:lnSpc>
-              <a:spcBef>
-                <a:spcPts val="0"/>
-              </a:spcBef>
-            </a:pPr>
-            <a:r>
-              <a:rPr lang="en-US" sz="5400" dirty="0">
-                <a:solidFill>
-                  <a:schemeClr val="tx1"/>
-                </a:solidFill>
-              </a:rPr>
-              <a:t>“A cryptosystem should be secure even if everything about the system, except the key, is public knowledge.”</a:t>
-            </a:r>
-            <a:endParaRPr lang="en-US" sz="5400" dirty="0"/>
-          </a:p>
-        </p:txBody>
-      </p:sp>
-      <p:sp>
-        <p:nvSpPr>
-          <p:cNvPr id="8" name="Text Placeholder 7">
-            <a:extLst>
-              <a:ext uri="{FF2B5EF4-FFF2-40B4-BE49-F238E27FC236}">
-                <a16:creationId xmlns:a16="http://schemas.microsoft.com/office/drawing/2014/main" id="{6AA54BE0-18D4-454D-ABF9-5019BA428BE4}"/>
-              </a:ext>
-            </a:extLst>
-          </p:cNvPr>
-          <p:cNvSpPr>
-            <a:spLocks noGrp="1"/>
-          </p:cNvSpPr>
-          <p:nvPr>
-            <p:ph type="body" sz="half" idx="13"/>
-          </p:nvPr>
-        </p:nvSpPr>
-        <p:spPr/>
-        <p:txBody>
-          <a:bodyPr/>
-          <a:lstStyle/>
-          <a:p>
-            <a:r>
-              <a:rPr lang="en-US" dirty="0"/>
-              <a:t>– Auguste </a:t>
-            </a:r>
-            <a:r>
-              <a:rPr lang="en-US" dirty="0" err="1"/>
-              <a:t>Kerckhoff</a:t>
-            </a:r>
-            <a:r>
-              <a:rPr lang="en-US" dirty="0"/>
-              <a:t>, 1883</a:t>
-            </a:r>
-          </a:p>
-          <a:p>
-            <a:endParaRPr lang="en-US" dirty="0"/>
-          </a:p>
-        </p:txBody>
-      </p:sp>
-      <p:sp>
-        <p:nvSpPr>
-          <p:cNvPr id="4" name="Content Placeholder 3"/>
-          <p:cNvSpPr>
-            <a:spLocks noGrp="1"/>
-          </p:cNvSpPr>
-          <p:nvPr>
-            <p:ph type="body" sz="half" idx="2"/>
-          </p:nvPr>
-        </p:nvSpPr>
-        <p:spPr>
-          <a:xfrm>
-            <a:off x="585627" y="4350657"/>
-            <a:ext cx="11013897" cy="1676400"/>
-          </a:xfrm>
-        </p:spPr>
-        <p:txBody>
-          <a:bodyPr>
-            <a:normAutofit/>
-          </a:bodyPr>
-          <a:lstStyle/>
-          <a:p>
-            <a:pPr lvl="0"/>
-            <a:r>
-              <a:rPr lang="en-US" dirty="0">
-                <a:solidFill>
-                  <a:schemeClr val="accent1"/>
-                </a:solidFill>
-              </a:rPr>
-              <a:t>Knowledge of the cryptographic algorithm and its design does not diminish other security properties. In fact, it is expected that the attacker knows the cryptographic algorithm quite well. Security of the cryptographic algorithm rests only in the underlying “hardness assumptions” (e.g., the difficulty of large integer factorization), protection of algorithm secrets (e.g., keys) and implementation correctness.</a:t>
-            </a:r>
-          </a:p>
-          <a:p>
-            <a:endParaRPr lang="en-US" dirty="0">
-              <a:solidFill>
-                <a:schemeClr val="accent1"/>
-              </a:solidFill>
-            </a:endParaRPr>
-          </a:p>
-        </p:txBody>
-      </p:sp>
-      <p:sp>
-        <p:nvSpPr>
-          <p:cNvPr id="2" name="Slide Number Placeholder 1"/>
-          <p:cNvSpPr>
-            <a:spLocks noGrp="1"/>
-          </p:cNvSpPr>
-          <p:nvPr>
-            <p:ph type="sldNum" sz="quarter" idx="12"/>
-          </p:nvPr>
-        </p:nvSpPr>
-        <p:spPr/>
-        <p:txBody>
-          <a:bodyPr/>
-          <a:lstStyle/>
-          <a:p>
-            <a:fld id="{EE2556C5-CE8C-6547-B838-EA80C61A4AF7}" type="slidenum">
-              <a:rPr lang="en-US" smtClean="0"/>
-              <a:pPr/>
-              <a:t>5</a:t>
-            </a:fld>
-            <a:endParaRPr lang="en-US" dirty="0"/>
-          </a:p>
-        </p:txBody>
-      </p:sp>
-    </p:spTree>
-    <p:extLst>
-      <p:ext uri="{BB962C8B-B14F-4D97-AF65-F5344CB8AC3E}">
-        <p14:creationId xmlns:p14="http://schemas.microsoft.com/office/powerpoint/2010/main" val="3514731230"/>
-      </p:ext>
-    </p:extLst>
-  </p:cSld>
-  <p:clrMapOvr>
-    <a:masterClrMapping/>
-  </p:clrMapOvr>
-  <mc:AlternateContent xmlns:mc="http://schemas.openxmlformats.org/markup-compatibility/2006" xmlns:p14="http://schemas.microsoft.com/office/powerpoint/2010/main">
-    <mc:Choice Requires="p14">
-      <p:transition spd="med" p14:dur="700">
-        <p:fade/>
-      </p:transition>
-    </mc:Choice>
-    <mc:Fallback xmlns="">
-      <p:transition spd="med">
-        <p:fade/>
-      </p:transition>
-    </mc:Fallback>
-  </mc:AlternateContent>
-</p:sld>
-</file>
-
-<file path=ppt/slides/slide6.xml><?xml version="1.0" encoding="utf-8"?>
-<p:sld xmlns:a="http://schemas.openxmlformats.org/drawingml/2006/main" xmlns:r="http://schemas.openxmlformats.org/officeDocument/2006/relationships" xmlns:p="http://schemas.openxmlformats.org/presentationml/2006/main">
-  <p:cSld>
-    <p:spTree>
-      <p:nvGrpSpPr>
-        <p:cNvPr id="1" name=""/>
-        <p:cNvGrpSpPr/>
-        <p:nvPr/>
-      </p:nvGrpSpPr>
-      <p:grpSpPr>
-        <a:xfrm>
-          <a:off x="0" y="0"/>
-          <a:ext cx="0" cy="0"/>
-          <a:chOff x="0" y="0"/>
-          <a:chExt cx="0" cy="0"/>
-        </a:xfrm>
-      </p:grpSpPr>
-      <p:sp>
-        <p:nvSpPr>
-          <p:cNvPr id="2" name="Title 1">
-            <a:extLst>
-              <a:ext uri="{FF2B5EF4-FFF2-40B4-BE49-F238E27FC236}">
-                <a16:creationId xmlns:a16="http://schemas.microsoft.com/office/drawing/2014/main" id="{087D84E2-C147-C74F-B803-A77F6AA9D1B5}"/>
-              </a:ext>
-            </a:extLst>
-          </p:cNvPr>
-          <p:cNvSpPr>
-            <a:spLocks noGrp="1"/>
-          </p:cNvSpPr>
-          <p:nvPr>
-            <p:ph type="ctrTitle"/>
-          </p:nvPr>
-        </p:nvSpPr>
-        <p:spPr/>
-        <p:txBody>
-          <a:bodyPr/>
-          <a:lstStyle/>
-          <a:p>
-            <a:r>
-              <a:rPr lang="en-US" dirty="0"/>
-              <a:t>Modern Cryptography</a:t>
-            </a:r>
-          </a:p>
-        </p:txBody>
-      </p:sp>
-    </p:spTree>
-    <p:extLst>
-      <p:ext uri="{BB962C8B-B14F-4D97-AF65-F5344CB8AC3E}">
-        <p14:creationId xmlns:p14="http://schemas.microsoft.com/office/powerpoint/2010/main" val="3291761335"/>
-      </p:ext>
-    </p:extLst>
-  </p:cSld>
-  <p:clrMapOvr>
-    <a:masterClrMapping/>
-  </p:clrMapOvr>
-  <mc:AlternateContent xmlns:mc="http://schemas.openxmlformats.org/markup-compatibility/2006" xmlns:p14="http://schemas.microsoft.com/office/powerpoint/2010/main">
-    <mc:Choice Requires="p14">
-      <p:transition spd="med" p14:dur="700">
-        <p:fade/>
-      </p:transition>
-    </mc:Choice>
-    <mc:Fallback xmlns="">
-      <p:transition spd="med">
-        <p:fade/>
-      </p:transition>
-    </mc:Fallback>
-  </mc:AlternateContent>
-</p:sld>
-</file>
-
-<file path=ppt/slides/slide7.xml><?xml version="1.0" encoding="utf-8"?>
-<p:sld xmlns:a="http://schemas.openxmlformats.org/drawingml/2006/main" xmlns:r="http://schemas.openxmlformats.org/officeDocument/2006/relationships" xmlns:p="http://schemas.openxmlformats.org/presentationml/2006/main">
-  <p:cSld>
-    <p:spTree>
-      <p:nvGrpSpPr>
-        <p:cNvPr id="1" name=""/>
-        <p:cNvGrpSpPr/>
-        <p:nvPr/>
-      </p:nvGrpSpPr>
-      <p:grpSpPr>
-        <a:xfrm>
-          <a:off x="0" y="0"/>
-          <a:ext cx="0" cy="0"/>
-          <a:chOff x="0" y="0"/>
-          <a:chExt cx="0" cy="0"/>
-        </a:xfrm>
-      </p:grpSpPr>
-      <p:sp>
-        <p:nvSpPr>
-          <p:cNvPr id="2" name="Title 1">
-            <a:extLst>
-              <a:ext uri="{FF2B5EF4-FFF2-40B4-BE49-F238E27FC236}">
-                <a16:creationId xmlns:a16="http://schemas.microsoft.com/office/drawing/2014/main" id="{071ECC35-E986-4A42-A309-4C221BA56C9F}"/>
-              </a:ext>
-            </a:extLst>
-          </p:cNvPr>
-          <p:cNvSpPr>
-            <a:spLocks noGrp="1"/>
-          </p:cNvSpPr>
-          <p:nvPr>
-            <p:ph type="title"/>
-          </p:nvPr>
-        </p:nvSpPr>
-        <p:spPr/>
-        <p:txBody>
-          <a:bodyPr/>
-          <a:lstStyle/>
-          <a:p>
-            <a:r>
-              <a:rPr lang="en-US" dirty="0"/>
-              <a:t>symmetric Key Cryptography</a:t>
-            </a:r>
-          </a:p>
-        </p:txBody>
-      </p:sp>
-      <p:sp>
-        <p:nvSpPr>
-          <p:cNvPr id="4" name="Content Placeholder 3">
-            <a:extLst>
-              <a:ext uri="{FF2B5EF4-FFF2-40B4-BE49-F238E27FC236}">
-                <a16:creationId xmlns:a16="http://schemas.microsoft.com/office/drawing/2014/main" id="{6B47ABEA-0A1A-4485-913C-52BC543FAB1B}"/>
-              </a:ext>
-            </a:extLst>
-          </p:cNvPr>
-          <p:cNvSpPr>
-            <a:spLocks noGrp="1"/>
-          </p:cNvSpPr>
-          <p:nvPr>
-            <p:ph sz="quarter" idx="13"/>
-          </p:nvPr>
-        </p:nvSpPr>
-        <p:spPr>
-          <a:xfrm>
-            <a:off x="609601" y="1238674"/>
-            <a:ext cx="10970683" cy="4567767"/>
-          </a:xfrm>
-        </p:spPr>
-        <p:txBody>
-          <a:bodyPr/>
-          <a:lstStyle/>
-          <a:p>
-            <a:r>
-              <a:rPr lang="en-US" dirty="0"/>
-              <a:t>Symmetric key cryptographic algorithms use the same cryptographic key for both the encryption of plaintext as well as the decryption of ciphertext. </a:t>
-            </a:r>
-          </a:p>
-          <a:p>
-            <a:pPr marL="342900" indent="-342900">
-              <a:buFont typeface="Arial" panose="020B0604020202020204" pitchFamily="34" charset="0"/>
-              <a:buChar char="•"/>
-            </a:pPr>
-            <a:r>
-              <a:rPr lang="en-US" dirty="0"/>
-              <a:t>The encryption and decryption keys are identical and must be kept secret.</a:t>
-            </a:r>
-          </a:p>
-          <a:p>
-            <a:pPr marL="342900" indent="-342900">
-              <a:buFont typeface="Arial" panose="020B0604020202020204" pitchFamily="34" charset="0"/>
-              <a:buChar char="•"/>
-            </a:pPr>
-            <a:r>
-              <a:rPr lang="en-US" dirty="0"/>
-              <a:t>Based on the key, the algorithm performs various transformations (confusion and diffusion) on the plaintext to render the ciphertext as indistinguishable from random data.</a:t>
-            </a:r>
-          </a:p>
-          <a:p>
-            <a:pPr marL="342900" indent="-342900">
-              <a:buFont typeface="Arial" panose="020B0604020202020204" pitchFamily="34" charset="0"/>
-              <a:buChar char="•"/>
-            </a:pPr>
-            <a:r>
-              <a:rPr lang="en-US" dirty="0"/>
-              <a:t>Used to encrypt larger quantities of data.</a:t>
-            </a:r>
-          </a:p>
-          <a:p>
-            <a:pPr marL="342900" indent="-342900">
-              <a:buFont typeface="Arial" panose="020B0604020202020204" pitchFamily="34" charset="0"/>
-              <a:buChar char="•"/>
-            </a:pPr>
-            <a:r>
-              <a:rPr lang="en-US" dirty="0"/>
-              <a:t>Often used to protect stored data or to exchange data between two parties over an insecure link.</a:t>
-            </a:r>
-          </a:p>
-        </p:txBody>
-      </p:sp>
-      <p:sp>
-        <p:nvSpPr>
-          <p:cNvPr id="3" name="TextBox 2">
-            <a:extLst>
-              <a:ext uri="{FF2B5EF4-FFF2-40B4-BE49-F238E27FC236}">
-                <a16:creationId xmlns:a16="http://schemas.microsoft.com/office/drawing/2014/main" id="{F7F85D1E-704A-EA6E-02BD-FFDAE5E35A53}"/>
-              </a:ext>
-            </a:extLst>
-          </p:cNvPr>
-          <p:cNvSpPr txBox="1"/>
-          <p:nvPr/>
-        </p:nvSpPr>
-        <p:spPr>
-          <a:xfrm>
-            <a:off x="0" y="5619326"/>
-            <a:ext cx="12192000" cy="615553"/>
-          </a:xfrm>
-          <a:prstGeom prst="rect">
-            <a:avLst/>
-          </a:prstGeom>
-          <a:noFill/>
-        </p:spPr>
-        <p:txBody>
-          <a:bodyPr vert="horz" wrap="square" lIns="0" tIns="0" rIns="0" bIns="0" rtlCol="0">
-            <a:spAutoFit/>
-          </a:bodyPr>
-          <a:lstStyle/>
-          <a:p>
-            <a:pPr algn="ctr"/>
-            <a:r>
-              <a:rPr lang="en-US" sz="2000" i="1" dirty="0">
-                <a:solidFill>
-                  <a:srgbClr val="003C71"/>
-                </a:solidFill>
-              </a:rPr>
-              <a:t>Challenge: How do I manage keys for all the people </a:t>
-            </a:r>
-          </a:p>
-          <a:p>
-            <a:pPr algn="ctr"/>
-            <a:r>
-              <a:rPr lang="en-US" sz="2000" i="1" dirty="0">
-                <a:solidFill>
-                  <a:srgbClr val="003C71"/>
-                </a:solidFill>
-              </a:rPr>
-              <a:t>I want to securely share confidential data with?</a:t>
-            </a:r>
-          </a:p>
-        </p:txBody>
-      </p:sp>
-    </p:spTree>
-    <p:extLst>
-      <p:ext uri="{BB962C8B-B14F-4D97-AF65-F5344CB8AC3E}">
-        <p14:creationId xmlns:p14="http://schemas.microsoft.com/office/powerpoint/2010/main" val="1086134652"/>
-      </p:ext>
-    </p:extLst>
-  </p:cSld>
-  <p:clrMapOvr>
-    <a:masterClrMapping/>
-  </p:clrMapOvr>
-  <mc:AlternateContent xmlns:mc="http://schemas.openxmlformats.org/markup-compatibility/2006" xmlns:p14="http://schemas.microsoft.com/office/powerpoint/2010/main">
-    <mc:Choice Requires="p14">
-      <p:transition spd="med" p14:dur="700">
-        <p:fade/>
-      </p:transition>
-    </mc:Choice>
-    <mc:Fallback xmlns="">
-      <p:transition spd="med">
-        <p:fade/>
-      </p:transition>
-    </mc:Fallback>
-  </mc:AlternateContent>
-</p:sld>
-</file>
-
-<file path=ppt/slides/slide8.xml><?xml version="1.0" encoding="utf-8"?>
+<file path=ppt/slides/slide30.xml><?xml version="1.0" encoding="utf-8"?>
 <p:sld xmlns:a="http://schemas.openxmlformats.org/drawingml/2006/main" xmlns:r="http://schemas.openxmlformats.org/officeDocument/2006/relationships" xmlns:p="http://schemas.openxmlformats.org/presentationml/2006/main">
   <p:cSld>
     <p:spTree>
@@ -16425,6 +15642,1942 @@
 </p:sld>
 </file>
 
+<file path=ppt/slides/slide31.xml><?xml version="1.0" encoding="utf-8"?>
+<p:sld xmlns:a="http://schemas.openxmlformats.org/drawingml/2006/main" xmlns:r="http://schemas.openxmlformats.org/officeDocument/2006/relationships" xmlns:p="http://schemas.openxmlformats.org/presentationml/2006/main">
+  <p:cSld>
+    <p:spTree>
+      <p:nvGrpSpPr>
+        <p:cNvPr id="1" name=""/>
+        <p:cNvGrpSpPr/>
+        <p:nvPr/>
+      </p:nvGrpSpPr>
+      <p:grpSpPr>
+        <a:xfrm>
+          <a:off x="0" y="0"/>
+          <a:ext cx="0" cy="0"/>
+          <a:chOff x="0" y="0"/>
+          <a:chExt cx="0" cy="0"/>
+        </a:xfrm>
+      </p:grpSpPr>
+      <p:sp>
+        <p:nvSpPr>
+          <p:cNvPr id="2" name="Title 1">
+            <a:extLst>
+              <a:ext uri="{FF2B5EF4-FFF2-40B4-BE49-F238E27FC236}">
+                <a16:creationId xmlns:a16="http://schemas.microsoft.com/office/drawing/2014/main" id="{071ECC35-E986-4A42-A309-4C221BA56C9F}"/>
+              </a:ext>
+            </a:extLst>
+          </p:cNvPr>
+          <p:cNvSpPr>
+            <a:spLocks noGrp="1"/>
+          </p:cNvSpPr>
+          <p:nvPr>
+            <p:ph type="title"/>
+          </p:nvPr>
+        </p:nvSpPr>
+        <p:spPr/>
+        <p:txBody>
+          <a:bodyPr/>
+          <a:lstStyle/>
+          <a:p>
+            <a:r>
+              <a:rPr lang="en-US" dirty="0"/>
+              <a:t>Asymmetric Key Cryptography</a:t>
+            </a:r>
+          </a:p>
+        </p:txBody>
+      </p:sp>
+      <p:sp>
+        <p:nvSpPr>
+          <p:cNvPr id="58" name="Rounded Rectangle 5">
+            <a:extLst>
+              <a:ext uri="{FF2B5EF4-FFF2-40B4-BE49-F238E27FC236}">
+                <a16:creationId xmlns:a16="http://schemas.microsoft.com/office/drawing/2014/main" id="{7DFE6515-D8FF-4FB7-AE79-92A3E876CCF3}"/>
+              </a:ext>
+            </a:extLst>
+          </p:cNvPr>
+          <p:cNvSpPr/>
+          <p:nvPr/>
+        </p:nvSpPr>
+        <p:spPr>
+          <a:xfrm>
+            <a:off x="5080264" y="1733686"/>
+            <a:ext cx="2029347" cy="1082318"/>
+          </a:xfrm>
+          <a:prstGeom prst="roundRect">
+            <a:avLst/>
+          </a:prstGeom>
+          <a:solidFill>
+            <a:schemeClr val="tx2"/>
+          </a:solidFill>
+          <a:ln>
+            <a:noFill/>
+          </a:ln>
+          <a:effectLst/>
+        </p:spPr>
+        <p:style>
+          <a:lnRef idx="1">
+            <a:schemeClr val="accent1"/>
+          </a:lnRef>
+          <a:fillRef idx="3">
+            <a:schemeClr val="accent1"/>
+          </a:fillRef>
+          <a:effectRef idx="2">
+            <a:schemeClr val="accent1"/>
+          </a:effectRef>
+          <a:fontRef idx="minor">
+            <a:schemeClr val="lt1"/>
+          </a:fontRef>
+        </p:style>
+        <p:txBody>
+          <a:bodyPr rtlCol="0" anchor="ctr"/>
+          <a:lstStyle/>
+          <a:p>
+            <a:pPr algn="ctr"/>
+            <a:r>
+              <a:rPr lang="en-US" dirty="0"/>
+              <a:t>Asymmetric Cryptography</a:t>
+            </a:r>
+          </a:p>
+        </p:txBody>
+      </p:sp>
+      <p:pic>
+        <p:nvPicPr>
+          <p:cNvPr id="59" name="Picture 58">
+            <a:extLst>
+              <a:ext uri="{FF2B5EF4-FFF2-40B4-BE49-F238E27FC236}">
+                <a16:creationId xmlns:a16="http://schemas.microsoft.com/office/drawing/2014/main" id="{BA5BC172-DC8D-4C3D-8534-9A39EDFE5793}"/>
+              </a:ext>
+            </a:extLst>
+          </p:cNvPr>
+          <p:cNvPicPr>
+            <a:picLocks noChangeAspect="1"/>
+          </p:cNvPicPr>
+          <p:nvPr/>
+        </p:nvPicPr>
+        <p:blipFill>
+          <a:blip r:embed="rId2"/>
+          <a:stretch>
+            <a:fillRect/>
+          </a:stretch>
+        </p:blipFill>
+        <p:spPr>
+          <a:xfrm>
+            <a:off x="1221488" y="1471561"/>
+            <a:ext cx="1608278" cy="1608278"/>
+          </a:xfrm>
+          <a:prstGeom prst="rect">
+            <a:avLst/>
+          </a:prstGeom>
+        </p:spPr>
+      </p:pic>
+      <p:pic>
+        <p:nvPicPr>
+          <p:cNvPr id="60" name="Picture 59">
+            <a:extLst>
+              <a:ext uri="{FF2B5EF4-FFF2-40B4-BE49-F238E27FC236}">
+                <a16:creationId xmlns:a16="http://schemas.microsoft.com/office/drawing/2014/main" id="{E7668ADC-4C4C-4B79-A2A0-F5F2A862E820}"/>
+              </a:ext>
+            </a:extLst>
+          </p:cNvPr>
+          <p:cNvPicPr>
+            <a:picLocks noChangeAspect="1"/>
+          </p:cNvPicPr>
+          <p:nvPr/>
+        </p:nvPicPr>
+        <p:blipFill>
+          <a:blip r:embed="rId3"/>
+          <a:stretch>
+            <a:fillRect/>
+          </a:stretch>
+        </p:blipFill>
+        <p:spPr>
+          <a:xfrm>
+            <a:off x="5285291" y="4578112"/>
+            <a:ext cx="1617185" cy="1617185"/>
+          </a:xfrm>
+          <a:prstGeom prst="rect">
+            <a:avLst/>
+          </a:prstGeom>
+        </p:spPr>
+      </p:pic>
+      <p:pic>
+        <p:nvPicPr>
+          <p:cNvPr id="61" name="Picture 60">
+            <a:extLst>
+              <a:ext uri="{FF2B5EF4-FFF2-40B4-BE49-F238E27FC236}">
+                <a16:creationId xmlns:a16="http://schemas.microsoft.com/office/drawing/2014/main" id="{11A88200-2BB0-4695-837B-C4B3464C320E}"/>
+              </a:ext>
+            </a:extLst>
+          </p:cNvPr>
+          <p:cNvPicPr>
+            <a:picLocks noChangeAspect="1"/>
+          </p:cNvPicPr>
+          <p:nvPr/>
+        </p:nvPicPr>
+        <p:blipFill>
+          <a:blip r:embed="rId4"/>
+          <a:stretch>
+            <a:fillRect/>
+          </a:stretch>
+        </p:blipFill>
+        <p:spPr>
+          <a:xfrm>
+            <a:off x="9351751" y="1471561"/>
+            <a:ext cx="1617185" cy="1617185"/>
+          </a:xfrm>
+          <a:prstGeom prst="rect">
+            <a:avLst/>
+          </a:prstGeom>
+        </p:spPr>
+      </p:pic>
+      <p:sp>
+        <p:nvSpPr>
+          <p:cNvPr id="63" name="Right Arrow 11">
+            <a:extLst>
+              <a:ext uri="{FF2B5EF4-FFF2-40B4-BE49-F238E27FC236}">
+                <a16:creationId xmlns:a16="http://schemas.microsoft.com/office/drawing/2014/main" id="{5F98C94F-3414-4152-9F61-8DF00D344539}"/>
+              </a:ext>
+            </a:extLst>
+          </p:cNvPr>
+          <p:cNvSpPr/>
+          <p:nvPr/>
+        </p:nvSpPr>
+        <p:spPr>
+          <a:xfrm>
+            <a:off x="2983272" y="2046537"/>
+            <a:ext cx="2029345" cy="397414"/>
+          </a:xfrm>
+          <a:prstGeom prst="rightArrow">
+            <a:avLst/>
+          </a:prstGeom>
+          <a:solidFill>
+            <a:schemeClr val="tx2"/>
+          </a:solidFill>
+          <a:ln>
+            <a:noFill/>
+          </a:ln>
+          <a:effectLst/>
+        </p:spPr>
+        <p:style>
+          <a:lnRef idx="1">
+            <a:schemeClr val="accent1"/>
+          </a:lnRef>
+          <a:fillRef idx="3">
+            <a:schemeClr val="accent1"/>
+          </a:fillRef>
+          <a:effectRef idx="2">
+            <a:schemeClr val="accent1"/>
+          </a:effectRef>
+          <a:fontRef idx="minor">
+            <a:schemeClr val="lt1"/>
+          </a:fontRef>
+        </p:style>
+        <p:txBody>
+          <a:bodyPr rtlCol="0" anchor="ctr"/>
+          <a:lstStyle/>
+          <a:p>
+            <a:pPr algn="ctr"/>
+            <a:r>
+              <a:rPr lang="en-US" sz="1400" dirty="0"/>
+              <a:t>Chuck Norris counted</a:t>
+            </a:r>
+          </a:p>
+        </p:txBody>
+      </p:sp>
+      <p:sp>
+        <p:nvSpPr>
+          <p:cNvPr id="64" name="Right Arrow 12">
+            <a:extLst>
+              <a:ext uri="{FF2B5EF4-FFF2-40B4-BE49-F238E27FC236}">
+                <a16:creationId xmlns:a16="http://schemas.microsoft.com/office/drawing/2014/main" id="{95F1E12A-3E6D-43CF-9F53-380ED0B04CB8}"/>
+              </a:ext>
+            </a:extLst>
+          </p:cNvPr>
+          <p:cNvSpPr/>
+          <p:nvPr/>
+        </p:nvSpPr>
+        <p:spPr>
+          <a:xfrm>
+            <a:off x="7177017" y="2039514"/>
+            <a:ext cx="2096993" cy="397414"/>
+          </a:xfrm>
+          <a:prstGeom prst="rightArrow">
+            <a:avLst/>
+          </a:prstGeom>
+          <a:solidFill>
+            <a:schemeClr val="tx2"/>
+          </a:solidFill>
+          <a:ln>
+            <a:noFill/>
+          </a:ln>
+          <a:effectLst/>
+        </p:spPr>
+        <p:style>
+          <a:lnRef idx="1">
+            <a:schemeClr val="accent1"/>
+          </a:lnRef>
+          <a:fillRef idx="3">
+            <a:schemeClr val="accent1"/>
+          </a:fillRef>
+          <a:effectRef idx="2">
+            <a:schemeClr val="accent1"/>
+          </a:effectRef>
+          <a:fontRef idx="minor">
+            <a:schemeClr val="lt1"/>
+          </a:fontRef>
+        </p:style>
+        <p:txBody>
+          <a:bodyPr rtlCol="0" anchor="ctr"/>
+          <a:lstStyle/>
+          <a:p>
+            <a:pPr algn="ctr"/>
+            <a:r>
+              <a:rPr lang="en-US" sz="1400" dirty="0"/>
+              <a:t>to infinity.  Twice…</a:t>
+            </a:r>
+          </a:p>
+        </p:txBody>
+      </p:sp>
+      <p:sp>
+        <p:nvSpPr>
+          <p:cNvPr id="65" name="Right Arrow 13">
+            <a:extLst>
+              <a:ext uri="{FF2B5EF4-FFF2-40B4-BE49-F238E27FC236}">
+                <a16:creationId xmlns:a16="http://schemas.microsoft.com/office/drawing/2014/main" id="{21B447EC-61B0-4CCC-84B8-8C7DB7C1FE54}"/>
+              </a:ext>
+            </a:extLst>
+          </p:cNvPr>
+          <p:cNvSpPr/>
+          <p:nvPr/>
+        </p:nvSpPr>
+        <p:spPr>
+          <a:xfrm rot="5400000">
+            <a:off x="5289743" y="3291422"/>
+            <a:ext cx="1608280" cy="817134"/>
+          </a:xfrm>
+          <a:prstGeom prst="rightArrow">
+            <a:avLst/>
+          </a:prstGeom>
+          <a:solidFill>
+            <a:schemeClr val="tx2"/>
+          </a:solidFill>
+          <a:ln>
+            <a:noFill/>
+          </a:ln>
+          <a:effectLst/>
+        </p:spPr>
+        <p:style>
+          <a:lnRef idx="1">
+            <a:schemeClr val="accent1"/>
+          </a:lnRef>
+          <a:fillRef idx="3">
+            <a:schemeClr val="accent1"/>
+          </a:fillRef>
+          <a:effectRef idx="2">
+            <a:schemeClr val="accent1"/>
+          </a:effectRef>
+          <a:fontRef idx="minor">
+            <a:schemeClr val="lt1"/>
+          </a:fontRef>
+        </p:style>
+        <p:txBody>
+          <a:bodyPr rtlCol="0" anchor="ctr"/>
+          <a:lstStyle/>
+          <a:p>
+            <a:pPr algn="ctr"/>
+            <a:r>
+              <a:rPr lang="en-US" dirty="0"/>
+              <a:t>Fe34f..</a:t>
+            </a:r>
+          </a:p>
+        </p:txBody>
+      </p:sp>
+      <p:sp>
+        <p:nvSpPr>
+          <p:cNvPr id="66" name="Right Arrow 17">
+            <a:extLst>
+              <a:ext uri="{FF2B5EF4-FFF2-40B4-BE49-F238E27FC236}">
+                <a16:creationId xmlns:a16="http://schemas.microsoft.com/office/drawing/2014/main" id="{5DAF98DB-8A74-4602-9385-9B57C692F9B5}"/>
+              </a:ext>
+            </a:extLst>
+          </p:cNvPr>
+          <p:cNvSpPr/>
+          <p:nvPr/>
+        </p:nvSpPr>
+        <p:spPr>
+          <a:xfrm flipH="1">
+            <a:off x="2983271" y="2478470"/>
+            <a:ext cx="2029346" cy="397414"/>
+          </a:xfrm>
+          <a:prstGeom prst="rightArrow">
+            <a:avLst/>
+          </a:prstGeom>
+          <a:solidFill>
+            <a:schemeClr val="tx2"/>
+          </a:solidFill>
+          <a:ln>
+            <a:noFill/>
+          </a:ln>
+          <a:effectLst/>
+        </p:spPr>
+        <p:style>
+          <a:lnRef idx="1">
+            <a:schemeClr val="accent1"/>
+          </a:lnRef>
+          <a:fillRef idx="3">
+            <a:schemeClr val="accent1"/>
+          </a:fillRef>
+          <a:effectRef idx="2">
+            <a:schemeClr val="accent1"/>
+          </a:effectRef>
+          <a:fontRef idx="minor">
+            <a:schemeClr val="lt1"/>
+          </a:fontRef>
+        </p:style>
+        <p:txBody>
+          <a:bodyPr rtlCol="0" anchor="ctr"/>
+          <a:lstStyle/>
+          <a:p>
+            <a:pPr algn="ctr"/>
+            <a:r>
+              <a:rPr lang="en-US" sz="1400" dirty="0"/>
+              <a:t>had too once.</a:t>
+            </a:r>
+          </a:p>
+        </p:txBody>
+      </p:sp>
+      <p:sp>
+        <p:nvSpPr>
+          <p:cNvPr id="67" name="Right Arrow 18">
+            <a:extLst>
+              <a:ext uri="{FF2B5EF4-FFF2-40B4-BE49-F238E27FC236}">
+                <a16:creationId xmlns:a16="http://schemas.microsoft.com/office/drawing/2014/main" id="{DA3079FE-8FFA-41DB-8C55-6BB3A30A3B93}"/>
+              </a:ext>
+            </a:extLst>
+          </p:cNvPr>
+          <p:cNvSpPr/>
+          <p:nvPr/>
+        </p:nvSpPr>
+        <p:spPr>
+          <a:xfrm flipH="1">
+            <a:off x="7174755" y="2491410"/>
+            <a:ext cx="2096993" cy="397414"/>
+          </a:xfrm>
+          <a:prstGeom prst="rightArrow">
+            <a:avLst/>
+          </a:prstGeom>
+          <a:solidFill>
+            <a:schemeClr val="tx2"/>
+          </a:solidFill>
+          <a:ln>
+            <a:noFill/>
+          </a:ln>
+          <a:effectLst/>
+        </p:spPr>
+        <p:style>
+          <a:lnRef idx="1">
+            <a:schemeClr val="accent1"/>
+          </a:lnRef>
+          <a:fillRef idx="3">
+            <a:schemeClr val="accent1"/>
+          </a:fillRef>
+          <a:effectRef idx="2">
+            <a:schemeClr val="accent1"/>
+          </a:effectRef>
+          <a:fontRef idx="minor">
+            <a:schemeClr val="lt1"/>
+          </a:fontRef>
+        </p:style>
+        <p:txBody>
+          <a:bodyPr rtlCol="0" anchor="ctr"/>
+          <a:lstStyle/>
+          <a:p>
+            <a:pPr algn="ctr"/>
+            <a:r>
+              <a:rPr lang="en-US" sz="1400" dirty="0"/>
+              <a:t>Bruce Lee only…</a:t>
+            </a:r>
+          </a:p>
+        </p:txBody>
+      </p:sp>
+      <p:grpSp>
+        <p:nvGrpSpPr>
+          <p:cNvPr id="10" name="Group 9">
+            <a:extLst>
+              <a:ext uri="{FF2B5EF4-FFF2-40B4-BE49-F238E27FC236}">
+                <a16:creationId xmlns:a16="http://schemas.microsoft.com/office/drawing/2014/main" id="{CADD0945-CB71-3942-AB2C-B1B99E384C15}"/>
+              </a:ext>
+            </a:extLst>
+          </p:cNvPr>
+          <p:cNvGrpSpPr/>
+          <p:nvPr/>
+        </p:nvGrpSpPr>
+        <p:grpSpPr>
+          <a:xfrm>
+            <a:off x="772729" y="2817862"/>
+            <a:ext cx="1257352" cy="721361"/>
+            <a:chOff x="655383" y="3778162"/>
+            <a:chExt cx="1693979" cy="971860"/>
+          </a:xfrm>
+        </p:grpSpPr>
+        <p:grpSp>
+          <p:nvGrpSpPr>
+            <p:cNvPr id="9" name="Group 8">
+              <a:extLst>
+                <a:ext uri="{FF2B5EF4-FFF2-40B4-BE49-F238E27FC236}">
+                  <a16:creationId xmlns:a16="http://schemas.microsoft.com/office/drawing/2014/main" id="{C9C8F422-06F1-A64C-B57D-BCEF5AF19D06}"/>
+                </a:ext>
+              </a:extLst>
+            </p:cNvPr>
+            <p:cNvGrpSpPr/>
+            <p:nvPr/>
+          </p:nvGrpSpPr>
+          <p:grpSpPr>
+            <a:xfrm>
+              <a:off x="655383" y="3778162"/>
+              <a:ext cx="946966" cy="946966"/>
+              <a:chOff x="655383" y="3778162"/>
+              <a:chExt cx="946966" cy="946966"/>
+            </a:xfrm>
+          </p:grpSpPr>
+          <p:sp>
+            <p:nvSpPr>
+              <p:cNvPr id="7" name="Oval 6">
+                <a:extLst>
+                  <a:ext uri="{FF2B5EF4-FFF2-40B4-BE49-F238E27FC236}">
+                    <a16:creationId xmlns:a16="http://schemas.microsoft.com/office/drawing/2014/main" id="{C2060E3F-9505-2848-9E35-EA9A8CF6822F}"/>
+                  </a:ext>
+                </a:extLst>
+              </p:cNvPr>
+              <p:cNvSpPr/>
+              <p:nvPr/>
+            </p:nvSpPr>
+            <p:spPr>
+              <a:xfrm>
+                <a:off x="655383" y="3778162"/>
+                <a:ext cx="946966" cy="946966"/>
+              </a:xfrm>
+              <a:prstGeom prst="ellipse">
+                <a:avLst/>
+              </a:prstGeom>
+              <a:solidFill>
+                <a:schemeClr val="tx2"/>
+              </a:solidFill>
+              <a:ln>
+                <a:noFill/>
+              </a:ln>
+              <a:effectLst/>
+            </p:spPr>
+            <p:style>
+              <a:lnRef idx="1">
+                <a:schemeClr val="accent1"/>
+              </a:lnRef>
+              <a:fillRef idx="3">
+                <a:schemeClr val="accent1"/>
+              </a:fillRef>
+              <a:effectRef idx="2">
+                <a:schemeClr val="accent1"/>
+              </a:effectRef>
+              <a:fontRef idx="minor">
+                <a:schemeClr val="lt1"/>
+              </a:fontRef>
+            </p:style>
+            <p:txBody>
+              <a:bodyPr rtlCol="0" anchor="ctr"/>
+              <a:lstStyle/>
+              <a:p>
+                <a:pPr algn="ctr"/>
+                <a:endParaRPr lang="en-US"/>
+              </a:p>
+            </p:txBody>
+          </p:sp>
+          <p:pic>
+            <p:nvPicPr>
+              <p:cNvPr id="4" name="Picture 3" descr="A picture containing text, gear&#10;&#10;Description automatically generated">
+                <a:extLst>
+                  <a:ext uri="{FF2B5EF4-FFF2-40B4-BE49-F238E27FC236}">
+                    <a16:creationId xmlns:a16="http://schemas.microsoft.com/office/drawing/2014/main" id="{812F80D9-B9C2-FD43-BC5D-ECFD81DAB612}"/>
+                  </a:ext>
+                </a:extLst>
+              </p:cNvPr>
+              <p:cNvPicPr>
+                <a:picLocks noChangeAspect="1"/>
+              </p:cNvPicPr>
+              <p:nvPr/>
+            </p:nvPicPr>
+            <p:blipFill>
+              <a:blip r:embed="rId5">
+                <a:extLst>
+                  <a:ext uri="{28A0092B-C50C-407E-A947-70E740481C1C}">
+                    <a14:useLocalDpi xmlns:a14="http://schemas.microsoft.com/office/drawing/2010/main" val="0"/>
+                  </a:ext>
+                </a:extLst>
+              </a:blip>
+              <a:stretch>
+                <a:fillRect/>
+              </a:stretch>
+            </p:blipFill>
+            <p:spPr>
+              <a:xfrm>
+                <a:off x="799917" y="3853722"/>
+                <a:ext cx="657898" cy="795845"/>
+              </a:xfrm>
+              <a:prstGeom prst="rect">
+                <a:avLst/>
+              </a:prstGeom>
+            </p:spPr>
+          </p:pic>
+        </p:grpSp>
+        <p:grpSp>
+          <p:nvGrpSpPr>
+            <p:cNvPr id="8" name="Group 7">
+              <a:extLst>
+                <a:ext uri="{FF2B5EF4-FFF2-40B4-BE49-F238E27FC236}">
+                  <a16:creationId xmlns:a16="http://schemas.microsoft.com/office/drawing/2014/main" id="{634D8717-8E7A-5648-BF04-37E47361223E}"/>
+                </a:ext>
+              </a:extLst>
+            </p:cNvPr>
+            <p:cNvGrpSpPr/>
+            <p:nvPr/>
+          </p:nvGrpSpPr>
+          <p:grpSpPr>
+            <a:xfrm>
+              <a:off x="1402396" y="3803056"/>
+              <a:ext cx="946966" cy="946966"/>
+              <a:chOff x="1760164" y="3778161"/>
+              <a:chExt cx="946966" cy="946966"/>
+            </a:xfrm>
+          </p:grpSpPr>
+          <p:sp>
+            <p:nvSpPr>
+              <p:cNvPr id="21" name="Oval 20">
+                <a:extLst>
+                  <a:ext uri="{FF2B5EF4-FFF2-40B4-BE49-F238E27FC236}">
+                    <a16:creationId xmlns:a16="http://schemas.microsoft.com/office/drawing/2014/main" id="{DF645327-D57B-0941-921F-A6D253BE2BC0}"/>
+                  </a:ext>
+                </a:extLst>
+              </p:cNvPr>
+              <p:cNvSpPr/>
+              <p:nvPr/>
+            </p:nvSpPr>
+            <p:spPr>
+              <a:xfrm>
+                <a:off x="1760164" y="3778161"/>
+                <a:ext cx="946966" cy="946966"/>
+              </a:xfrm>
+              <a:prstGeom prst="ellipse">
+                <a:avLst/>
+              </a:prstGeom>
+              <a:solidFill>
+                <a:schemeClr val="tx2"/>
+              </a:solidFill>
+              <a:ln>
+                <a:noFill/>
+              </a:ln>
+              <a:effectLst/>
+            </p:spPr>
+            <p:style>
+              <a:lnRef idx="1">
+                <a:schemeClr val="accent1"/>
+              </a:lnRef>
+              <a:fillRef idx="3">
+                <a:schemeClr val="accent1"/>
+              </a:fillRef>
+              <a:effectRef idx="2">
+                <a:schemeClr val="accent1"/>
+              </a:effectRef>
+              <a:fontRef idx="minor">
+                <a:schemeClr val="lt1"/>
+              </a:fontRef>
+            </p:style>
+            <p:txBody>
+              <a:bodyPr rtlCol="0" anchor="ctr"/>
+              <a:lstStyle/>
+              <a:p>
+                <a:pPr algn="ctr"/>
+                <a:endParaRPr lang="en-US"/>
+              </a:p>
+            </p:txBody>
+          </p:sp>
+          <p:pic>
+            <p:nvPicPr>
+              <p:cNvPr id="6" name="Picture 5" descr="Arrow&#10;&#10;Description automatically generated">
+                <a:extLst>
+                  <a:ext uri="{FF2B5EF4-FFF2-40B4-BE49-F238E27FC236}">
+                    <a16:creationId xmlns:a16="http://schemas.microsoft.com/office/drawing/2014/main" id="{5216355A-51B0-1A48-A00A-036BCCC34E1B}"/>
+                  </a:ext>
+                </a:extLst>
+              </p:cNvPr>
+              <p:cNvPicPr>
+                <a:picLocks noChangeAspect="1"/>
+              </p:cNvPicPr>
+              <p:nvPr/>
+            </p:nvPicPr>
+            <p:blipFill>
+              <a:blip r:embed="rId6">
+                <a:extLst>
+                  <a:ext uri="{28A0092B-C50C-407E-A947-70E740481C1C}">
+                    <a14:useLocalDpi xmlns:a14="http://schemas.microsoft.com/office/drawing/2010/main" val="0"/>
+                  </a:ext>
+                </a:extLst>
+              </a:blip>
+              <a:stretch>
+                <a:fillRect/>
+              </a:stretch>
+            </p:blipFill>
+            <p:spPr>
+              <a:xfrm>
+                <a:off x="1825080" y="3929283"/>
+                <a:ext cx="817134" cy="648829"/>
+              </a:xfrm>
+              <a:prstGeom prst="rect">
+                <a:avLst/>
+              </a:prstGeom>
+            </p:spPr>
+          </p:pic>
+        </p:grpSp>
+      </p:grpSp>
+      <p:grpSp>
+        <p:nvGrpSpPr>
+          <p:cNvPr id="25" name="Group 24">
+            <a:extLst>
+              <a:ext uri="{FF2B5EF4-FFF2-40B4-BE49-F238E27FC236}">
+                <a16:creationId xmlns:a16="http://schemas.microsoft.com/office/drawing/2014/main" id="{8552B809-661C-E243-9284-70B731BCE784}"/>
+              </a:ext>
+            </a:extLst>
+          </p:cNvPr>
+          <p:cNvGrpSpPr/>
+          <p:nvPr/>
+        </p:nvGrpSpPr>
+        <p:grpSpPr>
+          <a:xfrm>
+            <a:off x="10160343" y="2926983"/>
+            <a:ext cx="1257352" cy="721361"/>
+            <a:chOff x="655383" y="3778162"/>
+            <a:chExt cx="1693979" cy="971860"/>
+          </a:xfrm>
+          <a:solidFill>
+            <a:schemeClr val="accent5"/>
+          </a:solidFill>
+        </p:grpSpPr>
+        <p:grpSp>
+          <p:nvGrpSpPr>
+            <p:cNvPr id="26" name="Group 25">
+              <a:extLst>
+                <a:ext uri="{FF2B5EF4-FFF2-40B4-BE49-F238E27FC236}">
+                  <a16:creationId xmlns:a16="http://schemas.microsoft.com/office/drawing/2014/main" id="{CA3F15ED-DAFE-EA44-8BC4-4BB8243DC9B7}"/>
+                </a:ext>
+              </a:extLst>
+            </p:cNvPr>
+            <p:cNvGrpSpPr/>
+            <p:nvPr/>
+          </p:nvGrpSpPr>
+          <p:grpSpPr>
+            <a:xfrm>
+              <a:off x="655383" y="3778162"/>
+              <a:ext cx="946966" cy="946966"/>
+              <a:chOff x="655383" y="3778162"/>
+              <a:chExt cx="946966" cy="946966"/>
+            </a:xfrm>
+            <a:grpFill/>
+          </p:grpSpPr>
+          <p:sp>
+            <p:nvSpPr>
+              <p:cNvPr id="30" name="Oval 29">
+                <a:extLst>
+                  <a:ext uri="{FF2B5EF4-FFF2-40B4-BE49-F238E27FC236}">
+                    <a16:creationId xmlns:a16="http://schemas.microsoft.com/office/drawing/2014/main" id="{9F56B6F0-225A-DB4A-972D-DF9D0EFBB1BB}"/>
+                  </a:ext>
+                </a:extLst>
+              </p:cNvPr>
+              <p:cNvSpPr/>
+              <p:nvPr/>
+            </p:nvSpPr>
+            <p:spPr>
+              <a:xfrm>
+                <a:off x="655383" y="3778162"/>
+                <a:ext cx="946966" cy="946966"/>
+              </a:xfrm>
+              <a:prstGeom prst="ellipse">
+                <a:avLst/>
+              </a:prstGeom>
+              <a:grpFill/>
+              <a:ln>
+                <a:noFill/>
+              </a:ln>
+              <a:effectLst/>
+            </p:spPr>
+            <p:style>
+              <a:lnRef idx="1">
+                <a:schemeClr val="accent1"/>
+              </a:lnRef>
+              <a:fillRef idx="3">
+                <a:schemeClr val="accent1"/>
+              </a:fillRef>
+              <a:effectRef idx="2">
+                <a:schemeClr val="accent1"/>
+              </a:effectRef>
+              <a:fontRef idx="minor">
+                <a:schemeClr val="lt1"/>
+              </a:fontRef>
+            </p:style>
+            <p:txBody>
+              <a:bodyPr rtlCol="0" anchor="ctr"/>
+              <a:lstStyle/>
+              <a:p>
+                <a:pPr algn="ctr"/>
+                <a:endParaRPr lang="en-US"/>
+              </a:p>
+            </p:txBody>
+          </p:sp>
+          <p:pic>
+            <p:nvPicPr>
+              <p:cNvPr id="31" name="Picture 30" descr="A picture containing text, gear&#10;&#10;Description automatically generated">
+                <a:extLst>
+                  <a:ext uri="{FF2B5EF4-FFF2-40B4-BE49-F238E27FC236}">
+                    <a16:creationId xmlns:a16="http://schemas.microsoft.com/office/drawing/2014/main" id="{A9691BE8-D726-E34A-915A-C63C5B4E390B}"/>
+                  </a:ext>
+                </a:extLst>
+              </p:cNvPr>
+              <p:cNvPicPr>
+                <a:picLocks noChangeAspect="1"/>
+              </p:cNvPicPr>
+              <p:nvPr/>
+            </p:nvPicPr>
+            <p:blipFill>
+              <a:blip r:embed="rId5">
+                <a:extLst>
+                  <a:ext uri="{28A0092B-C50C-407E-A947-70E740481C1C}">
+                    <a14:useLocalDpi xmlns:a14="http://schemas.microsoft.com/office/drawing/2010/main" val="0"/>
+                  </a:ext>
+                </a:extLst>
+              </a:blip>
+              <a:stretch>
+                <a:fillRect/>
+              </a:stretch>
+            </p:blipFill>
+            <p:spPr>
+              <a:xfrm>
+                <a:off x="799917" y="3853722"/>
+                <a:ext cx="657898" cy="795845"/>
+              </a:xfrm>
+              <a:prstGeom prst="rect">
+                <a:avLst/>
+              </a:prstGeom>
+              <a:noFill/>
+            </p:spPr>
+          </p:pic>
+        </p:grpSp>
+        <p:grpSp>
+          <p:nvGrpSpPr>
+            <p:cNvPr id="27" name="Group 26">
+              <a:extLst>
+                <a:ext uri="{FF2B5EF4-FFF2-40B4-BE49-F238E27FC236}">
+                  <a16:creationId xmlns:a16="http://schemas.microsoft.com/office/drawing/2014/main" id="{CB432BB2-84B9-FE46-9BDE-9CB443A6376F}"/>
+                </a:ext>
+              </a:extLst>
+            </p:cNvPr>
+            <p:cNvGrpSpPr/>
+            <p:nvPr/>
+          </p:nvGrpSpPr>
+          <p:grpSpPr>
+            <a:xfrm>
+              <a:off x="1402396" y="3803056"/>
+              <a:ext cx="946966" cy="946966"/>
+              <a:chOff x="1760164" y="3778161"/>
+              <a:chExt cx="946966" cy="946966"/>
+            </a:xfrm>
+            <a:grpFill/>
+          </p:grpSpPr>
+          <p:sp>
+            <p:nvSpPr>
+              <p:cNvPr id="28" name="Oval 27">
+                <a:extLst>
+                  <a:ext uri="{FF2B5EF4-FFF2-40B4-BE49-F238E27FC236}">
+                    <a16:creationId xmlns:a16="http://schemas.microsoft.com/office/drawing/2014/main" id="{69A51265-6E97-D648-BEE1-97CCEEDB8622}"/>
+                  </a:ext>
+                </a:extLst>
+              </p:cNvPr>
+              <p:cNvSpPr/>
+              <p:nvPr/>
+            </p:nvSpPr>
+            <p:spPr>
+              <a:xfrm>
+                <a:off x="1760164" y="3778161"/>
+                <a:ext cx="946966" cy="946966"/>
+              </a:xfrm>
+              <a:prstGeom prst="ellipse">
+                <a:avLst/>
+              </a:prstGeom>
+              <a:grpFill/>
+              <a:ln>
+                <a:noFill/>
+              </a:ln>
+              <a:effectLst/>
+            </p:spPr>
+            <p:style>
+              <a:lnRef idx="1">
+                <a:schemeClr val="accent1"/>
+              </a:lnRef>
+              <a:fillRef idx="3">
+                <a:schemeClr val="accent1"/>
+              </a:fillRef>
+              <a:effectRef idx="2">
+                <a:schemeClr val="accent1"/>
+              </a:effectRef>
+              <a:fontRef idx="minor">
+                <a:schemeClr val="lt1"/>
+              </a:fontRef>
+            </p:style>
+            <p:txBody>
+              <a:bodyPr rtlCol="0" anchor="ctr"/>
+              <a:lstStyle/>
+              <a:p>
+                <a:pPr algn="ctr"/>
+                <a:endParaRPr lang="en-US"/>
+              </a:p>
+            </p:txBody>
+          </p:sp>
+          <p:pic>
+            <p:nvPicPr>
+              <p:cNvPr id="29" name="Picture 28" descr="Arrow&#10;&#10;Description automatically generated">
+                <a:extLst>
+                  <a:ext uri="{FF2B5EF4-FFF2-40B4-BE49-F238E27FC236}">
+                    <a16:creationId xmlns:a16="http://schemas.microsoft.com/office/drawing/2014/main" id="{9760595A-F895-6E47-AD0C-DC26DD3D2EC0}"/>
+                  </a:ext>
+                </a:extLst>
+              </p:cNvPr>
+              <p:cNvPicPr>
+                <a:picLocks noChangeAspect="1"/>
+              </p:cNvPicPr>
+              <p:nvPr/>
+            </p:nvPicPr>
+            <p:blipFill>
+              <a:blip r:embed="rId6">
+                <a:extLst>
+                  <a:ext uri="{28A0092B-C50C-407E-A947-70E740481C1C}">
+                    <a14:useLocalDpi xmlns:a14="http://schemas.microsoft.com/office/drawing/2010/main" val="0"/>
+                  </a:ext>
+                </a:extLst>
+              </a:blip>
+              <a:stretch>
+                <a:fillRect/>
+              </a:stretch>
+            </p:blipFill>
+            <p:spPr>
+              <a:xfrm>
+                <a:off x="1825080" y="3929283"/>
+                <a:ext cx="817134" cy="648829"/>
+              </a:xfrm>
+              <a:prstGeom prst="rect">
+                <a:avLst/>
+              </a:prstGeom>
+              <a:noFill/>
+            </p:spPr>
+          </p:pic>
+        </p:grpSp>
+      </p:grpSp>
+      <p:sp>
+        <p:nvSpPr>
+          <p:cNvPr id="33" name="Oval 32">
+            <a:extLst>
+              <a:ext uri="{FF2B5EF4-FFF2-40B4-BE49-F238E27FC236}">
+                <a16:creationId xmlns:a16="http://schemas.microsoft.com/office/drawing/2014/main" id="{A70CDBB1-C4AF-0D41-B40F-D215FED21B6C}"/>
+              </a:ext>
+            </a:extLst>
+          </p:cNvPr>
+          <p:cNvSpPr/>
+          <p:nvPr/>
+        </p:nvSpPr>
+        <p:spPr>
+          <a:xfrm>
+            <a:off x="2423900" y="2894618"/>
+            <a:ext cx="702883" cy="702883"/>
+          </a:xfrm>
+          <a:prstGeom prst="ellipse">
+            <a:avLst/>
+          </a:prstGeom>
+          <a:solidFill>
+            <a:schemeClr val="accent5"/>
+          </a:solidFill>
+          <a:ln>
+            <a:noFill/>
+          </a:ln>
+          <a:effectLst/>
+        </p:spPr>
+        <p:style>
+          <a:lnRef idx="1">
+            <a:schemeClr val="accent1"/>
+          </a:lnRef>
+          <a:fillRef idx="3">
+            <a:schemeClr val="accent1"/>
+          </a:fillRef>
+          <a:effectRef idx="2">
+            <a:schemeClr val="accent1"/>
+          </a:effectRef>
+          <a:fontRef idx="minor">
+            <a:schemeClr val="lt1"/>
+          </a:fontRef>
+        </p:style>
+        <p:txBody>
+          <a:bodyPr rtlCol="0" anchor="ctr"/>
+          <a:lstStyle/>
+          <a:p>
+            <a:pPr algn="ctr"/>
+            <a:endParaRPr lang="en-US"/>
+          </a:p>
+        </p:txBody>
+      </p:sp>
+      <p:pic>
+        <p:nvPicPr>
+          <p:cNvPr id="34" name="Picture 33" descr="A picture containing text, gear&#10;&#10;Description automatically generated">
+            <a:extLst>
+              <a:ext uri="{FF2B5EF4-FFF2-40B4-BE49-F238E27FC236}">
+                <a16:creationId xmlns:a16="http://schemas.microsoft.com/office/drawing/2014/main" id="{3FB9A03C-DDB4-C145-BB46-F33EEED9515D}"/>
+              </a:ext>
+            </a:extLst>
+          </p:cNvPr>
+          <p:cNvPicPr>
+            <a:picLocks noChangeAspect="1"/>
+          </p:cNvPicPr>
+          <p:nvPr/>
+        </p:nvPicPr>
+        <p:blipFill>
+          <a:blip r:embed="rId5">
+            <a:extLst>
+              <a:ext uri="{28A0092B-C50C-407E-A947-70E740481C1C}">
+                <a14:useLocalDpi xmlns:a14="http://schemas.microsoft.com/office/drawing/2010/main" val="0"/>
+              </a:ext>
+            </a:extLst>
+          </a:blip>
+          <a:stretch>
+            <a:fillRect/>
+          </a:stretch>
+        </p:blipFill>
+        <p:spPr>
+          <a:xfrm>
+            <a:off x="2531180" y="2950702"/>
+            <a:ext cx="488323" cy="590714"/>
+          </a:xfrm>
+          <a:prstGeom prst="rect">
+            <a:avLst/>
+          </a:prstGeom>
+          <a:noFill/>
+        </p:spPr>
+      </p:pic>
+      <p:sp>
+        <p:nvSpPr>
+          <p:cNvPr id="35" name="Oval 34">
+            <a:extLst>
+              <a:ext uri="{FF2B5EF4-FFF2-40B4-BE49-F238E27FC236}">
+                <a16:creationId xmlns:a16="http://schemas.microsoft.com/office/drawing/2014/main" id="{1F482F11-9597-8142-98E0-471468BDCFB1}"/>
+              </a:ext>
+            </a:extLst>
+          </p:cNvPr>
+          <p:cNvSpPr/>
+          <p:nvPr/>
+        </p:nvSpPr>
+        <p:spPr>
+          <a:xfrm>
+            <a:off x="9180225" y="2983068"/>
+            <a:ext cx="702883" cy="702883"/>
+          </a:xfrm>
+          <a:prstGeom prst="ellipse">
+            <a:avLst/>
+          </a:prstGeom>
+          <a:solidFill>
+            <a:schemeClr val="tx2"/>
+          </a:solidFill>
+          <a:ln>
+            <a:noFill/>
+          </a:ln>
+          <a:effectLst/>
+        </p:spPr>
+        <p:style>
+          <a:lnRef idx="1">
+            <a:schemeClr val="accent1"/>
+          </a:lnRef>
+          <a:fillRef idx="3">
+            <a:schemeClr val="accent1"/>
+          </a:fillRef>
+          <a:effectRef idx="2">
+            <a:schemeClr val="accent1"/>
+          </a:effectRef>
+          <a:fontRef idx="minor">
+            <a:schemeClr val="lt1"/>
+          </a:fontRef>
+        </p:style>
+        <p:txBody>
+          <a:bodyPr rtlCol="0" anchor="ctr"/>
+          <a:lstStyle/>
+          <a:p>
+            <a:pPr algn="ctr"/>
+            <a:endParaRPr lang="en-US"/>
+          </a:p>
+        </p:txBody>
+      </p:sp>
+      <p:pic>
+        <p:nvPicPr>
+          <p:cNvPr id="36" name="Picture 35" descr="A picture containing text, gear&#10;&#10;Description automatically generated">
+            <a:extLst>
+              <a:ext uri="{FF2B5EF4-FFF2-40B4-BE49-F238E27FC236}">
+                <a16:creationId xmlns:a16="http://schemas.microsoft.com/office/drawing/2014/main" id="{399290FB-FC01-D947-9F56-AA73C87B5108}"/>
+              </a:ext>
+            </a:extLst>
+          </p:cNvPr>
+          <p:cNvPicPr>
+            <a:picLocks noChangeAspect="1"/>
+          </p:cNvPicPr>
+          <p:nvPr/>
+        </p:nvPicPr>
+        <p:blipFill>
+          <a:blip r:embed="rId5">
+            <a:extLst>
+              <a:ext uri="{28A0092B-C50C-407E-A947-70E740481C1C}">
+                <a14:useLocalDpi xmlns:a14="http://schemas.microsoft.com/office/drawing/2010/main" val="0"/>
+              </a:ext>
+            </a:extLst>
+          </a:blip>
+          <a:stretch>
+            <a:fillRect/>
+          </a:stretch>
+        </p:blipFill>
+        <p:spPr>
+          <a:xfrm>
+            <a:off x="9287505" y="3039152"/>
+            <a:ext cx="488323" cy="590714"/>
+          </a:xfrm>
+          <a:prstGeom prst="rect">
+            <a:avLst/>
+          </a:prstGeom>
+        </p:spPr>
+      </p:pic>
+    </p:spTree>
+    <p:extLst>
+      <p:ext uri="{BB962C8B-B14F-4D97-AF65-F5344CB8AC3E}">
+        <p14:creationId xmlns:p14="http://schemas.microsoft.com/office/powerpoint/2010/main" val="2298755704"/>
+      </p:ext>
+    </p:extLst>
+  </p:cSld>
+  <p:clrMapOvr>
+    <a:masterClrMapping/>
+  </p:clrMapOvr>
+  <mc:AlternateContent xmlns:mc="http://schemas.openxmlformats.org/markup-compatibility/2006" xmlns:p14="http://schemas.microsoft.com/office/powerpoint/2010/main">
+    <mc:Choice Requires="p14">
+      <p:transition spd="med" p14:dur="700">
+        <p:fade/>
+      </p:transition>
+    </mc:Choice>
+    <mc:Fallback xmlns="">
+      <p:transition spd="med">
+        <p:fade/>
+      </p:transition>
+    </mc:Fallback>
+  </mc:AlternateContent>
+</p:sld>
+</file>
+
+<file path=ppt/slides/slide4.xml><?xml version="1.0" encoding="utf-8"?>
+<p:sld xmlns:a="http://schemas.openxmlformats.org/drawingml/2006/main" xmlns:r="http://schemas.openxmlformats.org/officeDocument/2006/relationships" xmlns:p="http://schemas.openxmlformats.org/presentationml/2006/main">
+  <p:cSld>
+    <p:spTree>
+      <p:nvGrpSpPr>
+        <p:cNvPr id="1" name=""/>
+        <p:cNvGrpSpPr/>
+        <p:nvPr/>
+      </p:nvGrpSpPr>
+      <p:grpSpPr>
+        <a:xfrm>
+          <a:off x="0" y="0"/>
+          <a:ext cx="0" cy="0"/>
+          <a:chOff x="0" y="0"/>
+          <a:chExt cx="0" cy="0"/>
+        </a:xfrm>
+      </p:grpSpPr>
+      <p:sp>
+        <p:nvSpPr>
+          <p:cNvPr id="2" name="Title 1">
+            <a:extLst>
+              <a:ext uri="{FF2B5EF4-FFF2-40B4-BE49-F238E27FC236}">
+                <a16:creationId xmlns:a16="http://schemas.microsoft.com/office/drawing/2014/main" id="{E5D9D248-289A-436E-930A-EDC2A1DA88CA}"/>
+              </a:ext>
+            </a:extLst>
+          </p:cNvPr>
+          <p:cNvSpPr>
+            <a:spLocks noGrp="1"/>
+          </p:cNvSpPr>
+          <p:nvPr>
+            <p:ph type="title"/>
+          </p:nvPr>
+        </p:nvSpPr>
+        <p:spPr/>
+        <p:txBody>
+          <a:bodyPr/>
+          <a:lstStyle/>
+          <a:p>
+            <a:r>
+              <a:rPr lang="en-US" dirty="0"/>
+              <a:t>Classic Cryptography – Caesar Cipher</a:t>
+            </a:r>
+          </a:p>
+        </p:txBody>
+      </p:sp>
+      <p:sp>
+        <p:nvSpPr>
+          <p:cNvPr id="3" name="Content Placeholder 2">
+            <a:extLst>
+              <a:ext uri="{FF2B5EF4-FFF2-40B4-BE49-F238E27FC236}">
+                <a16:creationId xmlns:a16="http://schemas.microsoft.com/office/drawing/2014/main" id="{42E09CB9-92D4-4D64-B911-812DAA92AEE9}"/>
+              </a:ext>
+            </a:extLst>
+          </p:cNvPr>
+          <p:cNvSpPr>
+            <a:spLocks noGrp="1"/>
+          </p:cNvSpPr>
+          <p:nvPr>
+            <p:ph sz="quarter" idx="13"/>
+          </p:nvPr>
+        </p:nvSpPr>
+        <p:spPr/>
+        <p:txBody>
+          <a:bodyPr/>
+          <a:lstStyle/>
+          <a:p>
+            <a:pPr marL="342900" indent="-342900">
+              <a:buFont typeface="Arial" panose="020B0604020202020204" pitchFamily="34" charset="0"/>
+              <a:buChar char="•"/>
+            </a:pPr>
+            <a:r>
+              <a:rPr lang="en-US" dirty="0"/>
+              <a:t>Shift the alphabet by some number of characters</a:t>
+            </a:r>
+          </a:p>
+          <a:p>
+            <a:pPr algn="ctr"/>
+            <a:r>
+              <a:rPr lang="en-US" dirty="0">
+                <a:latin typeface="Courier New" panose="02070309020205020404" pitchFamily="49" charset="0"/>
+                <a:cs typeface="Courier New" panose="02070309020205020404" pitchFamily="49" charset="0"/>
+              </a:rPr>
+              <a:t>a b c d e f g h </a:t>
+            </a:r>
+            <a:r>
+              <a:rPr lang="en-US" dirty="0" err="1">
+                <a:latin typeface="Courier New" panose="02070309020205020404" pitchFamily="49" charset="0"/>
+                <a:cs typeface="Courier New" panose="02070309020205020404" pitchFamily="49" charset="0"/>
+              </a:rPr>
+              <a:t>i</a:t>
+            </a:r>
+            <a:r>
+              <a:rPr lang="en-US" dirty="0">
+                <a:latin typeface="Courier New" panose="02070309020205020404" pitchFamily="49" charset="0"/>
+                <a:cs typeface="Courier New" panose="02070309020205020404" pitchFamily="49" charset="0"/>
+              </a:rPr>
+              <a:t> j k l m n o p q r t s t u v w x y z</a:t>
+            </a:r>
+          </a:p>
+          <a:p>
+            <a:pPr algn="ctr"/>
+            <a:r>
+              <a:rPr lang="en-US" dirty="0">
+                <a:latin typeface="Courier New" panose="02070309020205020404" pitchFamily="49" charset="0"/>
+                <a:cs typeface="Courier New" panose="02070309020205020404" pitchFamily="49" charset="0"/>
+              </a:rPr>
+              <a:t>d e f g h </a:t>
+            </a:r>
+            <a:r>
+              <a:rPr lang="en-US" dirty="0" err="1">
+                <a:latin typeface="Courier New" panose="02070309020205020404" pitchFamily="49" charset="0"/>
+                <a:cs typeface="Courier New" panose="02070309020205020404" pitchFamily="49" charset="0"/>
+              </a:rPr>
+              <a:t>i</a:t>
+            </a:r>
+            <a:r>
+              <a:rPr lang="en-US" dirty="0">
+                <a:latin typeface="Courier New" panose="02070309020205020404" pitchFamily="49" charset="0"/>
+                <a:cs typeface="Courier New" panose="02070309020205020404" pitchFamily="49" charset="0"/>
+              </a:rPr>
+              <a:t> j k l m n o p q r s t u w v w x y z a b c</a:t>
+            </a:r>
+          </a:p>
+          <a:p>
+            <a:pPr algn="ctr"/>
+            <a:endParaRPr lang="en-US" dirty="0"/>
+          </a:p>
+          <a:p>
+            <a:pPr algn="ctr"/>
+            <a:r>
+              <a:rPr lang="en-US" dirty="0"/>
+              <a:t>What is the plain text?</a:t>
+            </a:r>
+          </a:p>
+          <a:p>
+            <a:pPr algn="ctr"/>
+            <a:r>
+              <a:rPr lang="en-US" sz="2800" dirty="0" err="1"/>
+              <a:t>wkh</a:t>
+            </a:r>
+            <a:r>
+              <a:rPr lang="en-US" sz="2800" dirty="0"/>
+              <a:t> </a:t>
+            </a:r>
+            <a:r>
+              <a:rPr lang="en-US" sz="2800" dirty="0" err="1"/>
+              <a:t>erb’v</a:t>
+            </a:r>
+            <a:r>
+              <a:rPr lang="en-US" sz="2800" dirty="0"/>
+              <a:t> d </a:t>
+            </a:r>
+            <a:r>
+              <a:rPr lang="en-US" sz="2800" dirty="0" err="1"/>
+              <a:t>oldu</a:t>
+            </a:r>
+            <a:endParaRPr lang="en-US" sz="2800" dirty="0"/>
+          </a:p>
+        </p:txBody>
+      </p:sp>
+    </p:spTree>
+    <p:extLst>
+      <p:ext uri="{BB962C8B-B14F-4D97-AF65-F5344CB8AC3E}">
+        <p14:creationId xmlns:p14="http://schemas.microsoft.com/office/powerpoint/2010/main" val="2077590675"/>
+      </p:ext>
+    </p:extLst>
+  </p:cSld>
+  <p:clrMapOvr>
+    <a:masterClrMapping/>
+  </p:clrMapOvr>
+  <mc:AlternateContent xmlns:mc="http://schemas.openxmlformats.org/markup-compatibility/2006" xmlns:p14="http://schemas.microsoft.com/office/powerpoint/2010/main">
+    <mc:Choice Requires="p14">
+      <p:transition spd="med" p14:dur="700">
+        <p:fade/>
+      </p:transition>
+    </mc:Choice>
+    <mc:Fallback xmlns="">
+      <p:transition spd="med">
+        <p:fade/>
+      </p:transition>
+    </mc:Fallback>
+  </mc:AlternateContent>
+</p:sld>
+</file>
+
+<file path=ppt/slides/slide5.xml><?xml version="1.0" encoding="utf-8"?>
+<p:sld xmlns:a="http://schemas.openxmlformats.org/drawingml/2006/main" xmlns:r="http://schemas.openxmlformats.org/officeDocument/2006/relationships" xmlns:p="http://schemas.openxmlformats.org/presentationml/2006/main">
+  <p:cSld>
+    <p:spTree>
+      <p:nvGrpSpPr>
+        <p:cNvPr id="1" name=""/>
+        <p:cNvGrpSpPr/>
+        <p:nvPr/>
+      </p:nvGrpSpPr>
+      <p:grpSpPr>
+        <a:xfrm>
+          <a:off x="0" y="0"/>
+          <a:ext cx="0" cy="0"/>
+          <a:chOff x="0" y="0"/>
+          <a:chExt cx="0" cy="0"/>
+        </a:xfrm>
+      </p:grpSpPr>
+      <p:sp>
+        <p:nvSpPr>
+          <p:cNvPr id="2" name="Title 1">
+            <a:extLst>
+              <a:ext uri="{FF2B5EF4-FFF2-40B4-BE49-F238E27FC236}">
+                <a16:creationId xmlns:a16="http://schemas.microsoft.com/office/drawing/2014/main" id="{087D84E2-C147-C74F-B803-A77F6AA9D1B5}"/>
+              </a:ext>
+            </a:extLst>
+          </p:cNvPr>
+          <p:cNvSpPr>
+            <a:spLocks noGrp="1"/>
+          </p:cNvSpPr>
+          <p:nvPr>
+            <p:ph type="ctrTitle"/>
+          </p:nvPr>
+        </p:nvSpPr>
+        <p:spPr/>
+        <p:txBody>
+          <a:bodyPr/>
+          <a:lstStyle/>
+          <a:p>
+            <a:r>
+              <a:rPr lang="en-US" dirty="0"/>
+              <a:t>Modern Cryptography</a:t>
+            </a:r>
+          </a:p>
+        </p:txBody>
+      </p:sp>
+    </p:spTree>
+    <p:extLst>
+      <p:ext uri="{BB962C8B-B14F-4D97-AF65-F5344CB8AC3E}">
+        <p14:creationId xmlns:p14="http://schemas.microsoft.com/office/powerpoint/2010/main" val="3291761335"/>
+      </p:ext>
+    </p:extLst>
+  </p:cSld>
+  <p:clrMapOvr>
+    <a:masterClrMapping/>
+  </p:clrMapOvr>
+  <mc:AlternateContent xmlns:mc="http://schemas.openxmlformats.org/markup-compatibility/2006" xmlns:p14="http://schemas.microsoft.com/office/powerpoint/2010/main">
+    <mc:Choice Requires="p14">
+      <p:transition spd="med" p14:dur="700">
+        <p:fade/>
+      </p:transition>
+    </mc:Choice>
+    <mc:Fallback xmlns="">
+      <p:transition spd="med">
+        <p:fade/>
+      </p:transition>
+    </mc:Fallback>
+  </mc:AlternateContent>
+</p:sld>
+</file>
+
+<file path=ppt/slides/slide6.xml><?xml version="1.0" encoding="utf-8"?>
+<p:sld xmlns:a="http://schemas.openxmlformats.org/drawingml/2006/main" xmlns:r="http://schemas.openxmlformats.org/officeDocument/2006/relationships" xmlns:p="http://schemas.openxmlformats.org/presentationml/2006/main">
+  <p:cSld>
+    <p:spTree>
+      <p:nvGrpSpPr>
+        <p:cNvPr id="1" name=""/>
+        <p:cNvGrpSpPr/>
+        <p:nvPr/>
+      </p:nvGrpSpPr>
+      <p:grpSpPr>
+        <a:xfrm>
+          <a:off x="0" y="0"/>
+          <a:ext cx="0" cy="0"/>
+          <a:chOff x="0" y="0"/>
+          <a:chExt cx="0" cy="0"/>
+        </a:xfrm>
+      </p:grpSpPr>
+      <p:sp>
+        <p:nvSpPr>
+          <p:cNvPr id="3" name="Title 2"/>
+          <p:cNvSpPr>
+            <a:spLocks noGrp="1"/>
+          </p:cNvSpPr>
+          <p:nvPr>
+            <p:ph type="title"/>
+          </p:nvPr>
+        </p:nvSpPr>
+        <p:spPr>
+          <a:xfrm>
+            <a:off x="1574801" y="1447802"/>
+            <a:ext cx="7950199" cy="1981198"/>
+          </a:xfrm>
+        </p:spPr>
+        <p:txBody>
+          <a:bodyPr/>
+          <a:lstStyle/>
+          <a:p>
+            <a:pPr>
+              <a:lnSpc>
+                <a:spcPts val="5800"/>
+              </a:lnSpc>
+              <a:spcBef>
+                <a:spcPts val="0"/>
+              </a:spcBef>
+            </a:pPr>
+            <a:r>
+              <a:rPr lang="en-US" sz="4000" dirty="0">
+                <a:solidFill>
+                  <a:schemeClr val="tx1"/>
+                </a:solidFill>
+              </a:rPr>
+              <a:t>“A cryptosystem should be secure even if everything about the system, except the key, is public knowledge.”</a:t>
+            </a:r>
+            <a:endParaRPr lang="en-US" sz="4000" dirty="0"/>
+          </a:p>
+        </p:txBody>
+      </p:sp>
+      <p:sp>
+        <p:nvSpPr>
+          <p:cNvPr id="8" name="Text Placeholder 7">
+            <a:extLst>
+              <a:ext uri="{FF2B5EF4-FFF2-40B4-BE49-F238E27FC236}">
+                <a16:creationId xmlns:a16="http://schemas.microsoft.com/office/drawing/2014/main" id="{6AA54BE0-18D4-454D-ABF9-5019BA428BE4}"/>
+              </a:ext>
+            </a:extLst>
+          </p:cNvPr>
+          <p:cNvSpPr>
+            <a:spLocks noGrp="1"/>
+          </p:cNvSpPr>
+          <p:nvPr>
+            <p:ph type="body" sz="half" idx="13"/>
+          </p:nvPr>
+        </p:nvSpPr>
+        <p:spPr/>
+        <p:txBody>
+          <a:bodyPr/>
+          <a:lstStyle/>
+          <a:p>
+            <a:r>
+              <a:rPr lang="en-US" dirty="0"/>
+              <a:t>– Auguste </a:t>
+            </a:r>
+            <a:r>
+              <a:rPr lang="en-US" dirty="0" err="1"/>
+              <a:t>Kerckhoff</a:t>
+            </a:r>
+            <a:r>
+              <a:rPr lang="en-US" dirty="0"/>
+              <a:t>, 1883</a:t>
+            </a:r>
+          </a:p>
+          <a:p>
+            <a:endParaRPr lang="en-US" dirty="0"/>
+          </a:p>
+        </p:txBody>
+      </p:sp>
+      <p:sp>
+        <p:nvSpPr>
+          <p:cNvPr id="4" name="Content Placeholder 3"/>
+          <p:cNvSpPr>
+            <a:spLocks noGrp="1"/>
+          </p:cNvSpPr>
+          <p:nvPr>
+            <p:ph type="body" sz="half" idx="2"/>
+          </p:nvPr>
+        </p:nvSpPr>
+        <p:spPr>
+          <a:xfrm>
+            <a:off x="585627" y="4350657"/>
+            <a:ext cx="11013897" cy="1676400"/>
+          </a:xfrm>
+        </p:spPr>
+        <p:txBody>
+          <a:bodyPr>
+            <a:normAutofit/>
+          </a:bodyPr>
+          <a:lstStyle/>
+          <a:p>
+            <a:pPr lvl="0"/>
+            <a:r>
+              <a:rPr lang="en-US" dirty="0">
+                <a:solidFill>
+                  <a:schemeClr val="accent1"/>
+                </a:solidFill>
+              </a:rPr>
+              <a:t>Knowledge of the cryptographic algorithm and its design does not diminish other security properties. In fact, it is expected that the attacker knows the cryptographic algorithm quite well. Security of the cryptographic algorithm rests only in the underlying “hardness assumptions” (e.g., the difficulty of large integer factorization), protection of algorithm secrets (e.g., keys) and implementation correctness.</a:t>
+            </a:r>
+          </a:p>
+          <a:p>
+            <a:endParaRPr lang="en-US" dirty="0">
+              <a:solidFill>
+                <a:schemeClr val="accent1"/>
+              </a:solidFill>
+            </a:endParaRPr>
+          </a:p>
+        </p:txBody>
+      </p:sp>
+      <p:sp>
+        <p:nvSpPr>
+          <p:cNvPr id="2" name="Slide Number Placeholder 1"/>
+          <p:cNvSpPr>
+            <a:spLocks noGrp="1"/>
+          </p:cNvSpPr>
+          <p:nvPr>
+            <p:ph type="sldNum" sz="quarter" idx="12"/>
+          </p:nvPr>
+        </p:nvSpPr>
+        <p:spPr/>
+        <p:txBody>
+          <a:bodyPr/>
+          <a:lstStyle/>
+          <a:p>
+            <a:fld id="{EE2556C5-CE8C-6547-B838-EA80C61A4AF7}" type="slidenum">
+              <a:rPr lang="en-US" smtClean="0"/>
+              <a:pPr/>
+              <a:t>6</a:t>
+            </a:fld>
+            <a:endParaRPr lang="en-US" dirty="0"/>
+          </a:p>
+        </p:txBody>
+      </p:sp>
+    </p:spTree>
+    <p:extLst>
+      <p:ext uri="{BB962C8B-B14F-4D97-AF65-F5344CB8AC3E}">
+        <p14:creationId xmlns:p14="http://schemas.microsoft.com/office/powerpoint/2010/main" val="3514731230"/>
+      </p:ext>
+    </p:extLst>
+  </p:cSld>
+  <p:clrMapOvr>
+    <a:masterClrMapping/>
+  </p:clrMapOvr>
+  <mc:AlternateContent xmlns:mc="http://schemas.openxmlformats.org/markup-compatibility/2006" xmlns:p14="http://schemas.microsoft.com/office/powerpoint/2010/main">
+    <mc:Choice Requires="p14">
+      <p:transition spd="med" p14:dur="700">
+        <p:fade/>
+      </p:transition>
+    </mc:Choice>
+    <mc:Fallback xmlns="">
+      <p:transition spd="med">
+        <p:fade/>
+      </p:transition>
+    </mc:Fallback>
+  </mc:AlternateContent>
+</p:sld>
+</file>
+
+<file path=ppt/slides/slide7.xml><?xml version="1.0" encoding="utf-8"?>
+<p:sld xmlns:a="http://schemas.openxmlformats.org/drawingml/2006/main" xmlns:r="http://schemas.openxmlformats.org/officeDocument/2006/relationships" xmlns:p="http://schemas.openxmlformats.org/presentationml/2006/main">
+  <p:cSld>
+    <p:spTree>
+      <p:nvGrpSpPr>
+        <p:cNvPr id="1" name=""/>
+        <p:cNvGrpSpPr/>
+        <p:nvPr/>
+      </p:nvGrpSpPr>
+      <p:grpSpPr>
+        <a:xfrm>
+          <a:off x="0" y="0"/>
+          <a:ext cx="0" cy="0"/>
+          <a:chOff x="0" y="0"/>
+          <a:chExt cx="0" cy="0"/>
+        </a:xfrm>
+      </p:grpSpPr>
+      <p:sp>
+        <p:nvSpPr>
+          <p:cNvPr id="2" name="Title 1">
+            <a:extLst>
+              <a:ext uri="{FF2B5EF4-FFF2-40B4-BE49-F238E27FC236}">
+                <a16:creationId xmlns:a16="http://schemas.microsoft.com/office/drawing/2014/main" id="{071ECC35-E986-4A42-A309-4C221BA56C9F}"/>
+              </a:ext>
+            </a:extLst>
+          </p:cNvPr>
+          <p:cNvSpPr>
+            <a:spLocks noGrp="1"/>
+          </p:cNvSpPr>
+          <p:nvPr>
+            <p:ph type="title"/>
+          </p:nvPr>
+        </p:nvSpPr>
+        <p:spPr/>
+        <p:txBody>
+          <a:bodyPr/>
+          <a:lstStyle/>
+          <a:p>
+            <a:r>
+              <a:rPr lang="en-US" dirty="0"/>
+              <a:t>Symmetric Key Cryptography</a:t>
+            </a:r>
+          </a:p>
+        </p:txBody>
+      </p:sp>
+      <p:sp>
+        <p:nvSpPr>
+          <p:cNvPr id="4" name="Content Placeholder 3">
+            <a:extLst>
+              <a:ext uri="{FF2B5EF4-FFF2-40B4-BE49-F238E27FC236}">
+                <a16:creationId xmlns:a16="http://schemas.microsoft.com/office/drawing/2014/main" id="{6B47ABEA-0A1A-4485-913C-52BC543FAB1B}"/>
+              </a:ext>
+            </a:extLst>
+          </p:cNvPr>
+          <p:cNvSpPr>
+            <a:spLocks noGrp="1"/>
+          </p:cNvSpPr>
+          <p:nvPr>
+            <p:ph sz="quarter" idx="13"/>
+          </p:nvPr>
+        </p:nvSpPr>
+        <p:spPr>
+          <a:xfrm>
+            <a:off x="609601" y="1238674"/>
+            <a:ext cx="10970683" cy="4567767"/>
+          </a:xfrm>
+        </p:spPr>
+        <p:txBody>
+          <a:bodyPr/>
+          <a:lstStyle/>
+          <a:p>
+            <a:r>
+              <a:rPr lang="en-US" dirty="0"/>
+              <a:t>Symmetric key cryptographic algorithms use the same cryptographic key for both the encryption of plaintext as well as the decryption of ciphertext. </a:t>
+            </a:r>
+          </a:p>
+          <a:p>
+            <a:pPr marL="342900" indent="-342900">
+              <a:buFont typeface="Arial" panose="020B0604020202020204" pitchFamily="34" charset="0"/>
+              <a:buChar char="•"/>
+            </a:pPr>
+            <a:r>
+              <a:rPr lang="en-US" dirty="0"/>
+              <a:t>The encryption and decryption keys are identical and must be kept secret.</a:t>
+            </a:r>
+          </a:p>
+          <a:p>
+            <a:pPr marL="342900" indent="-342900">
+              <a:buFont typeface="Arial" panose="020B0604020202020204" pitchFamily="34" charset="0"/>
+              <a:buChar char="•"/>
+            </a:pPr>
+            <a:r>
+              <a:rPr lang="en-US" dirty="0"/>
+              <a:t>Based on the key, the algorithm performs various transformations (confusion and diffusion) on the plaintext to render the ciphertext as indistinguishable from random data.</a:t>
+            </a:r>
+          </a:p>
+          <a:p>
+            <a:pPr marL="342900" indent="-342900">
+              <a:buFont typeface="Arial" panose="020B0604020202020204" pitchFamily="34" charset="0"/>
+              <a:buChar char="•"/>
+            </a:pPr>
+            <a:r>
+              <a:rPr lang="en-US" dirty="0"/>
+              <a:t>Used to encrypt larger quantities of data.</a:t>
+            </a:r>
+          </a:p>
+          <a:p>
+            <a:pPr marL="342900" indent="-342900">
+              <a:buFont typeface="Arial" panose="020B0604020202020204" pitchFamily="34" charset="0"/>
+              <a:buChar char="•"/>
+            </a:pPr>
+            <a:r>
+              <a:rPr lang="en-US" dirty="0"/>
+              <a:t>Often used to protect stored data or to exchange data between two parties over an insecure link.</a:t>
+            </a:r>
+          </a:p>
+        </p:txBody>
+      </p:sp>
+      <p:sp>
+        <p:nvSpPr>
+          <p:cNvPr id="3" name="TextBox 2">
+            <a:extLst>
+              <a:ext uri="{FF2B5EF4-FFF2-40B4-BE49-F238E27FC236}">
+                <a16:creationId xmlns:a16="http://schemas.microsoft.com/office/drawing/2014/main" id="{F7F85D1E-704A-EA6E-02BD-FFDAE5E35A53}"/>
+              </a:ext>
+            </a:extLst>
+          </p:cNvPr>
+          <p:cNvSpPr txBox="1"/>
+          <p:nvPr/>
+        </p:nvSpPr>
+        <p:spPr>
+          <a:xfrm>
+            <a:off x="0" y="5619326"/>
+            <a:ext cx="12192000" cy="615553"/>
+          </a:xfrm>
+          <a:prstGeom prst="rect">
+            <a:avLst/>
+          </a:prstGeom>
+          <a:noFill/>
+        </p:spPr>
+        <p:txBody>
+          <a:bodyPr vert="horz" wrap="square" lIns="0" tIns="0" rIns="0" bIns="0" rtlCol="0">
+            <a:spAutoFit/>
+          </a:bodyPr>
+          <a:lstStyle/>
+          <a:p>
+            <a:pPr algn="ctr"/>
+            <a:r>
+              <a:rPr lang="en-US" sz="2000" i="1" dirty="0">
+                <a:solidFill>
+                  <a:srgbClr val="003C71"/>
+                </a:solidFill>
+              </a:rPr>
+              <a:t>Challenge: How do I manage keys for all the people </a:t>
+            </a:r>
+          </a:p>
+          <a:p>
+            <a:pPr algn="ctr"/>
+            <a:r>
+              <a:rPr lang="en-US" sz="2000" i="1" dirty="0">
+                <a:solidFill>
+                  <a:srgbClr val="003C71"/>
+                </a:solidFill>
+              </a:rPr>
+              <a:t>I want to securely share confidential data with?</a:t>
+            </a:r>
+          </a:p>
+        </p:txBody>
+      </p:sp>
+    </p:spTree>
+    <p:extLst>
+      <p:ext uri="{BB962C8B-B14F-4D97-AF65-F5344CB8AC3E}">
+        <p14:creationId xmlns:p14="http://schemas.microsoft.com/office/powerpoint/2010/main" val="1086134652"/>
+      </p:ext>
+    </p:extLst>
+  </p:cSld>
+  <p:clrMapOvr>
+    <a:masterClrMapping/>
+  </p:clrMapOvr>
+  <mc:AlternateContent xmlns:mc="http://schemas.openxmlformats.org/markup-compatibility/2006" xmlns:p14="http://schemas.microsoft.com/office/powerpoint/2010/main">
+    <mc:Choice Requires="p14">
+      <p:transition spd="med" p14:dur="700">
+        <p:fade/>
+      </p:transition>
+    </mc:Choice>
+    <mc:Fallback xmlns="">
+      <p:transition spd="med">
+        <p:fade/>
+      </p:transition>
+    </mc:Fallback>
+  </mc:AlternateContent>
+</p:sld>
+</file>
+
+<file path=ppt/slides/slide8.xml><?xml version="1.0" encoding="utf-8"?>
+<p:sld xmlns:a="http://schemas.openxmlformats.org/drawingml/2006/main" xmlns:r="http://schemas.openxmlformats.org/officeDocument/2006/relationships" xmlns:p="http://schemas.openxmlformats.org/presentationml/2006/main">
+  <p:cSld>
+    <p:spTree>
+      <p:nvGrpSpPr>
+        <p:cNvPr id="1" name=""/>
+        <p:cNvGrpSpPr/>
+        <p:nvPr/>
+      </p:nvGrpSpPr>
+      <p:grpSpPr>
+        <a:xfrm>
+          <a:off x="0" y="0"/>
+          <a:ext cx="0" cy="0"/>
+          <a:chOff x="0" y="0"/>
+          <a:chExt cx="0" cy="0"/>
+        </a:xfrm>
+      </p:grpSpPr>
+      <p:sp>
+        <p:nvSpPr>
+          <p:cNvPr id="2" name="Title 1">
+            <a:extLst>
+              <a:ext uri="{FF2B5EF4-FFF2-40B4-BE49-F238E27FC236}">
+                <a16:creationId xmlns:a16="http://schemas.microsoft.com/office/drawing/2014/main" id="{071ECC35-E986-4A42-A309-4C221BA56C9F}"/>
+              </a:ext>
+            </a:extLst>
+          </p:cNvPr>
+          <p:cNvSpPr>
+            <a:spLocks noGrp="1"/>
+          </p:cNvSpPr>
+          <p:nvPr>
+            <p:ph type="title"/>
+          </p:nvPr>
+        </p:nvSpPr>
+        <p:spPr/>
+        <p:txBody>
+          <a:bodyPr/>
+          <a:lstStyle/>
+          <a:p>
+            <a:r>
+              <a:rPr lang="en-US" dirty="0"/>
+              <a:t>Asymmetric Key Cryptography</a:t>
+            </a:r>
+          </a:p>
+        </p:txBody>
+      </p:sp>
+      <p:sp>
+        <p:nvSpPr>
+          <p:cNvPr id="4" name="Content Placeholder 3">
+            <a:extLst>
+              <a:ext uri="{FF2B5EF4-FFF2-40B4-BE49-F238E27FC236}">
+                <a16:creationId xmlns:a16="http://schemas.microsoft.com/office/drawing/2014/main" id="{6B47ABEA-0A1A-4485-913C-52BC543FAB1B}"/>
+              </a:ext>
+            </a:extLst>
+          </p:cNvPr>
+          <p:cNvSpPr>
+            <a:spLocks noGrp="1"/>
+          </p:cNvSpPr>
+          <p:nvPr>
+            <p:ph sz="quarter" idx="13"/>
+          </p:nvPr>
+        </p:nvSpPr>
+        <p:spPr/>
+        <p:txBody>
+          <a:bodyPr/>
+          <a:lstStyle/>
+          <a:p>
+            <a:r>
+              <a:rPr lang="en-US" b="1" dirty="0"/>
+              <a:t>Public-key cryptography</a:t>
+            </a:r>
+            <a:r>
+              <a:rPr lang="en-US" dirty="0"/>
+              <a:t>, or </a:t>
+            </a:r>
+            <a:r>
+              <a:rPr lang="en-US" b="1" dirty="0"/>
+              <a:t>asymmetric cryptography</a:t>
+            </a:r>
+            <a:r>
+              <a:rPr lang="en-US" dirty="0"/>
+              <a:t>, is a cryptographic system that uses pairs of keys. </a:t>
+            </a:r>
+          </a:p>
+          <a:p>
+            <a:pPr marL="342900" indent="-342900">
+              <a:buFont typeface="Arial" panose="020B0604020202020204" pitchFamily="34" charset="0"/>
+              <a:buChar char="•"/>
+            </a:pPr>
+            <a:r>
+              <a:rPr lang="en-US" dirty="0"/>
+              <a:t>Each pair consists of a </a:t>
+            </a:r>
+            <a:r>
+              <a:rPr lang="en-US" i="1" dirty="0"/>
+              <a:t>public key</a:t>
+            </a:r>
+            <a:r>
+              <a:rPr lang="en-US" dirty="0"/>
+              <a:t> (which may be known to others) and a </a:t>
+            </a:r>
+            <a:r>
+              <a:rPr lang="en-US" i="1" dirty="0"/>
+              <a:t>private key</a:t>
+            </a:r>
+            <a:r>
+              <a:rPr lang="en-US" dirty="0"/>
+              <a:t> (which </a:t>
+            </a:r>
+            <a:r>
+              <a:rPr lang="en-US" b="1" u="sng" dirty="0"/>
+              <a:t>must not</a:t>
+            </a:r>
+            <a:r>
+              <a:rPr lang="en-US" dirty="0"/>
+              <a:t> be known by anyone except the owner).</a:t>
+            </a:r>
+            <a:endParaRPr lang="en-US" baseline="30000" dirty="0"/>
+          </a:p>
+          <a:p>
+            <a:pPr marL="342900" indent="-342900">
+              <a:buFont typeface="Arial" panose="020B0604020202020204" pitchFamily="34" charset="0"/>
+              <a:buChar char="•"/>
+            </a:pPr>
+            <a:r>
+              <a:rPr lang="en-US" dirty="0"/>
+              <a:t>The generation of such key pairs depends on cryptographic algorithms which are based on mathematical problems termed trapdoor one-way functions. </a:t>
+            </a:r>
+          </a:p>
+          <a:p>
+            <a:pPr marL="342900" indent="-342900">
+              <a:buFont typeface="Arial" panose="020B0604020202020204" pitchFamily="34" charset="0"/>
+              <a:buChar char="•"/>
+            </a:pPr>
+            <a:r>
+              <a:rPr lang="en-US" dirty="0"/>
+              <a:t>Effective security requires keeping the private key private; the public key can be openly distributed without compromising security.</a:t>
+            </a:r>
+          </a:p>
+        </p:txBody>
+      </p:sp>
+    </p:spTree>
+    <p:extLst>
+      <p:ext uri="{BB962C8B-B14F-4D97-AF65-F5344CB8AC3E}">
+        <p14:creationId xmlns:p14="http://schemas.microsoft.com/office/powerpoint/2010/main" val="2054400558"/>
+      </p:ext>
+    </p:extLst>
+  </p:cSld>
+  <p:clrMapOvr>
+    <a:masterClrMapping/>
+  </p:clrMapOvr>
+  <mc:AlternateContent xmlns:mc="http://schemas.openxmlformats.org/markup-compatibility/2006" xmlns:p14="http://schemas.microsoft.com/office/powerpoint/2010/main">
+    <mc:Choice Requires="p14">
+      <p:transition spd="med" p14:dur="700">
+        <p:fade/>
+      </p:transition>
+    </mc:Choice>
+    <mc:Fallback xmlns="">
+      <p:transition spd="med">
+        <p:fade/>
+      </p:transition>
+    </mc:Fallback>
+  </mc:AlternateContent>
+</p:sld>
+</file>
+
 <file path=ppt/slides/slide9.xml><?xml version="1.0" encoding="utf-8"?>
 <p:sld xmlns:a="http://schemas.openxmlformats.org/drawingml/2006/main" xmlns:r="http://schemas.openxmlformats.org/officeDocument/2006/relationships" xmlns:p="http://schemas.openxmlformats.org/presentationml/2006/main">
   <p:cSld>
@@ -16447,7 +17600,7 @@
           <p:cNvPr id="2" name="Title 1">
             <a:extLst>
               <a:ext uri="{FF2B5EF4-FFF2-40B4-BE49-F238E27FC236}">
-                <a16:creationId xmlns:a16="http://schemas.microsoft.com/office/drawing/2014/main" id="{071ECC35-E986-4A42-A309-4C221BA56C9F}"/>
+                <a16:creationId xmlns:a16="http://schemas.microsoft.com/office/drawing/2014/main" id="{087D84E2-C147-C74F-B803-A77F6AA9D1B5}"/>
               </a:ext>
             </a:extLst>
           </p:cNvPr>
@@ -16455,7 +17608,7 @@
             <a:spLocks noGrp="1"/>
           </p:cNvSpPr>
           <p:nvPr>
-            <p:ph type="title"/>
+            <p:ph type="ctrTitle"/>
           </p:nvPr>
         </p:nvSpPr>
         <p:spPr/>
@@ -16465,102 +17618,7 @@
           <a:p>
             <a:r>
               <a:rPr lang="en-US" dirty="0"/>
-              <a:t>Asymmetric Key Cryptography</a:t>
-            </a:r>
-          </a:p>
-        </p:txBody>
-      </p:sp>
-      <p:sp>
-        <p:nvSpPr>
-          <p:cNvPr id="4" name="Content Placeholder 3">
-            <a:extLst>
-              <a:ext uri="{FF2B5EF4-FFF2-40B4-BE49-F238E27FC236}">
-                <a16:creationId xmlns:a16="http://schemas.microsoft.com/office/drawing/2014/main" id="{6B47ABEA-0A1A-4485-913C-52BC543FAB1B}"/>
-              </a:ext>
-            </a:extLst>
-          </p:cNvPr>
-          <p:cNvSpPr>
-            <a:spLocks noGrp="1"/>
-          </p:cNvSpPr>
-          <p:nvPr>
-            <p:ph sz="quarter" idx="13"/>
-          </p:nvPr>
-        </p:nvSpPr>
-        <p:spPr/>
-        <p:txBody>
-          <a:bodyPr/>
-          <a:lstStyle/>
-          <a:p>
-            <a:r>
-              <a:rPr lang="en-US" b="1" dirty="0"/>
-              <a:t>Public-key cryptography</a:t>
-            </a:r>
-            <a:r>
-              <a:rPr lang="en-US" dirty="0"/>
-              <a:t>, or </a:t>
-            </a:r>
-            <a:r>
-              <a:rPr lang="en-US" b="1" dirty="0"/>
-              <a:t>asymmetric cryptography</a:t>
-            </a:r>
-            <a:r>
-              <a:rPr lang="en-US" dirty="0"/>
-              <a:t>, is a cryptographic system that uses pairs of keys. </a:t>
-            </a:r>
-          </a:p>
-          <a:p>
-            <a:pPr marL="342900" indent="-342900">
-              <a:buFont typeface="Arial" panose="020B0604020202020204" pitchFamily="34" charset="0"/>
-              <a:buChar char="•"/>
-            </a:pPr>
-            <a:r>
-              <a:rPr lang="en-US" dirty="0"/>
-              <a:t>Each pair consists of a </a:t>
-            </a:r>
-            <a:r>
-              <a:rPr lang="en-US" i="1" dirty="0"/>
-              <a:t>public key</a:t>
-            </a:r>
-            <a:r>
-              <a:rPr lang="en-US" dirty="0"/>
-              <a:t> (which may be known to others) and a </a:t>
-            </a:r>
-            <a:r>
-              <a:rPr lang="en-US" i="1" dirty="0"/>
-              <a:t>private key</a:t>
-            </a:r>
-            <a:r>
-              <a:rPr lang="en-US" dirty="0"/>
-              <a:t> (which </a:t>
-            </a:r>
-            <a:r>
-              <a:rPr lang="en-US" b="1" u="sng" dirty="0"/>
-              <a:t>must not</a:t>
-            </a:r>
-            <a:r>
-              <a:rPr lang="en-US" dirty="0"/>
-              <a:t> be known by anyone except the owner).</a:t>
-            </a:r>
-            <a:endParaRPr lang="en-US" baseline="30000" dirty="0"/>
-          </a:p>
-          <a:p>
-            <a:pPr marL="342900" indent="-342900">
-              <a:buFont typeface="Arial" panose="020B0604020202020204" pitchFamily="34" charset="0"/>
-              <a:buChar char="•"/>
-            </a:pPr>
-            <a:r>
-              <a:rPr lang="en-US" dirty="0"/>
-              <a:t>The generation of such key pairs depends on cryptographic algorithms which are based on mathematical problems termed trapdoor one-way functions. </a:t>
-            </a:r>
-          </a:p>
-          <a:p>
-            <a:pPr marL="342900" indent="-342900">
-              <a:buFont typeface="Arial" panose="020B0604020202020204" pitchFamily="34" charset="0"/>
-              <a:buChar char="•"/>
-            </a:pPr>
-            <a:r>
-              <a:rPr lang="en-US" dirty="0"/>
-              <a:t>Effective security requires keeping the private key private; the public key can be openly distributed without compromising security.</a:t>
+              <a:t>RSA Cryptography</a:t>
             </a:r>
           </a:p>
         </p:txBody>
@@ -16568,20 +17626,20 @@
     </p:spTree>
     <p:extLst>
       <p:ext uri="{BB962C8B-B14F-4D97-AF65-F5344CB8AC3E}">
-        <p14:creationId xmlns:p14="http://schemas.microsoft.com/office/powerpoint/2010/main" val="2054400558"/>
+        <p14:creationId xmlns:p14="http://schemas.microsoft.com/office/powerpoint/2010/main" val="3400773319"/>
       </p:ext>
     </p:extLst>
   </p:cSld>
   <p:clrMapOvr>
     <a:masterClrMapping/>
   </p:clrMapOvr>
-  <mc:AlternateContent xmlns:mc="http://schemas.openxmlformats.org/markup-compatibility/2006" xmlns:p14="http://schemas.microsoft.com/office/powerpoint/2010/main">
-    <mc:Choice Requires="p14">
+  <mc:AlternateContent xmlns:mc="http://schemas.openxmlformats.org/markup-compatibility/2006">
+    <mc:Choice xmlns:p14="http://schemas.microsoft.com/office/powerpoint/2010/main" Requires="p14">
       <p:transition spd="med" p14:dur="700">
         <p:fade/>
       </p:transition>
     </mc:Choice>
-    <mc:Fallback xmlns="">
+    <mc:Fallback>
       <p:transition spd="med">
         <p:fade/>
       </p:transition>
@@ -16631,16 +17689,110 @@
         <a:srgbClr val="00AEEF"/>
       </a:folHlink>
     </a:clrScheme>
-    <a:fontScheme name="Intel Clear">
+    <a:fontScheme name="Office">
       <a:majorFont>
-        <a:latin typeface="Intel Clear"/>
+        <a:latin typeface="Calibri Light" panose="020F0302020204030204"/>
         <a:ea typeface=""/>
         <a:cs typeface=""/>
+        <a:font script="Jpan" typeface="游ゴシック Light"/>
+        <a:font script="Hang" typeface="맑은 고딕"/>
+        <a:font script="Hans" typeface="等线 Light"/>
+        <a:font script="Hant" typeface="新細明體"/>
+        <a:font script="Arab" typeface="Times New Roman"/>
+        <a:font script="Hebr" typeface="Times New Roman"/>
+        <a:font script="Thai" typeface="Angsana New"/>
+        <a:font script="Ethi" typeface="Nyala"/>
+        <a:font script="Beng" typeface="Vrinda"/>
+        <a:font script="Gujr" typeface="Shruti"/>
+        <a:font script="Khmr" typeface="MoolBoran"/>
+        <a:font script="Knda" typeface="Tunga"/>
+        <a:font script="Guru" typeface="Raavi"/>
+        <a:font script="Cans" typeface="Euphemia"/>
+        <a:font script="Cher" typeface="Plantagenet Cherokee"/>
+        <a:font script="Yiii" typeface="Microsoft Yi Baiti"/>
+        <a:font script="Tibt" typeface="Microsoft Himalaya"/>
+        <a:font script="Thaa" typeface="MV Boli"/>
+        <a:font script="Deva" typeface="Mangal"/>
+        <a:font script="Telu" typeface="Gautami"/>
+        <a:font script="Taml" typeface="Latha"/>
+        <a:font script="Syrc" typeface="Estrangelo Edessa"/>
+        <a:font script="Orya" typeface="Kalinga"/>
+        <a:font script="Mlym" typeface="Kartika"/>
+        <a:font script="Laoo" typeface="DokChampa"/>
+        <a:font script="Sinh" typeface="Iskoola Pota"/>
+        <a:font script="Mong" typeface="Mongolian Baiti"/>
+        <a:font script="Viet" typeface="Times New Roman"/>
+        <a:font script="Uigh" typeface="Microsoft Uighur"/>
+        <a:font script="Geor" typeface="Sylfaen"/>
+        <a:font script="Armn" typeface="Arial"/>
+        <a:font script="Bugi" typeface="Leelawadee UI"/>
+        <a:font script="Bopo" typeface="Microsoft JhengHei"/>
+        <a:font script="Java" typeface="Javanese Text"/>
+        <a:font script="Lisu" typeface="Segoe UI"/>
+        <a:font script="Mymr" typeface="Myanmar Text"/>
+        <a:font script="Nkoo" typeface="Ebrima"/>
+        <a:font script="Olck" typeface="Nirmala UI"/>
+        <a:font script="Osma" typeface="Ebrima"/>
+        <a:font script="Phag" typeface="Phagspa"/>
+        <a:font script="Syrn" typeface="Estrangelo Edessa"/>
+        <a:font script="Syrj" typeface="Estrangelo Edessa"/>
+        <a:font script="Syre" typeface="Estrangelo Edessa"/>
+        <a:font script="Sora" typeface="Nirmala UI"/>
+        <a:font script="Tale" typeface="Microsoft Tai Le"/>
+        <a:font script="Talu" typeface="Microsoft New Tai Lue"/>
+        <a:font script="Tfng" typeface="Ebrima"/>
       </a:majorFont>
       <a:minorFont>
-        <a:latin typeface="Intel Clear"/>
+        <a:latin typeface="Calibri" panose="020F0502020204030204"/>
         <a:ea typeface=""/>
         <a:cs typeface=""/>
+        <a:font script="Jpan" typeface="游ゴシック"/>
+        <a:font script="Hang" typeface="맑은 고딕"/>
+        <a:font script="Hans" typeface="等线"/>
+        <a:font script="Hant" typeface="新細明體"/>
+        <a:font script="Arab" typeface="Arial"/>
+        <a:font script="Hebr" typeface="Arial"/>
+        <a:font script="Thai" typeface="Cordia New"/>
+        <a:font script="Ethi" typeface="Nyala"/>
+        <a:font script="Beng" typeface="Vrinda"/>
+        <a:font script="Gujr" typeface="Shruti"/>
+        <a:font script="Khmr" typeface="DaunPenh"/>
+        <a:font script="Knda" typeface="Tunga"/>
+        <a:font script="Guru" typeface="Raavi"/>
+        <a:font script="Cans" typeface="Euphemia"/>
+        <a:font script="Cher" typeface="Plantagenet Cherokee"/>
+        <a:font script="Yiii" typeface="Microsoft Yi Baiti"/>
+        <a:font script="Tibt" typeface="Microsoft Himalaya"/>
+        <a:font script="Thaa" typeface="MV Boli"/>
+        <a:font script="Deva" typeface="Mangal"/>
+        <a:font script="Telu" typeface="Gautami"/>
+        <a:font script="Taml" typeface="Latha"/>
+        <a:font script="Syrc" typeface="Estrangelo Edessa"/>
+        <a:font script="Orya" typeface="Kalinga"/>
+        <a:font script="Mlym" typeface="Kartika"/>
+        <a:font script="Laoo" typeface="DokChampa"/>
+        <a:font script="Sinh" typeface="Iskoola Pota"/>
+        <a:font script="Mong" typeface="Mongolian Baiti"/>
+        <a:font script="Viet" typeface="Arial"/>
+        <a:font script="Uigh" typeface="Microsoft Uighur"/>
+        <a:font script="Geor" typeface="Sylfaen"/>
+        <a:font script="Armn" typeface="Arial"/>
+        <a:font script="Bugi" typeface="Leelawadee UI"/>
+        <a:font script="Bopo" typeface="Microsoft JhengHei"/>
+        <a:font script="Java" typeface="Javanese Text"/>
+        <a:font script="Lisu" typeface="Segoe UI"/>
+        <a:font script="Mymr" typeface="Myanmar Text"/>
+        <a:font script="Nkoo" typeface="Ebrima"/>
+        <a:font script="Olck" typeface="Nirmala UI"/>
+        <a:font script="Osma" typeface="Ebrima"/>
+        <a:font script="Phag" typeface="Phagspa"/>
+        <a:font script="Syrn" typeface="Estrangelo Edessa"/>
+        <a:font script="Syrj" typeface="Estrangelo Edessa"/>
+        <a:font script="Syre" typeface="Estrangelo Edessa"/>
+        <a:font script="Sora" typeface="Nirmala UI"/>
+        <a:font script="Tale" typeface="Microsoft Tai Le"/>
+        <a:font script="Talu" typeface="Microsoft New Tai Lue"/>
+        <a:font script="Tfng" typeface="Ebrima"/>
       </a:minorFont>
     </a:fontScheme>
     <a:fmtScheme name="Office">
@@ -17184,4 +18336,299 @@
     </a:ext>
   </a:extLst>
 </a:theme>
+</file>
+
+<file path=ppt/theme/theme3.xml><?xml version="1.0" encoding="utf-8"?>
+<a:theme xmlns:a="http://schemas.openxmlformats.org/drawingml/2006/main" name="Office Theme">
+  <a:themeElements>
+    <a:clrScheme name="Office">
+      <a:dk1>
+        <a:sysClr val="windowText" lastClr="000000"/>
+      </a:dk1>
+      <a:lt1>
+        <a:sysClr val="window" lastClr="FFFFFF"/>
+      </a:lt1>
+      <a:dk2>
+        <a:srgbClr val="44546A"/>
+      </a:dk2>
+      <a:lt2>
+        <a:srgbClr val="E7E6E6"/>
+      </a:lt2>
+      <a:accent1>
+        <a:srgbClr val="4472C4"/>
+      </a:accent1>
+      <a:accent2>
+        <a:srgbClr val="ED7D31"/>
+      </a:accent2>
+      <a:accent3>
+        <a:srgbClr val="A5A5A5"/>
+      </a:accent3>
+      <a:accent4>
+        <a:srgbClr val="FFC000"/>
+      </a:accent4>
+      <a:accent5>
+        <a:srgbClr val="5B9BD5"/>
+      </a:accent5>
+      <a:accent6>
+        <a:srgbClr val="70AD47"/>
+      </a:accent6>
+      <a:hlink>
+        <a:srgbClr val="0563C1"/>
+      </a:hlink>
+      <a:folHlink>
+        <a:srgbClr val="954F72"/>
+      </a:folHlink>
+    </a:clrScheme>
+    <a:fontScheme name="Office">
+      <a:majorFont>
+        <a:latin typeface="Calibri Light" panose="020F0302020204030204"/>
+        <a:ea typeface=""/>
+        <a:cs typeface=""/>
+        <a:font script="Jpan" typeface="游ゴシック Light"/>
+        <a:font script="Hang" typeface="맑은 고딕"/>
+        <a:font script="Hans" typeface="等线 Light"/>
+        <a:font script="Hant" typeface="新細明體"/>
+        <a:font script="Arab" typeface="Times New Roman"/>
+        <a:font script="Hebr" typeface="Times New Roman"/>
+        <a:font script="Thai" typeface="Angsana New"/>
+        <a:font script="Ethi" typeface="Nyala"/>
+        <a:font script="Beng" typeface="Vrinda"/>
+        <a:font script="Gujr" typeface="Shruti"/>
+        <a:font script="Khmr" typeface="MoolBoran"/>
+        <a:font script="Knda" typeface="Tunga"/>
+        <a:font script="Guru" typeface="Raavi"/>
+        <a:font script="Cans" typeface="Euphemia"/>
+        <a:font script="Cher" typeface="Plantagenet Cherokee"/>
+        <a:font script="Yiii" typeface="Microsoft Yi Baiti"/>
+        <a:font script="Tibt" typeface="Microsoft Himalaya"/>
+        <a:font script="Thaa" typeface="MV Boli"/>
+        <a:font script="Deva" typeface="Mangal"/>
+        <a:font script="Telu" typeface="Gautami"/>
+        <a:font script="Taml" typeface="Latha"/>
+        <a:font script="Syrc" typeface="Estrangelo Edessa"/>
+        <a:font script="Orya" typeface="Kalinga"/>
+        <a:font script="Mlym" typeface="Kartika"/>
+        <a:font script="Laoo" typeface="DokChampa"/>
+        <a:font script="Sinh" typeface="Iskoola Pota"/>
+        <a:font script="Mong" typeface="Mongolian Baiti"/>
+        <a:font script="Viet" typeface="Times New Roman"/>
+        <a:font script="Uigh" typeface="Microsoft Uighur"/>
+        <a:font script="Geor" typeface="Sylfaen"/>
+        <a:font script="Armn" typeface="Arial"/>
+        <a:font script="Bugi" typeface="Leelawadee UI"/>
+        <a:font script="Bopo" typeface="Microsoft JhengHei"/>
+        <a:font script="Java" typeface="Javanese Text"/>
+        <a:font script="Lisu" typeface="Segoe UI"/>
+        <a:font script="Mymr" typeface="Myanmar Text"/>
+        <a:font script="Nkoo" typeface="Ebrima"/>
+        <a:font script="Olck" typeface="Nirmala UI"/>
+        <a:font script="Osma" typeface="Ebrima"/>
+        <a:font script="Phag" typeface="Phagspa"/>
+        <a:font script="Syrn" typeface="Estrangelo Edessa"/>
+        <a:font script="Syrj" typeface="Estrangelo Edessa"/>
+        <a:font script="Syre" typeface="Estrangelo Edessa"/>
+        <a:font script="Sora" typeface="Nirmala UI"/>
+        <a:font script="Tale" typeface="Microsoft Tai Le"/>
+        <a:font script="Talu" typeface="Microsoft New Tai Lue"/>
+        <a:font script="Tfng" typeface="Ebrima"/>
+      </a:majorFont>
+      <a:minorFont>
+        <a:latin typeface="Calibri" panose="020F0502020204030204"/>
+        <a:ea typeface=""/>
+        <a:cs typeface=""/>
+        <a:font script="Jpan" typeface="游ゴシック"/>
+        <a:font script="Hang" typeface="맑은 고딕"/>
+        <a:font script="Hans" typeface="等线"/>
+        <a:font script="Hant" typeface="新細明體"/>
+        <a:font script="Arab" typeface="Arial"/>
+        <a:font script="Hebr" typeface="Arial"/>
+        <a:font script="Thai" typeface="Cordia New"/>
+        <a:font script="Ethi" typeface="Nyala"/>
+        <a:font script="Beng" typeface="Vrinda"/>
+        <a:font script="Gujr" typeface="Shruti"/>
+        <a:font script="Khmr" typeface="DaunPenh"/>
+        <a:font script="Knda" typeface="Tunga"/>
+        <a:font script="Guru" typeface="Raavi"/>
+        <a:font script="Cans" typeface="Euphemia"/>
+        <a:font script="Cher" typeface="Plantagenet Cherokee"/>
+        <a:font script="Yiii" typeface="Microsoft Yi Baiti"/>
+        <a:font script="Tibt" typeface="Microsoft Himalaya"/>
+        <a:font script="Thaa" typeface="MV Boli"/>
+        <a:font script="Deva" typeface="Mangal"/>
+        <a:font script="Telu" typeface="Gautami"/>
+        <a:font script="Taml" typeface="Latha"/>
+        <a:font script="Syrc" typeface="Estrangelo Edessa"/>
+        <a:font script="Orya" typeface="Kalinga"/>
+        <a:font script="Mlym" typeface="Kartika"/>
+        <a:font script="Laoo" typeface="DokChampa"/>
+        <a:font script="Sinh" typeface="Iskoola Pota"/>
+        <a:font script="Mong" typeface="Mongolian Baiti"/>
+        <a:font script="Viet" typeface="Arial"/>
+        <a:font script="Uigh" typeface="Microsoft Uighur"/>
+        <a:font script="Geor" typeface="Sylfaen"/>
+        <a:font script="Armn" typeface="Arial"/>
+        <a:font script="Bugi" typeface="Leelawadee UI"/>
+        <a:font script="Bopo" typeface="Microsoft JhengHei"/>
+        <a:font script="Java" typeface="Javanese Text"/>
+        <a:font script="Lisu" typeface="Segoe UI"/>
+        <a:font script="Mymr" typeface="Myanmar Text"/>
+        <a:font script="Nkoo" typeface="Ebrima"/>
+        <a:font script="Olck" typeface="Nirmala UI"/>
+        <a:font script="Osma" typeface="Ebrima"/>
+        <a:font script="Phag" typeface="Phagspa"/>
+        <a:font script="Syrn" typeface="Estrangelo Edessa"/>
+        <a:font script="Syrj" typeface="Estrangelo Edessa"/>
+        <a:font script="Syre" typeface="Estrangelo Edessa"/>
+        <a:font script="Sora" typeface="Nirmala UI"/>
+        <a:font script="Tale" typeface="Microsoft Tai Le"/>
+        <a:font script="Talu" typeface="Microsoft New Tai Lue"/>
+        <a:font script="Tfng" typeface="Ebrima"/>
+      </a:minorFont>
+    </a:fontScheme>
+    <a:fmtScheme name="Office">
+      <a:fillStyleLst>
+        <a:solidFill>
+          <a:schemeClr val="phClr"/>
+        </a:solidFill>
+        <a:gradFill rotWithShape="1">
+          <a:gsLst>
+            <a:gs pos="0">
+              <a:schemeClr val="phClr">
+                <a:lumMod val="110000"/>
+                <a:satMod val="105000"/>
+                <a:tint val="67000"/>
+              </a:schemeClr>
+            </a:gs>
+            <a:gs pos="50000">
+              <a:schemeClr val="phClr">
+                <a:lumMod val="105000"/>
+                <a:satMod val="103000"/>
+                <a:tint val="73000"/>
+              </a:schemeClr>
+            </a:gs>
+            <a:gs pos="100000">
+              <a:schemeClr val="phClr">
+                <a:lumMod val="105000"/>
+                <a:satMod val="109000"/>
+                <a:tint val="81000"/>
+              </a:schemeClr>
+            </a:gs>
+          </a:gsLst>
+          <a:lin ang="5400000" scaled="0"/>
+        </a:gradFill>
+        <a:gradFill rotWithShape="1">
+          <a:gsLst>
+            <a:gs pos="0">
+              <a:schemeClr val="phClr">
+                <a:satMod val="103000"/>
+                <a:lumMod val="102000"/>
+                <a:tint val="94000"/>
+              </a:schemeClr>
+            </a:gs>
+            <a:gs pos="50000">
+              <a:schemeClr val="phClr">
+                <a:satMod val="110000"/>
+                <a:lumMod val="100000"/>
+                <a:shade val="100000"/>
+              </a:schemeClr>
+            </a:gs>
+            <a:gs pos="100000">
+              <a:schemeClr val="phClr">
+                <a:lumMod val="99000"/>
+                <a:satMod val="120000"/>
+                <a:shade val="78000"/>
+              </a:schemeClr>
+            </a:gs>
+          </a:gsLst>
+          <a:lin ang="5400000" scaled="0"/>
+        </a:gradFill>
+      </a:fillStyleLst>
+      <a:lnStyleLst>
+        <a:ln w="6350" cap="flat" cmpd="sng" algn="ctr">
+          <a:solidFill>
+            <a:schemeClr val="phClr"/>
+          </a:solidFill>
+          <a:prstDash val="solid"/>
+          <a:miter lim="800000"/>
+        </a:ln>
+        <a:ln w="12700" cap="flat" cmpd="sng" algn="ctr">
+          <a:solidFill>
+            <a:schemeClr val="phClr"/>
+          </a:solidFill>
+          <a:prstDash val="solid"/>
+          <a:miter lim="800000"/>
+        </a:ln>
+        <a:ln w="19050" cap="flat" cmpd="sng" algn="ctr">
+          <a:solidFill>
+            <a:schemeClr val="phClr"/>
+          </a:solidFill>
+          <a:prstDash val="solid"/>
+          <a:miter lim="800000"/>
+        </a:ln>
+      </a:lnStyleLst>
+      <a:effectStyleLst>
+        <a:effectStyle>
+          <a:effectLst/>
+        </a:effectStyle>
+        <a:effectStyle>
+          <a:effectLst/>
+        </a:effectStyle>
+        <a:effectStyle>
+          <a:effectLst>
+            <a:outerShdw blurRad="57150" dist="19050" dir="5400000" algn="ctr" rotWithShape="0">
+              <a:srgbClr val="000000">
+                <a:alpha val="63000"/>
+              </a:srgbClr>
+            </a:outerShdw>
+          </a:effectLst>
+        </a:effectStyle>
+      </a:effectStyleLst>
+      <a:bgFillStyleLst>
+        <a:solidFill>
+          <a:schemeClr val="phClr"/>
+        </a:solidFill>
+        <a:solidFill>
+          <a:schemeClr val="phClr">
+            <a:tint val="95000"/>
+            <a:satMod val="170000"/>
+          </a:schemeClr>
+        </a:solidFill>
+        <a:gradFill rotWithShape="1">
+          <a:gsLst>
+            <a:gs pos="0">
+              <a:schemeClr val="phClr">
+                <a:tint val="93000"/>
+                <a:satMod val="150000"/>
+                <a:shade val="98000"/>
+                <a:lumMod val="102000"/>
+              </a:schemeClr>
+            </a:gs>
+            <a:gs pos="50000">
+              <a:schemeClr val="phClr">
+                <a:tint val="98000"/>
+                <a:satMod val="130000"/>
+                <a:shade val="90000"/>
+                <a:lumMod val="103000"/>
+              </a:schemeClr>
+            </a:gs>
+            <a:gs pos="100000">
+              <a:schemeClr val="phClr">
+                <a:shade val="63000"/>
+                <a:satMod val="120000"/>
+              </a:schemeClr>
+            </a:gs>
+          </a:gsLst>
+          <a:lin ang="5400000" scaled="0"/>
+        </a:gradFill>
+      </a:bgFillStyleLst>
+    </a:fmtScheme>
+  </a:themeElements>
+  <a:objectDefaults/>
+  <a:extraClrSchemeLst/>
+  <a:extLst>
+    <a:ext uri="{05A4C25C-085E-4340-85A3-A5531E510DB2}">
+      <thm15:themeFamily xmlns:thm15="http://schemas.microsoft.com/office/thememl/2012/main" name="Office Theme" id="{62F939B6-93AF-4DB8-9C6B-D6C7DFDC589F}" vid="{4A3C46E8-61CC-4603-A589-7422A47A8E4A}"/>
+    </a:ext>
+  </a:extLst>
+</a:theme>
 </file>